--- a/notes/streams.pptx
+++ b/notes/streams.pptx
@@ -5,21 +5,22 @@
     <p:sldMasterId id="2147483672" r:id="rId1"/>
   </p:sldMasterIdLst>
   <p:notesMasterIdLst>
-    <p:notesMasterId r:id="rId11"/>
+    <p:notesMasterId r:id="rId12"/>
   </p:notesMasterIdLst>
   <p:handoutMasterIdLst>
-    <p:handoutMasterId r:id="rId12"/>
+    <p:handoutMasterId r:id="rId13"/>
   </p:handoutMasterIdLst>
   <p:sldIdLst>
     <p:sldId id="256" r:id="rId2"/>
     <p:sldId id="288" r:id="rId3"/>
-    <p:sldId id="289" r:id="rId4"/>
-    <p:sldId id="290" r:id="rId5"/>
-    <p:sldId id="291" r:id="rId6"/>
-    <p:sldId id="294" r:id="rId7"/>
-    <p:sldId id="293" r:id="rId8"/>
-    <p:sldId id="292" r:id="rId9"/>
-    <p:sldId id="295" r:id="rId10"/>
+    <p:sldId id="296" r:id="rId4"/>
+    <p:sldId id="289" r:id="rId5"/>
+    <p:sldId id="290" r:id="rId6"/>
+    <p:sldId id="291" r:id="rId7"/>
+    <p:sldId id="294" r:id="rId8"/>
+    <p:sldId id="293" r:id="rId9"/>
+    <p:sldId id="292" r:id="rId10"/>
+    <p:sldId id="295" r:id="rId11"/>
   </p:sldIdLst>
   <p:sldSz cx="12192000" cy="6858000"/>
   <p:notesSz cx="9144000" cy="6858000"/>
@@ -4024,6 +4025,110 @@
 </p:sld>
 </file>
 
+<file path=ppt/slides/slide10.xml><?xml version="1.0" encoding="utf-8"?>
+<p:sld xmlns:a="http://schemas.openxmlformats.org/drawingml/2006/main" xmlns:r="http://schemas.openxmlformats.org/officeDocument/2006/relationships" xmlns:p="http://schemas.openxmlformats.org/presentationml/2006/main">
+  <p:cSld>
+    <p:spTree>
+      <p:nvGrpSpPr>
+        <p:cNvPr id="1" name=""/>
+        <p:cNvGrpSpPr/>
+        <p:nvPr/>
+      </p:nvGrpSpPr>
+      <p:grpSpPr>
+        <a:xfrm>
+          <a:off x="0" y="0"/>
+          <a:ext cx="0" cy="0"/>
+          <a:chOff x="0" y="0"/>
+          <a:chExt cx="0" cy="0"/>
+        </a:xfrm>
+      </p:grpSpPr>
+      <p:sp>
+        <p:nvSpPr>
+          <p:cNvPr id="2" name="Title 1">
+            <a:extLst>
+              <a:ext uri="{FF2B5EF4-FFF2-40B4-BE49-F238E27FC236}">
+                <a16:creationId xmlns:a16="http://schemas.microsoft.com/office/drawing/2014/main" id="{C34B370F-CEC6-1648-9F11-2FE9245A2FA1}"/>
+              </a:ext>
+            </a:extLst>
+          </p:cNvPr>
+          <p:cNvSpPr>
+            <a:spLocks noGrp="1"/>
+          </p:cNvSpPr>
+          <p:nvPr>
+            <p:ph type="title"/>
+          </p:nvPr>
+        </p:nvSpPr>
+        <p:spPr/>
+        <p:txBody>
+          <a:bodyPr/>
+          <a:lstStyle/>
+          <a:p>
+            <a:r>
+              <a:rPr lang="en-US" dirty="0"/>
+              <a:t>Summary</a:t>
+            </a:r>
+          </a:p>
+        </p:txBody>
+      </p:sp>
+      <p:sp>
+        <p:nvSpPr>
+          <p:cNvPr id="3" name="Content Placeholder 2">
+            <a:extLst>
+              <a:ext uri="{FF2B5EF4-FFF2-40B4-BE49-F238E27FC236}">
+                <a16:creationId xmlns:a16="http://schemas.microsoft.com/office/drawing/2014/main" id="{06077FD4-5B42-8A46-A4B0-6C2711EA0854}"/>
+              </a:ext>
+            </a:extLst>
+          </p:cNvPr>
+          <p:cNvSpPr>
+            <a:spLocks noGrp="1"/>
+          </p:cNvSpPr>
+          <p:nvPr>
+            <p:ph idx="1"/>
+          </p:nvPr>
+        </p:nvSpPr>
+        <p:spPr/>
+        <p:txBody>
+          <a:bodyPr/>
+          <a:lstStyle/>
+          <a:p>
+            <a:r>
+              <a:rPr lang="en-US" dirty="0"/>
+              <a:t>pipe “|” hooks output of one process to input of another</a:t>
+            </a:r>
+          </a:p>
+          <a:p>
+            <a:r>
+              <a:rPr lang="en-US" dirty="0"/>
+              <a:t>redirect program output to a file using “&gt;”</a:t>
+            </a:r>
+          </a:p>
+          <a:p>
+            <a:r>
+              <a:rPr lang="en-US" dirty="0"/>
+              <a:t>redirect program output to a file using “&gt;&gt;” to append not overwrite</a:t>
+            </a:r>
+          </a:p>
+          <a:p>
+            <a:r>
+              <a:rPr lang="en-US" dirty="0"/>
+              <a:t>open file and send contents as standard input to a program using ‘&lt;‘ operator</a:t>
+            </a:r>
+          </a:p>
+        </p:txBody>
+      </p:sp>
+    </p:spTree>
+    <p:extLst>
+      <p:ext uri="{BB962C8B-B14F-4D97-AF65-F5344CB8AC3E}">
+        <p14:creationId xmlns:p14="http://schemas.microsoft.com/office/powerpoint/2010/main" val="3643462524"/>
+      </p:ext>
+    </p:extLst>
+  </p:cSld>
+  <p:clrMapOvr>
+    <a:masterClrMapping/>
+  </p:clrMapOvr>
+</p:sld>
+</file>
+
 <file path=ppt/slides/slide2.xml><?xml version="1.0" encoding="utf-8"?>
 <p:sld xmlns:a="http://schemas.openxmlformats.org/drawingml/2006/main" xmlns:r="http://schemas.openxmlformats.org/officeDocument/2006/relationships" xmlns:p="http://schemas.openxmlformats.org/presentationml/2006/main">
   <p:cSld>
@@ -4495,7 +4600,7 @@
           <p:cNvPr id="2" name="Title 1">
             <a:extLst>
               <a:ext uri="{FF2B5EF4-FFF2-40B4-BE49-F238E27FC236}">
-                <a16:creationId xmlns:a16="http://schemas.microsoft.com/office/drawing/2014/main" id="{140ADA11-0D68-4F46-B5E8-36D62C3AB7AC}"/>
+                <a16:creationId xmlns:a16="http://schemas.microsoft.com/office/drawing/2014/main" id="{379574C2-DB75-DB45-BF5E-6693C8D9C2D1}"/>
               </a:ext>
             </a:extLst>
           </p:cNvPr>
@@ -4504,241 +4609,173 @@
           </p:cNvSpPr>
           <p:nvPr>
             <p:ph type="title"/>
-          </p:nvPr>
-        </p:nvSpPr>
-        <p:spPr/>
-        <p:txBody>
-          <a:bodyPr>
-            <a:normAutofit fontScale="90000"/>
-          </a:bodyPr>
-          <a:lstStyle/>
-          <a:p>
-            <a:r>
-              <a:rPr lang="en-US" dirty="0"/>
-              <a:t>UNIX has lots of commands we can mix and match to solve problems without new code</a:t>
-            </a:r>
-          </a:p>
-        </p:txBody>
-      </p:sp>
-      <p:sp>
-        <p:nvSpPr>
-          <p:cNvPr id="3" name="Content Placeholder 2">
-            <a:extLst>
-              <a:ext uri="{FF2B5EF4-FFF2-40B4-BE49-F238E27FC236}">
-                <a16:creationId xmlns:a16="http://schemas.microsoft.com/office/drawing/2014/main" id="{45F1F7C3-1595-4448-9F22-1B44347C8C22}"/>
-              </a:ext>
-            </a:extLst>
-          </p:cNvPr>
-          <p:cNvSpPr>
-            <a:spLocks noGrp="1"/>
-          </p:cNvSpPr>
-          <p:nvPr>
-            <p:ph idx="1"/>
           </p:nvPr>
         </p:nvSpPr>
         <p:spPr>
           <a:xfrm>
-            <a:off x="838200" y="1825625"/>
-            <a:ext cx="6521605" cy="4351338"/>
-          </a:xfrm>
-        </p:spPr>
-        <p:txBody>
-          <a:bodyPr>
-            <a:normAutofit lnSpcReduction="10000"/>
+            <a:off x="838200" y="365126"/>
+            <a:ext cx="10515600" cy="872690"/>
+          </a:xfrm>
+        </p:spPr>
+        <p:txBody>
+          <a:bodyPr/>
+          <a:lstStyle/>
+          <a:p>
+            <a:r>
+              <a:rPr lang="en-US" dirty="0"/>
+              <a:t>Nice visualizations from </a:t>
+            </a:r>
+            <a:r>
+              <a:rPr lang="en-US" dirty="0" err="1"/>
+              <a:t>rozmichelle</a:t>
+            </a:r>
+            <a:endParaRPr lang="en-US" dirty="0"/>
+          </a:p>
+        </p:txBody>
+      </p:sp>
+      <p:sp>
+        <p:nvSpPr>
+          <p:cNvPr id="5" name="TextBox 4">
+            <a:extLst>
+              <a:ext uri="{FF2B5EF4-FFF2-40B4-BE49-F238E27FC236}">
+                <a16:creationId xmlns:a16="http://schemas.microsoft.com/office/drawing/2014/main" id="{39352CBE-2DDB-094E-8DBB-058E30BFF89C}"/>
+              </a:ext>
+            </a:extLst>
+          </p:cNvPr>
+          <p:cNvSpPr txBox="1"/>
+          <p:nvPr/>
+        </p:nvSpPr>
+        <p:spPr>
+          <a:xfrm>
+            <a:off x="0" y="6488668"/>
+            <a:ext cx="5352812" cy="369332"/>
+          </a:xfrm>
+          <a:prstGeom prst="rect">
+            <a:avLst/>
+          </a:prstGeom>
+          <a:noFill/>
+        </p:spPr>
+        <p:txBody>
+          <a:bodyPr wrap="none" rtlCol="0">
+            <a:spAutoFit/>
           </a:bodyPr>
           <a:lstStyle/>
           <a:p>
             <a:r>
               <a:rPr lang="en-US" dirty="0"/>
-              <a:t>To combine programs, we need to send the output of one program to the input of another</a:t>
-            </a:r>
-          </a:p>
-          <a:p>
+              <a:t>See </a:t>
+            </a:r>
+            <a:r>
+              <a:rPr lang="en-US" dirty="0">
+                <a:hlinkClick r:id="rId2"/>
+              </a:rPr>
+              <a:t>http://www.rozmichelle.com/pipes-forks-dups/</a:t>
+            </a:r>
             <a:r>
               <a:rPr lang="en-US" dirty="0"/>
-              <a:t>This lets us transform or simplify data in multiple steps</a:t>
-            </a:r>
-          </a:p>
-          <a:p>
-            <a:r>
-              <a:rPr lang="en-US" dirty="0"/>
-              <a:t>The mechanism for passing the standard output of one program to the standard input of another program is called a </a:t>
-            </a:r>
-            <a:r>
-              <a:rPr lang="en-US" i="1" dirty="0"/>
-              <a:t>pipe</a:t>
-            </a:r>
-          </a:p>
-          <a:p>
-            <a:r>
-              <a:rPr lang="en-US" dirty="0"/>
-              <a:t>Here’s an example piping the output of </a:t>
-            </a:r>
-            <a:r>
-              <a:rPr lang="en-US" b="1" dirty="0"/>
-              <a:t>ls</a:t>
-            </a:r>
-            <a:r>
-              <a:rPr lang="en-US" dirty="0"/>
-              <a:t> to the input of </a:t>
-            </a:r>
-            <a:r>
-              <a:rPr lang="en-US" b="1" dirty="0"/>
-              <a:t>more</a:t>
-            </a:r>
-            <a:r>
-              <a:rPr lang="en-US" dirty="0"/>
-              <a:t> and then </a:t>
-            </a:r>
-            <a:r>
-              <a:rPr lang="en-US" b="1" dirty="0" err="1"/>
-              <a:t>wc</a:t>
-            </a:r>
-            <a:r>
-              <a:rPr lang="en-US" dirty="0"/>
-              <a:t>:</a:t>
+              <a:t> </a:t>
             </a:r>
           </a:p>
         </p:txBody>
       </p:sp>
       <p:pic>
         <p:nvPicPr>
-          <p:cNvPr id="5" name="Picture 4" descr="Text, letter&#10;&#10;Description automatically generated">
-            <a:extLst>
-              <a:ext uri="{FF2B5EF4-FFF2-40B4-BE49-F238E27FC236}">
-                <a16:creationId xmlns:a16="http://schemas.microsoft.com/office/drawing/2014/main" id="{5E79A262-DB90-CE46-8B90-F1AF804826A2}"/>
+          <p:cNvPr id="1028" name="Picture 4">
+            <a:extLst>
+              <a:ext uri="{FF2B5EF4-FFF2-40B4-BE49-F238E27FC236}">
+                <a16:creationId xmlns:a16="http://schemas.microsoft.com/office/drawing/2014/main" id="{32744D4E-221D-1E44-A644-39A232FFBD68}"/>
               </a:ext>
             </a:extLst>
           </p:cNvPr>
           <p:cNvPicPr>
-            <a:picLocks noChangeAspect="1"/>
+            <a:picLocks noChangeAspect="1" noChangeArrowheads="1"/>
           </p:cNvPicPr>
           <p:nvPr/>
         </p:nvPicPr>
         <p:blipFill>
-          <a:blip r:embed="rId2"/>
+          <a:blip r:embed="rId3">
+            <a:extLst>
+              <a:ext uri="{28A0092B-C50C-407E-A947-70E740481C1C}">
+                <a14:useLocalDpi xmlns:a14="http://schemas.microsoft.com/office/drawing/2010/main" val="0"/>
+              </a:ext>
+            </a:extLst>
+          </a:blip>
+          <a:srcRect/>
           <a:stretch>
             <a:fillRect/>
           </a:stretch>
         </p:blipFill>
-        <p:spPr>
+        <p:spPr bwMode="auto">
           <a:xfrm>
-            <a:off x="7446003" y="1825625"/>
-            <a:ext cx="4445998" cy="3928404"/>
-          </a:xfrm>
-          <a:prstGeom prst="rect">
-            <a:avLst/>
-          </a:prstGeom>
-        </p:spPr>
-      </p:pic>
-      <p:sp>
-        <p:nvSpPr>
-          <p:cNvPr id="6" name="Rectangle 5">
-            <a:extLst>
-              <a:ext uri="{FF2B5EF4-FFF2-40B4-BE49-F238E27FC236}">
-                <a16:creationId xmlns:a16="http://schemas.microsoft.com/office/drawing/2014/main" id="{69DD3AF4-899A-7549-B91B-7E140EADCF64}"/>
-              </a:ext>
-            </a:extLst>
-          </p:cNvPr>
-          <p:cNvSpPr/>
-          <p:nvPr/>
-        </p:nvSpPr>
-        <p:spPr>
-          <a:xfrm>
-            <a:off x="10997395" y="1724141"/>
-            <a:ext cx="251468" cy="446049"/>
+            <a:off x="1293542" y="1414893"/>
+            <a:ext cx="4689079" cy="2322560"/>
           </a:xfrm>
           <a:prstGeom prst="rect">
             <a:avLst/>
           </a:prstGeom>
           <a:noFill/>
-          <a:ln>
-            <a:solidFill>
-              <a:srgbClr val="E4754F"/>
-            </a:solidFill>
-          </a:ln>
-        </p:spPr>
-        <p:style>
-          <a:lnRef idx="2">
-            <a:schemeClr val="accent1">
-              <a:shade val="50000"/>
-            </a:schemeClr>
-          </a:lnRef>
-          <a:fillRef idx="1">
-            <a:schemeClr val="accent1"/>
-          </a:fillRef>
-          <a:effectRef idx="0">
-            <a:schemeClr val="accent1"/>
-          </a:effectRef>
-          <a:fontRef idx="minor">
-            <a:schemeClr val="lt1"/>
-          </a:fontRef>
-        </p:style>
-        <p:txBody>
-          <a:bodyPr rtlCol="0" anchor="ctr"/>
-          <a:lstStyle/>
-          <a:p>
-            <a:pPr algn="ctr"/>
-            <a:endParaRPr lang="en-US"/>
-          </a:p>
-        </p:txBody>
-      </p:sp>
-      <p:sp>
-        <p:nvSpPr>
-          <p:cNvPr id="7" name="Rectangle 6">
-            <a:extLst>
-              <a:ext uri="{FF2B5EF4-FFF2-40B4-BE49-F238E27FC236}">
-                <a16:creationId xmlns:a16="http://schemas.microsoft.com/office/drawing/2014/main" id="{53909992-1C03-274C-8495-99D3A3C3E588}"/>
-              </a:ext>
-            </a:extLst>
-          </p:cNvPr>
-          <p:cNvSpPr/>
+          <a:extLst>
+            <a:ext uri="{909E8E84-426E-40DD-AFC4-6F175D3DCCD1}">
+              <a14:hiddenFill xmlns:a14="http://schemas.microsoft.com/office/drawing/2010/main">
+                <a:solidFill>
+                  <a:srgbClr val="FFFFFF"/>
+                </a:solidFill>
+              </a14:hiddenFill>
+            </a:ext>
+          </a:extLst>
+        </p:spPr>
+      </p:pic>
+      <p:pic>
+        <p:nvPicPr>
+          <p:cNvPr id="1030" name="Picture 6">
+            <a:extLst>
+              <a:ext uri="{FF2B5EF4-FFF2-40B4-BE49-F238E27FC236}">
+                <a16:creationId xmlns:a16="http://schemas.microsoft.com/office/drawing/2014/main" id="{D37EBC59-AF47-5549-82A9-7825487740AC}"/>
+              </a:ext>
+            </a:extLst>
+          </p:cNvPr>
+          <p:cNvPicPr>
+            <a:picLocks noChangeAspect="1" noChangeArrowheads="1"/>
+          </p:cNvPicPr>
           <p:nvPr/>
-        </p:nvSpPr>
-        <p:spPr>
+        </p:nvPicPr>
+        <p:blipFill>
+          <a:blip r:embed="rId4">
+            <a:extLst>
+              <a:ext uri="{28A0092B-C50C-407E-A947-70E740481C1C}">
+                <a14:useLocalDpi xmlns:a14="http://schemas.microsoft.com/office/drawing/2010/main" val="0"/>
+              </a:ext>
+            </a:extLst>
+          </a:blip>
+          <a:srcRect/>
+          <a:stretch>
+            <a:fillRect/>
+          </a:stretch>
+        </p:blipFill>
+        <p:spPr bwMode="auto">
           <a:xfrm>
-            <a:off x="10997395" y="5088093"/>
-            <a:ext cx="251468" cy="446049"/>
+            <a:off x="1293542" y="3912205"/>
+            <a:ext cx="9122415" cy="2399385"/>
           </a:xfrm>
           <a:prstGeom prst="rect">
             <a:avLst/>
           </a:prstGeom>
           <a:noFill/>
-          <a:ln>
-            <a:solidFill>
-              <a:srgbClr val="E4754F"/>
-            </a:solidFill>
-          </a:ln>
-        </p:spPr>
-        <p:style>
-          <a:lnRef idx="2">
-            <a:schemeClr val="accent1">
-              <a:shade val="50000"/>
-            </a:schemeClr>
-          </a:lnRef>
-          <a:fillRef idx="1">
-            <a:schemeClr val="accent1"/>
-          </a:fillRef>
-          <a:effectRef idx="0">
-            <a:schemeClr val="accent1"/>
-          </a:effectRef>
-          <a:fontRef idx="minor">
-            <a:schemeClr val="lt1"/>
-          </a:fontRef>
-        </p:style>
-        <p:txBody>
-          <a:bodyPr rtlCol="0" anchor="ctr"/>
-          <a:lstStyle/>
-          <a:p>
-            <a:pPr algn="ctr"/>
-            <a:endParaRPr lang="en-US"/>
-          </a:p>
-        </p:txBody>
-      </p:sp>
+          <a:extLst>
+            <a:ext uri="{909E8E84-426E-40DD-AFC4-6F175D3DCCD1}">
+              <a14:hiddenFill xmlns:a14="http://schemas.microsoft.com/office/drawing/2010/main">
+                <a:solidFill>
+                  <a:srgbClr val="FFFFFF"/>
+                </a:solidFill>
+              </a14:hiddenFill>
+            </a:ext>
+          </a:extLst>
+        </p:spPr>
+      </p:pic>
     </p:spTree>
     <p:extLst>
       <p:ext uri="{BB962C8B-B14F-4D97-AF65-F5344CB8AC3E}">
-        <p14:creationId xmlns:p14="http://schemas.microsoft.com/office/powerpoint/2010/main" val="1437014804"/>
+        <p14:creationId xmlns:p14="http://schemas.microsoft.com/office/powerpoint/2010/main" val="1939768568"/>
       </p:ext>
     </p:extLst>
   </p:cSld>
@@ -4770,7 +4807,7 @@
           <p:cNvPr id="2" name="Title 1">
             <a:extLst>
               <a:ext uri="{FF2B5EF4-FFF2-40B4-BE49-F238E27FC236}">
-                <a16:creationId xmlns:a16="http://schemas.microsoft.com/office/drawing/2014/main" id="{6ED6330A-FCA1-1443-92D7-FCE737C1A22B}"/>
+                <a16:creationId xmlns:a16="http://schemas.microsoft.com/office/drawing/2014/main" id="{140ADA11-0D68-4F46-B5E8-36D62C3AB7AC}"/>
               </a:ext>
             </a:extLst>
           </p:cNvPr>
@@ -4783,22 +4820,24 @@
         </p:nvSpPr>
         <p:spPr/>
         <p:txBody>
-          <a:bodyPr/>
+          <a:bodyPr>
+            <a:normAutofit fontScale="90000"/>
+          </a:bodyPr>
           <a:lstStyle/>
           <a:p>
             <a:r>
               <a:rPr lang="en-US" dirty="0"/>
-              <a:t>Deeper pipelines</a:t>
-            </a:r>
-          </a:p>
-        </p:txBody>
-      </p:sp>
-      <p:sp>
-        <p:nvSpPr>
-          <p:cNvPr id="7" name="Content Placeholder 6">
-            <a:extLst>
-              <a:ext uri="{FF2B5EF4-FFF2-40B4-BE49-F238E27FC236}">
-                <a16:creationId xmlns:a16="http://schemas.microsoft.com/office/drawing/2014/main" id="{2E88B64F-B7C3-5A4F-9260-2FD9416D2978}"/>
+              <a:t>UNIX has lots of commands we can mix and match to solve problems without new code</a:t>
+            </a:r>
+          </a:p>
+        </p:txBody>
+      </p:sp>
+      <p:sp>
+        <p:nvSpPr>
+          <p:cNvPr id="3" name="Content Placeholder 2">
+            <a:extLst>
+              <a:ext uri="{FF2B5EF4-FFF2-40B4-BE49-F238E27FC236}">
+                <a16:creationId xmlns:a16="http://schemas.microsoft.com/office/drawing/2014/main" id="{45F1F7C3-1595-4448-9F22-1B44347C8C22}"/>
               </a:ext>
             </a:extLst>
           </p:cNvPr>
@@ -4812,16 +4851,40 @@
         <p:spPr>
           <a:xfrm>
             <a:off x="838200" y="1825625"/>
-            <a:ext cx="10870580" cy="4351338"/>
-          </a:xfrm>
-        </p:spPr>
-        <p:txBody>
-          <a:bodyPr/>
+            <a:ext cx="6521605" cy="4351338"/>
+          </a:xfrm>
+        </p:spPr>
+        <p:txBody>
+          <a:bodyPr>
+            <a:normAutofit lnSpcReduction="10000"/>
+          </a:bodyPr>
           <a:lstStyle/>
           <a:p>
             <a:r>
               <a:rPr lang="en-US" dirty="0"/>
-              <a:t>Pipe the output of </a:t>
+              <a:t>To combine programs, we need to send the output of one program to the input of another</a:t>
+            </a:r>
+          </a:p>
+          <a:p>
+            <a:r>
+              <a:rPr lang="en-US" dirty="0"/>
+              <a:t>This lets us transform or simplify data in multiple steps</a:t>
+            </a:r>
+          </a:p>
+          <a:p>
+            <a:r>
+              <a:rPr lang="en-US" dirty="0"/>
+              <a:t>The mechanism for passing the standard output of one program to the standard input of another program is called a </a:t>
+            </a:r>
+            <a:r>
+              <a:rPr lang="en-US" i="1" dirty="0"/>
+              <a:t>pipe</a:t>
+            </a:r>
+          </a:p>
+          <a:p>
+            <a:r>
+              <a:rPr lang="en-US" dirty="0"/>
+              <a:t>Here’s an example piping the output of </a:t>
             </a:r>
             <a:r>
               <a:rPr lang="en-US" b="1" dirty="0"/>
@@ -4829,15 +4892,15 @@
             </a:r>
             <a:r>
               <a:rPr lang="en-US" dirty="0"/>
-              <a:t> to </a:t>
+              <a:t> to the input of </a:t>
             </a:r>
             <a:r>
               <a:rPr lang="en-US" b="1" dirty="0"/>
-              <a:t>grep</a:t>
+              <a:t>more</a:t>
             </a:r>
             <a:r>
               <a:rPr lang="en-US" dirty="0"/>
-              <a:t> (search for string in line) and send that output to </a:t>
+              <a:t> and then </a:t>
             </a:r>
             <a:r>
               <a:rPr lang="en-US" b="1" dirty="0" err="1"/>
@@ -4845,25 +4908,17 @@
             </a:r>
             <a:r>
               <a:rPr lang="en-US" dirty="0"/>
-              <a:t>, which counts how many filenames contain “</a:t>
-            </a:r>
-            <a:r>
-              <a:rPr lang="en-US" dirty="0" err="1"/>
-              <a:t>bbc</a:t>
-            </a:r>
-            <a:r>
-              <a:rPr lang="en-US" dirty="0"/>
-              <a:t>”</a:t>
+              <a:t>:</a:t>
             </a:r>
           </a:p>
         </p:txBody>
       </p:sp>
       <p:pic>
         <p:nvPicPr>
-          <p:cNvPr id="10" name="Picture 9" descr="Diagram, text&#10;&#10;Description automatically generated">
-            <a:extLst>
-              <a:ext uri="{FF2B5EF4-FFF2-40B4-BE49-F238E27FC236}">
-                <a16:creationId xmlns:a16="http://schemas.microsoft.com/office/drawing/2014/main" id="{0C6C8324-9538-7347-AB7E-CDAA26E706E9}"/>
+          <p:cNvPr id="5" name="Picture 4" descr="Text, letter&#10;&#10;Description automatically generated">
+            <a:extLst>
+              <a:ext uri="{FF2B5EF4-FFF2-40B4-BE49-F238E27FC236}">
+                <a16:creationId xmlns:a16="http://schemas.microsoft.com/office/drawing/2014/main" id="{5E79A262-DB90-CE46-8B90-F1AF804826A2}"/>
               </a:ext>
             </a:extLst>
           </p:cNvPr>
@@ -4880,18 +4935,122 @@
         </p:blipFill>
         <p:spPr>
           <a:xfrm>
-            <a:off x="2788888" y="3429000"/>
-            <a:ext cx="6905847" cy="2057400"/>
+            <a:off x="7446003" y="1825625"/>
+            <a:ext cx="4445998" cy="3928404"/>
           </a:xfrm>
           <a:prstGeom prst="rect">
             <a:avLst/>
           </a:prstGeom>
         </p:spPr>
       </p:pic>
+      <p:sp>
+        <p:nvSpPr>
+          <p:cNvPr id="6" name="Rectangle 5">
+            <a:extLst>
+              <a:ext uri="{FF2B5EF4-FFF2-40B4-BE49-F238E27FC236}">
+                <a16:creationId xmlns:a16="http://schemas.microsoft.com/office/drawing/2014/main" id="{69DD3AF4-899A-7549-B91B-7E140EADCF64}"/>
+              </a:ext>
+            </a:extLst>
+          </p:cNvPr>
+          <p:cNvSpPr/>
+          <p:nvPr/>
+        </p:nvSpPr>
+        <p:spPr>
+          <a:xfrm>
+            <a:off x="10997395" y="1724141"/>
+            <a:ext cx="251468" cy="446049"/>
+          </a:xfrm>
+          <a:prstGeom prst="rect">
+            <a:avLst/>
+          </a:prstGeom>
+          <a:noFill/>
+          <a:ln>
+            <a:solidFill>
+              <a:srgbClr val="E4754F"/>
+            </a:solidFill>
+          </a:ln>
+        </p:spPr>
+        <p:style>
+          <a:lnRef idx="2">
+            <a:schemeClr val="accent1">
+              <a:shade val="50000"/>
+            </a:schemeClr>
+          </a:lnRef>
+          <a:fillRef idx="1">
+            <a:schemeClr val="accent1"/>
+          </a:fillRef>
+          <a:effectRef idx="0">
+            <a:schemeClr val="accent1"/>
+          </a:effectRef>
+          <a:fontRef idx="minor">
+            <a:schemeClr val="lt1"/>
+          </a:fontRef>
+        </p:style>
+        <p:txBody>
+          <a:bodyPr rtlCol="0" anchor="ctr"/>
+          <a:lstStyle/>
+          <a:p>
+            <a:pPr algn="ctr"/>
+            <a:endParaRPr lang="en-US"/>
+          </a:p>
+        </p:txBody>
+      </p:sp>
+      <p:sp>
+        <p:nvSpPr>
+          <p:cNvPr id="7" name="Rectangle 6">
+            <a:extLst>
+              <a:ext uri="{FF2B5EF4-FFF2-40B4-BE49-F238E27FC236}">
+                <a16:creationId xmlns:a16="http://schemas.microsoft.com/office/drawing/2014/main" id="{53909992-1C03-274C-8495-99D3A3C3E588}"/>
+              </a:ext>
+            </a:extLst>
+          </p:cNvPr>
+          <p:cNvSpPr/>
+          <p:nvPr/>
+        </p:nvSpPr>
+        <p:spPr>
+          <a:xfrm>
+            <a:off x="10997395" y="5088093"/>
+            <a:ext cx="251468" cy="446049"/>
+          </a:xfrm>
+          <a:prstGeom prst="rect">
+            <a:avLst/>
+          </a:prstGeom>
+          <a:noFill/>
+          <a:ln>
+            <a:solidFill>
+              <a:srgbClr val="E4754F"/>
+            </a:solidFill>
+          </a:ln>
+        </p:spPr>
+        <p:style>
+          <a:lnRef idx="2">
+            <a:schemeClr val="accent1">
+              <a:shade val="50000"/>
+            </a:schemeClr>
+          </a:lnRef>
+          <a:fillRef idx="1">
+            <a:schemeClr val="accent1"/>
+          </a:fillRef>
+          <a:effectRef idx="0">
+            <a:schemeClr val="accent1"/>
+          </a:effectRef>
+          <a:fontRef idx="minor">
+            <a:schemeClr val="lt1"/>
+          </a:fontRef>
+        </p:style>
+        <p:txBody>
+          <a:bodyPr rtlCol="0" anchor="ctr"/>
+          <a:lstStyle/>
+          <a:p>
+            <a:pPr algn="ctr"/>
+            <a:endParaRPr lang="en-US"/>
+          </a:p>
+        </p:txBody>
+      </p:sp>
     </p:spTree>
     <p:extLst>
       <p:ext uri="{BB962C8B-B14F-4D97-AF65-F5344CB8AC3E}">
-        <p14:creationId xmlns:p14="http://schemas.microsoft.com/office/powerpoint/2010/main" val="1717021818"/>
+        <p14:creationId xmlns:p14="http://schemas.microsoft.com/office/powerpoint/2010/main" val="1437014804"/>
       </p:ext>
     </p:extLst>
   </p:cSld>
@@ -4923,7 +5082,7 @@
           <p:cNvPr id="2" name="Title 1">
             <a:extLst>
               <a:ext uri="{FF2B5EF4-FFF2-40B4-BE49-F238E27FC236}">
-                <a16:creationId xmlns:a16="http://schemas.microsoft.com/office/drawing/2014/main" id="{5E312FE4-2152-5A47-916B-A7AB4CD44048}"/>
+                <a16:creationId xmlns:a16="http://schemas.microsoft.com/office/drawing/2014/main" id="{6ED6330A-FCA1-1443-92D7-FCE737C1A22B}"/>
               </a:ext>
             </a:extLst>
           </p:cNvPr>
@@ -4941,17 +5100,17 @@
           <a:p>
             <a:r>
               <a:rPr lang="en-US" dirty="0"/>
-              <a:t>I/O redirection</a:t>
-            </a:r>
-          </a:p>
-        </p:txBody>
-      </p:sp>
-      <p:sp>
-        <p:nvSpPr>
-          <p:cNvPr id="3" name="Content Placeholder 2">
-            <a:extLst>
-              <a:ext uri="{FF2B5EF4-FFF2-40B4-BE49-F238E27FC236}">
-                <a16:creationId xmlns:a16="http://schemas.microsoft.com/office/drawing/2014/main" id="{1B793A3A-0D8E-C948-9333-A3B1A1CA873D}"/>
+              <a:t>Deeper pipelines</a:t>
+            </a:r>
+          </a:p>
+        </p:txBody>
+      </p:sp>
+      <p:sp>
+        <p:nvSpPr>
+          <p:cNvPr id="7" name="Content Placeholder 6">
+            <a:extLst>
+              <a:ext uri="{FF2B5EF4-FFF2-40B4-BE49-F238E27FC236}">
+                <a16:creationId xmlns:a16="http://schemas.microsoft.com/office/drawing/2014/main" id="{2E88B64F-B7C3-5A4F-9260-2FD9416D2978}"/>
               </a:ext>
             </a:extLst>
           </p:cNvPr>
@@ -4964,8 +5123,8 @@
         </p:nvSpPr>
         <p:spPr>
           <a:xfrm>
-            <a:off x="838199" y="1825625"/>
-            <a:ext cx="4124094" cy="4351338"/>
+            <a:off x="838200" y="1825625"/>
+            <a:ext cx="10870580" cy="4351338"/>
           </a:xfrm>
         </p:spPr>
         <p:txBody>
@@ -4974,51 +5133,49 @@
           <a:p>
             <a:r>
               <a:rPr lang="en-US" dirty="0"/>
-              <a:t>Pipes connect process input/output</a:t>
-            </a:r>
-          </a:p>
-          <a:p>
+              <a:t>Pipe the output of </a:t>
+            </a:r>
+            <a:r>
+              <a:rPr lang="en-US" b="1" dirty="0"/>
+              <a:t>ls</a:t>
+            </a:r>
             <a:r>
               <a:rPr lang="en-US" dirty="0"/>
-              <a:t>Redirection:</a:t>
-            </a:r>
-          </a:p>
-          <a:p>
-            <a:pPr lvl="1"/>
+              <a:t> to </a:t>
+            </a:r>
             <a:r>
               <a:rPr lang="en-US" b="1" dirty="0"/>
-              <a:t>&lt; file</a:t>
-            </a:r>
-            <a:br>
-              <a:rPr lang="en-US" b="1" dirty="0"/>
-            </a:br>
+              <a:t>grep</a:t>
+            </a:r>
             <a:r>
               <a:rPr lang="en-US" dirty="0"/>
-              <a:t>hooks process standard input to file</a:t>
-            </a:r>
-          </a:p>
-          <a:p>
-            <a:pPr lvl="1"/>
-            <a:r>
-              <a:rPr lang="en-US" b="1" dirty="0"/>
-              <a:t>&gt; file</a:t>
-            </a:r>
-            <a:br>
-              <a:rPr lang="en-US" b="1" dirty="0"/>
-            </a:br>
+              <a:t> (search for string in line) and send that output to </a:t>
+            </a:r>
+            <a:r>
+              <a:rPr lang="en-US" b="1" dirty="0" err="1"/>
+              <a:t>wc</a:t>
+            </a:r>
             <a:r>
               <a:rPr lang="en-US" dirty="0"/>
-              <a:t>hooks process standard output to file</a:t>
+              <a:t>, which counts how many filenames contain “</a:t>
+            </a:r>
+            <a:r>
+              <a:rPr lang="en-US" dirty="0" err="1"/>
+              <a:t>bbc</a:t>
+            </a:r>
+            <a:r>
+              <a:rPr lang="en-US" dirty="0"/>
+              <a:t>”</a:t>
             </a:r>
           </a:p>
         </p:txBody>
       </p:sp>
       <p:pic>
         <p:nvPicPr>
-          <p:cNvPr id="5" name="Picture 4" descr="Text, letter&#10;&#10;Description automatically generated">
-            <a:extLst>
-              <a:ext uri="{FF2B5EF4-FFF2-40B4-BE49-F238E27FC236}">
-                <a16:creationId xmlns:a16="http://schemas.microsoft.com/office/drawing/2014/main" id="{988E9036-DC5B-1144-9FC6-CC66927E2A67}"/>
+          <p:cNvPr id="10" name="Picture 9" descr="Diagram, text&#10;&#10;Description automatically generated">
+            <a:extLst>
+              <a:ext uri="{FF2B5EF4-FFF2-40B4-BE49-F238E27FC236}">
+                <a16:creationId xmlns:a16="http://schemas.microsoft.com/office/drawing/2014/main" id="{0C6C8324-9538-7347-AB7E-CDAA26E706E9}"/>
               </a:ext>
             </a:extLst>
           </p:cNvPr>
@@ -5035,231 +5192,18 @@
         </p:blipFill>
         <p:spPr>
           <a:xfrm>
-            <a:off x="6096000" y="471218"/>
-            <a:ext cx="5562600" cy="3467100"/>
+            <a:off x="2788888" y="3429000"/>
+            <a:ext cx="6905847" cy="2057400"/>
           </a:xfrm>
           <a:prstGeom prst="rect">
             <a:avLst/>
           </a:prstGeom>
         </p:spPr>
       </p:pic>
-      <p:sp>
-        <p:nvSpPr>
-          <p:cNvPr id="6" name="Rectangle 5">
-            <a:extLst>
-              <a:ext uri="{FF2B5EF4-FFF2-40B4-BE49-F238E27FC236}">
-                <a16:creationId xmlns:a16="http://schemas.microsoft.com/office/drawing/2014/main" id="{ADC916D8-5438-6143-80E2-FD607A3CB90F}"/>
-              </a:ext>
-            </a:extLst>
-          </p:cNvPr>
-          <p:cNvSpPr/>
-          <p:nvPr/>
-        </p:nvSpPr>
-        <p:spPr>
-          <a:xfrm>
-            <a:off x="9491980" y="426614"/>
-            <a:ext cx="251468" cy="446049"/>
-          </a:xfrm>
-          <a:prstGeom prst="rect">
-            <a:avLst/>
-          </a:prstGeom>
-          <a:noFill/>
-          <a:ln>
-            <a:solidFill>
-              <a:srgbClr val="E4754F"/>
-            </a:solidFill>
-          </a:ln>
-        </p:spPr>
-        <p:style>
-          <a:lnRef idx="2">
-            <a:schemeClr val="accent1">
-              <a:shade val="50000"/>
-            </a:schemeClr>
-          </a:lnRef>
-          <a:fillRef idx="1">
-            <a:schemeClr val="accent1"/>
-          </a:fillRef>
-          <a:effectRef idx="0">
-            <a:schemeClr val="accent1"/>
-          </a:effectRef>
-          <a:fontRef idx="minor">
-            <a:schemeClr val="lt1"/>
-          </a:fontRef>
-        </p:style>
-        <p:txBody>
-          <a:bodyPr rtlCol="0" anchor="ctr"/>
-          <a:lstStyle/>
-          <a:p>
-            <a:pPr algn="ctr"/>
-            <a:endParaRPr lang="en-US"/>
-          </a:p>
-        </p:txBody>
-      </p:sp>
-      <p:pic>
-        <p:nvPicPr>
-          <p:cNvPr id="8" name="Picture 7" descr="Text&#10;&#10;Description automatically generated with medium confidence">
-            <a:extLst>
-              <a:ext uri="{FF2B5EF4-FFF2-40B4-BE49-F238E27FC236}">
-                <a16:creationId xmlns:a16="http://schemas.microsoft.com/office/drawing/2014/main" id="{80F08F61-5EA4-394A-9556-D2B6E08E0F7B}"/>
-              </a:ext>
-            </a:extLst>
-          </p:cNvPr>
-          <p:cNvPicPr>
-            <a:picLocks noChangeAspect="1"/>
-          </p:cNvPicPr>
-          <p:nvPr/>
-        </p:nvPicPr>
-        <p:blipFill>
-          <a:blip r:embed="rId3"/>
-          <a:stretch>
-            <a:fillRect/>
-          </a:stretch>
-        </p:blipFill>
-        <p:spPr>
-          <a:xfrm>
-            <a:off x="6095999" y="4200524"/>
-            <a:ext cx="4093623" cy="1586955"/>
-          </a:xfrm>
-          <a:prstGeom prst="rect">
-            <a:avLst/>
-          </a:prstGeom>
-        </p:spPr>
-      </p:pic>
-      <p:sp>
-        <p:nvSpPr>
-          <p:cNvPr id="9" name="Rectangle 8">
-            <a:extLst>
-              <a:ext uri="{FF2B5EF4-FFF2-40B4-BE49-F238E27FC236}">
-                <a16:creationId xmlns:a16="http://schemas.microsoft.com/office/drawing/2014/main" id="{B1DE22D5-0E69-D749-9C2D-5BDE937E028E}"/>
-              </a:ext>
-            </a:extLst>
-          </p:cNvPr>
-          <p:cNvSpPr/>
-          <p:nvPr/>
-        </p:nvSpPr>
-        <p:spPr>
-          <a:xfrm>
-            <a:off x="7146507" y="4204785"/>
-            <a:ext cx="251468" cy="446049"/>
-          </a:xfrm>
-          <a:prstGeom prst="rect">
-            <a:avLst/>
-          </a:prstGeom>
-          <a:noFill/>
-          <a:ln>
-            <a:solidFill>
-              <a:srgbClr val="E4754F"/>
-            </a:solidFill>
-          </a:ln>
-        </p:spPr>
-        <p:style>
-          <a:lnRef idx="2">
-            <a:schemeClr val="accent1">
-              <a:shade val="50000"/>
-            </a:schemeClr>
-          </a:lnRef>
-          <a:fillRef idx="1">
-            <a:schemeClr val="accent1"/>
-          </a:fillRef>
-          <a:effectRef idx="0">
-            <a:schemeClr val="accent1"/>
-          </a:effectRef>
-          <a:fontRef idx="minor">
-            <a:schemeClr val="lt1"/>
-          </a:fontRef>
-        </p:style>
-        <p:txBody>
-          <a:bodyPr rtlCol="0" anchor="ctr"/>
-          <a:lstStyle/>
-          <a:p>
-            <a:pPr algn="ctr"/>
-            <a:endParaRPr lang="en-US"/>
-          </a:p>
-        </p:txBody>
-      </p:sp>
-      <p:cxnSp>
-        <p:nvCxnSpPr>
-          <p:cNvPr id="10" name="Straight Arrow Connector 9">
-            <a:extLst>
-              <a:ext uri="{FF2B5EF4-FFF2-40B4-BE49-F238E27FC236}">
-                <a16:creationId xmlns:a16="http://schemas.microsoft.com/office/drawing/2014/main" id="{EE3A027E-0DF1-6A44-88E9-0C330043E6C5}"/>
-              </a:ext>
-            </a:extLst>
-          </p:cNvPr>
-          <p:cNvCxnSpPr>
-            <a:cxnSpLocks/>
-          </p:cNvCxnSpPr>
-          <p:nvPr/>
-        </p:nvCxnSpPr>
-        <p:spPr>
-          <a:xfrm flipV="1">
-            <a:off x="2297151" y="4994001"/>
-            <a:ext cx="3798848" cy="1314208"/>
-          </a:xfrm>
-          <a:prstGeom prst="straightConnector1">
-            <a:avLst/>
-          </a:prstGeom>
-          <a:ln w="12700">
-            <a:solidFill>
-              <a:srgbClr val="E4754F"/>
-            </a:solidFill>
-            <a:tailEnd type="triangle"/>
-          </a:ln>
-        </p:spPr>
-        <p:style>
-          <a:lnRef idx="1">
-            <a:schemeClr val="accent1"/>
-          </a:lnRef>
-          <a:fillRef idx="0">
-            <a:schemeClr val="accent1"/>
-          </a:fillRef>
-          <a:effectRef idx="0">
-            <a:schemeClr val="accent1"/>
-          </a:effectRef>
-          <a:fontRef idx="minor">
-            <a:schemeClr val="tx1"/>
-          </a:fontRef>
-        </p:style>
-      </p:cxnSp>
-      <p:sp>
-        <p:nvSpPr>
-          <p:cNvPr id="12" name="TextBox 11">
-            <a:extLst>
-              <a:ext uri="{FF2B5EF4-FFF2-40B4-BE49-F238E27FC236}">
-                <a16:creationId xmlns:a16="http://schemas.microsoft.com/office/drawing/2014/main" id="{FA496BB5-43FD-6447-AEC2-D4535B7171AD}"/>
-              </a:ext>
-            </a:extLst>
-          </p:cNvPr>
-          <p:cNvSpPr txBox="1"/>
-          <p:nvPr/>
-        </p:nvSpPr>
-        <p:spPr>
-          <a:xfrm>
-            <a:off x="223024" y="6308209"/>
-            <a:ext cx="5775940" cy="369332"/>
-          </a:xfrm>
-          <a:prstGeom prst="rect">
-            <a:avLst/>
-          </a:prstGeom>
-          <a:noFill/>
-        </p:spPr>
-        <p:txBody>
-          <a:bodyPr wrap="none" rtlCol="0">
-            <a:spAutoFit/>
-          </a:bodyPr>
-          <a:lstStyle/>
-          <a:p>
-            <a:r>
-              <a:rPr lang="en-US" dirty="0"/>
-              <a:t>I’m hitting control-D (EOF) here to indicate end of input</a:t>
-            </a:r>
-          </a:p>
-        </p:txBody>
-      </p:sp>
     </p:spTree>
     <p:extLst>
       <p:ext uri="{BB962C8B-B14F-4D97-AF65-F5344CB8AC3E}">
-        <p14:creationId xmlns:p14="http://schemas.microsoft.com/office/powerpoint/2010/main" val="2607175286"/>
+        <p14:creationId xmlns:p14="http://schemas.microsoft.com/office/powerpoint/2010/main" val="1717021818"/>
       </p:ext>
     </p:extLst>
   </p:cSld>
@@ -5291,7 +5235,7 @@
           <p:cNvPr id="2" name="Title 1">
             <a:extLst>
               <a:ext uri="{FF2B5EF4-FFF2-40B4-BE49-F238E27FC236}">
-                <a16:creationId xmlns:a16="http://schemas.microsoft.com/office/drawing/2014/main" id="{1F2B52D8-6B24-D445-B4BE-A8E906F59C81}"/>
+                <a16:creationId xmlns:a16="http://schemas.microsoft.com/office/drawing/2014/main" id="{5E312FE4-2152-5A47-916B-A7AB4CD44048}"/>
               </a:ext>
             </a:extLst>
           </p:cNvPr>
@@ -5309,7 +5253,7 @@
           <a:p>
             <a:r>
               <a:rPr lang="en-US" dirty="0"/>
-              <a:t>Redirecting standard input</a:t>
+              <a:t>I/O redirection</a:t>
             </a:r>
           </a:p>
         </p:txBody>
@@ -5319,7 +5263,7 @@
           <p:cNvPr id="3" name="Content Placeholder 2">
             <a:extLst>
               <a:ext uri="{FF2B5EF4-FFF2-40B4-BE49-F238E27FC236}">
-                <a16:creationId xmlns:a16="http://schemas.microsoft.com/office/drawing/2014/main" id="{896AA5F3-AAAF-1D48-BC06-4FBF9F6CCD79}"/>
+                <a16:creationId xmlns:a16="http://schemas.microsoft.com/office/drawing/2014/main" id="{1B793A3A-0D8E-C948-9333-A3B1A1CA873D}"/>
               </a:ext>
             </a:extLst>
           </p:cNvPr>
@@ -5332,8 +5276,8 @@
         </p:nvSpPr>
         <p:spPr>
           <a:xfrm>
-            <a:off x="838200" y="1825625"/>
-            <a:ext cx="5863683" cy="4351338"/>
+            <a:off x="838199" y="1825625"/>
+            <a:ext cx="4124094" cy="4351338"/>
           </a:xfrm>
         </p:spPr>
         <p:txBody>
@@ -5342,63 +5286,51 @@
           <a:p>
             <a:r>
               <a:rPr lang="en-US" dirty="0"/>
-              <a:t>Less common but still useful</a:t>
+              <a:t>Pipes connect process input/output</a:t>
             </a:r>
           </a:p>
           <a:p>
             <a:r>
               <a:rPr lang="en-US" dirty="0"/>
-              <a:t>Many commands take both </a:t>
-            </a:r>
-            <a:r>
-              <a:rPr lang="en-US" dirty="0" err="1"/>
-              <a:t>commandline</a:t>
-            </a:r>
+              <a:t>Redirection:</a:t>
+            </a:r>
+          </a:p>
+          <a:p>
+            <a:pPr lvl="1"/>
+            <a:r>
+              <a:rPr lang="en-US" b="1" dirty="0"/>
+              <a:t>&lt; file</a:t>
+            </a:r>
+            <a:br>
+              <a:rPr lang="en-US" b="1" dirty="0"/>
+            </a:br>
             <a:r>
               <a:rPr lang="en-US" dirty="0"/>
-              <a:t> arguments and redirection: </a:t>
-            </a:r>
+              <a:t>hooks process standard input to file</a:t>
+            </a:r>
+          </a:p>
+          <a:p>
+            <a:pPr lvl="1"/>
             <a:r>
               <a:rPr lang="en-US" b="1" dirty="0"/>
-              <a:t>sort</a:t>
-            </a:r>
+              <a:t>&gt; file</a:t>
+            </a:r>
+            <a:br>
+              <a:rPr lang="en-US" b="1" dirty="0"/>
+            </a:br>
             <a:r>
               <a:rPr lang="en-US" dirty="0"/>
-              <a:t>, </a:t>
-            </a:r>
-            <a:r>
-              <a:rPr lang="en-US" b="1" dirty="0"/>
-              <a:t>cat</a:t>
-            </a:r>
-            <a:r>
-              <a:rPr lang="en-US" dirty="0"/>
-              <a:t>, </a:t>
-            </a:r>
-            <a:r>
-              <a:rPr lang="en-US" b="1" dirty="0" err="1"/>
-              <a:t>wc</a:t>
-            </a:r>
-            <a:r>
-              <a:rPr lang="en-US" dirty="0"/>
-              <a:t> </a:t>
-            </a:r>
-            <a:r>
-              <a:rPr lang="en-US" dirty="0" err="1"/>
-              <a:t>etc</a:t>
-            </a:r>
-            <a:r>
-              <a:rPr lang="en-US" dirty="0"/>
-              <a:t>…</a:t>
+              <a:t>hooks process standard output to file</a:t>
             </a:r>
           </a:p>
         </p:txBody>
       </p:sp>
       <p:pic>
         <p:nvPicPr>
-          <p:cNvPr id="5" name="Picture 4" descr="Text&#10;&#10;Description automatically generated">
-            <a:extLst>
-              <a:ext uri="{FF2B5EF4-FFF2-40B4-BE49-F238E27FC236}">
-                <a16:creationId xmlns:a16="http://schemas.microsoft.com/office/drawing/2014/main" id="{2F21F29C-EE4F-D149-A1DB-BF8088B6D8ED}"/>
+          <p:cNvPr id="5" name="Picture 4" descr="Text, letter&#10;&#10;Description automatically generated">
+            <a:extLst>
+              <a:ext uri="{FF2B5EF4-FFF2-40B4-BE49-F238E27FC236}">
+                <a16:creationId xmlns:a16="http://schemas.microsoft.com/office/drawing/2014/main" id="{988E9036-DC5B-1144-9FC6-CC66927E2A67}"/>
               </a:ext>
             </a:extLst>
           </p:cNvPr>
@@ -5415,108 +5347,29 @@
         </p:blipFill>
         <p:spPr>
           <a:xfrm>
-            <a:off x="7953637" y="937268"/>
-            <a:ext cx="3487514" cy="5379047"/>
+            <a:off x="6096000" y="471218"/>
+            <a:ext cx="5562600" cy="3467100"/>
           </a:xfrm>
           <a:prstGeom prst="rect">
             <a:avLst/>
           </a:prstGeom>
         </p:spPr>
       </p:pic>
-      <p:cxnSp>
-        <p:nvCxnSpPr>
-          <p:cNvPr id="6" name="Straight Arrow Connector 5">
-            <a:extLst>
-              <a:ext uri="{FF2B5EF4-FFF2-40B4-BE49-F238E27FC236}">
-                <a16:creationId xmlns:a16="http://schemas.microsoft.com/office/drawing/2014/main" id="{B7A50B9A-70C9-694B-9D24-0E9F052F30B2}"/>
-              </a:ext>
-            </a:extLst>
-          </p:cNvPr>
-          <p:cNvCxnSpPr>
-            <a:cxnSpLocks/>
-          </p:cNvCxnSpPr>
-          <p:nvPr/>
-        </p:nvCxnSpPr>
-        <p:spPr>
-          <a:xfrm flipV="1">
-            <a:off x="6590371" y="2207941"/>
-            <a:ext cx="1363266" cy="2061671"/>
-          </a:xfrm>
-          <a:prstGeom prst="straightConnector1">
-            <a:avLst/>
-          </a:prstGeom>
-          <a:ln w="12700">
-            <a:solidFill>
-              <a:srgbClr val="E4754F"/>
-            </a:solidFill>
-            <a:tailEnd type="triangle"/>
-          </a:ln>
-        </p:spPr>
-        <p:style>
-          <a:lnRef idx="1">
-            <a:schemeClr val="accent1"/>
-          </a:lnRef>
-          <a:fillRef idx="0">
-            <a:schemeClr val="accent1"/>
-          </a:fillRef>
-          <a:effectRef idx="0">
-            <a:schemeClr val="accent1"/>
-          </a:effectRef>
-          <a:fontRef idx="minor">
-            <a:schemeClr val="tx1"/>
-          </a:fontRef>
-        </p:style>
-      </p:cxnSp>
-      <p:sp>
-        <p:nvSpPr>
-          <p:cNvPr id="7" name="TextBox 6">
-            <a:extLst>
-              <a:ext uri="{FF2B5EF4-FFF2-40B4-BE49-F238E27FC236}">
-                <a16:creationId xmlns:a16="http://schemas.microsoft.com/office/drawing/2014/main" id="{E498F361-5D16-3442-9203-DCFFD6500A0B}"/>
-              </a:ext>
-            </a:extLst>
-          </p:cNvPr>
-          <p:cNvSpPr txBox="1"/>
+      <p:sp>
+        <p:nvSpPr>
+          <p:cNvPr id="6" name="Rectangle 5">
+            <a:extLst>
+              <a:ext uri="{FF2B5EF4-FFF2-40B4-BE49-F238E27FC236}">
+                <a16:creationId xmlns:a16="http://schemas.microsoft.com/office/drawing/2014/main" id="{ADC916D8-5438-6143-80E2-FD607A3CB90F}"/>
+              </a:ext>
+            </a:extLst>
+          </p:cNvPr>
+          <p:cNvSpPr/>
           <p:nvPr/>
         </p:nvSpPr>
         <p:spPr>
           <a:xfrm>
-            <a:off x="5900433" y="4269612"/>
-            <a:ext cx="1164624" cy="646331"/>
-          </a:xfrm>
-          <a:prstGeom prst="rect">
-            <a:avLst/>
-          </a:prstGeom>
-          <a:noFill/>
-        </p:spPr>
-        <p:txBody>
-          <a:bodyPr wrap="square" rtlCol="0">
-            <a:spAutoFit/>
-          </a:bodyPr>
-          <a:lstStyle/>
-          <a:p>
-            <a:r>
-              <a:rPr lang="en-US" dirty="0"/>
-              <a:t>Control-D (EOF)</a:t>
-            </a:r>
-          </a:p>
-        </p:txBody>
-      </p:sp>
-      <p:sp>
-        <p:nvSpPr>
-          <p:cNvPr id="11" name="Rectangle 10">
-            <a:extLst>
-              <a:ext uri="{FF2B5EF4-FFF2-40B4-BE49-F238E27FC236}">
-                <a16:creationId xmlns:a16="http://schemas.microsoft.com/office/drawing/2014/main" id="{FE90A06F-34C7-C241-A343-2449406FAC12}"/>
-              </a:ext>
-            </a:extLst>
-          </p:cNvPr>
-          <p:cNvSpPr/>
-          <p:nvPr/>
-        </p:nvSpPr>
-        <p:spPr>
-          <a:xfrm>
-            <a:off x="8785736" y="914966"/>
+            <a:off x="9491980" y="426614"/>
             <a:ext cx="251468" cy="446049"/>
           </a:xfrm>
           <a:prstGeom prst="rect">
@@ -5554,12 +5407,42 @@
           </a:p>
         </p:txBody>
       </p:sp>
-      <p:sp>
-        <p:nvSpPr>
-          <p:cNvPr id="12" name="Rectangle 11">
-            <a:extLst>
-              <a:ext uri="{FF2B5EF4-FFF2-40B4-BE49-F238E27FC236}">
-                <a16:creationId xmlns:a16="http://schemas.microsoft.com/office/drawing/2014/main" id="{90BD5282-1C09-CE46-A290-12FC2CD5DC53}"/>
+      <p:pic>
+        <p:nvPicPr>
+          <p:cNvPr id="8" name="Picture 7" descr="Text&#10;&#10;Description automatically generated with medium confidence">
+            <a:extLst>
+              <a:ext uri="{FF2B5EF4-FFF2-40B4-BE49-F238E27FC236}">
+                <a16:creationId xmlns:a16="http://schemas.microsoft.com/office/drawing/2014/main" id="{80F08F61-5EA4-394A-9556-D2B6E08E0F7B}"/>
+              </a:ext>
+            </a:extLst>
+          </p:cNvPr>
+          <p:cNvPicPr>
+            <a:picLocks noChangeAspect="1"/>
+          </p:cNvPicPr>
+          <p:nvPr/>
+        </p:nvPicPr>
+        <p:blipFill>
+          <a:blip r:embed="rId3"/>
+          <a:stretch>
+            <a:fillRect/>
+          </a:stretch>
+        </p:blipFill>
+        <p:spPr>
+          <a:xfrm>
+            <a:off x="6095999" y="4200524"/>
+            <a:ext cx="4093623" cy="1586955"/>
+          </a:xfrm>
+          <a:prstGeom prst="rect">
+            <a:avLst/>
+          </a:prstGeom>
+        </p:spPr>
+      </p:pic>
+      <p:sp>
+        <p:nvSpPr>
+          <p:cNvPr id="9" name="Rectangle 8">
+            <a:extLst>
+              <a:ext uri="{FF2B5EF4-FFF2-40B4-BE49-F238E27FC236}">
+                <a16:creationId xmlns:a16="http://schemas.microsoft.com/office/drawing/2014/main" id="{B1DE22D5-0E69-D749-9C2D-5BDE937E028E}"/>
               </a:ext>
             </a:extLst>
           </p:cNvPr>
@@ -5568,7 +5451,7 @@
         </p:nvSpPr>
         <p:spPr>
           <a:xfrm>
-            <a:off x="8953923" y="3403766"/>
+            <a:off x="7146507" y="4204785"/>
             <a:ext cx="251468" cy="446049"/>
           </a:xfrm>
           <a:prstGeom prst="rect">
@@ -5606,62 +5489,89 @@
           </a:p>
         </p:txBody>
       </p:sp>
-      <p:sp>
-        <p:nvSpPr>
-          <p:cNvPr id="13" name="Rectangle 12">
-            <a:extLst>
-              <a:ext uri="{FF2B5EF4-FFF2-40B4-BE49-F238E27FC236}">
-                <a16:creationId xmlns:a16="http://schemas.microsoft.com/office/drawing/2014/main" id="{BF00A295-D1B9-8847-8E2F-8056D1F070AD}"/>
-              </a:ext>
-            </a:extLst>
-          </p:cNvPr>
-          <p:cNvSpPr/>
+      <p:cxnSp>
+        <p:nvCxnSpPr>
+          <p:cNvPr id="10" name="Straight Arrow Connector 9">
+            <a:extLst>
+              <a:ext uri="{FF2B5EF4-FFF2-40B4-BE49-F238E27FC236}">
+                <a16:creationId xmlns:a16="http://schemas.microsoft.com/office/drawing/2014/main" id="{EE3A027E-0DF1-6A44-88E9-0C330043E6C5}"/>
+              </a:ext>
+            </a:extLst>
+          </p:cNvPr>
+          <p:cNvCxnSpPr>
+            <a:cxnSpLocks/>
+          </p:cNvCxnSpPr>
           <p:nvPr/>
-        </p:nvSpPr>
+        </p:nvCxnSpPr>
         <p:spPr>
-          <a:xfrm>
-            <a:off x="8796242" y="4615079"/>
-            <a:ext cx="251468" cy="446049"/>
-          </a:xfrm>
-          <a:prstGeom prst="rect">
+          <a:xfrm flipV="1">
+            <a:off x="2297151" y="4994001"/>
+            <a:ext cx="3798848" cy="1314208"/>
+          </a:xfrm>
+          <a:prstGeom prst="straightConnector1">
             <a:avLst/>
           </a:prstGeom>
-          <a:noFill/>
-          <a:ln>
+          <a:ln w="12700">
             <a:solidFill>
               <a:srgbClr val="E4754F"/>
             </a:solidFill>
+            <a:tailEnd type="triangle"/>
           </a:ln>
         </p:spPr>
         <p:style>
-          <a:lnRef idx="2">
-            <a:schemeClr val="accent1">
-              <a:shade val="50000"/>
-            </a:schemeClr>
+          <a:lnRef idx="1">
+            <a:schemeClr val="accent1"/>
           </a:lnRef>
-          <a:fillRef idx="1">
+          <a:fillRef idx="0">
             <a:schemeClr val="accent1"/>
           </a:fillRef>
           <a:effectRef idx="0">
             <a:schemeClr val="accent1"/>
           </a:effectRef>
           <a:fontRef idx="minor">
-            <a:schemeClr val="lt1"/>
+            <a:schemeClr val="tx1"/>
           </a:fontRef>
         </p:style>
-        <p:txBody>
-          <a:bodyPr rtlCol="0" anchor="ctr"/>
-          <a:lstStyle/>
-          <a:p>
-            <a:pPr algn="ctr"/>
-            <a:endParaRPr lang="en-US"/>
+      </p:cxnSp>
+      <p:sp>
+        <p:nvSpPr>
+          <p:cNvPr id="12" name="TextBox 11">
+            <a:extLst>
+              <a:ext uri="{FF2B5EF4-FFF2-40B4-BE49-F238E27FC236}">
+                <a16:creationId xmlns:a16="http://schemas.microsoft.com/office/drawing/2014/main" id="{FA496BB5-43FD-6447-AEC2-D4535B7171AD}"/>
+              </a:ext>
+            </a:extLst>
+          </p:cNvPr>
+          <p:cNvSpPr txBox="1"/>
+          <p:nvPr/>
+        </p:nvSpPr>
+        <p:spPr>
+          <a:xfrm>
+            <a:off x="223024" y="6308209"/>
+            <a:ext cx="5775940" cy="369332"/>
+          </a:xfrm>
+          <a:prstGeom prst="rect">
+            <a:avLst/>
+          </a:prstGeom>
+          <a:noFill/>
+        </p:spPr>
+        <p:txBody>
+          <a:bodyPr wrap="none" rtlCol="0">
+            <a:spAutoFit/>
+          </a:bodyPr>
+          <a:lstStyle/>
+          <a:p>
+            <a:r>
+              <a:rPr lang="en-US" dirty="0"/>
+              <a:t>I’m hitting control-D (EOF) here to indicate end of input</a:t>
+            </a:r>
           </a:p>
         </p:txBody>
       </p:sp>
     </p:spTree>
     <p:extLst>
       <p:ext uri="{BB962C8B-B14F-4D97-AF65-F5344CB8AC3E}">
-        <p14:creationId xmlns:p14="http://schemas.microsoft.com/office/powerpoint/2010/main" val="2677890396"/>
+        <p14:creationId xmlns:p14="http://schemas.microsoft.com/office/powerpoint/2010/main" val="2607175286"/>
       </p:ext>
     </p:extLst>
   </p:cSld>
@@ -5693,7 +5603,7 @@
           <p:cNvPr id="2" name="Title 1">
             <a:extLst>
               <a:ext uri="{FF2B5EF4-FFF2-40B4-BE49-F238E27FC236}">
-                <a16:creationId xmlns:a16="http://schemas.microsoft.com/office/drawing/2014/main" id="{CA4E806D-9B7B-E949-AEEE-A27FCBF34A18}"/>
+                <a16:creationId xmlns:a16="http://schemas.microsoft.com/office/drawing/2014/main" id="{1F2B52D8-6B24-D445-B4BE-A8E906F59C81}"/>
               </a:ext>
             </a:extLst>
           </p:cNvPr>
@@ -5711,7 +5621,7 @@
           <a:p>
             <a:r>
               <a:rPr lang="en-US" dirty="0"/>
-              <a:t>Throwing away program output</a:t>
+              <a:t>Redirecting standard input</a:t>
             </a:r>
           </a:p>
         </p:txBody>
@@ -5721,7 +5631,7 @@
           <p:cNvPr id="3" name="Content Placeholder 2">
             <a:extLst>
               <a:ext uri="{FF2B5EF4-FFF2-40B4-BE49-F238E27FC236}">
-                <a16:creationId xmlns:a16="http://schemas.microsoft.com/office/drawing/2014/main" id="{BFF0042E-4DFB-D746-A1EE-ACDD03109C75}"/>
+                <a16:creationId xmlns:a16="http://schemas.microsoft.com/office/drawing/2014/main" id="{896AA5F3-AAAF-1D48-BC06-4FBF9F6CCD79}"/>
               </a:ext>
             </a:extLst>
           </p:cNvPr>
@@ -5732,28 +5642,65 @@
             <p:ph idx="1"/>
           </p:nvPr>
         </p:nvSpPr>
-        <p:spPr/>
+        <p:spPr>
+          <a:xfrm>
+            <a:off x="838200" y="1825625"/>
+            <a:ext cx="5863683" cy="4351338"/>
+          </a:xfrm>
+        </p:spPr>
         <p:txBody>
           <a:bodyPr/>
           <a:lstStyle/>
           <a:p>
             <a:r>
               <a:rPr lang="en-US" dirty="0"/>
-              <a:t>file </a:t>
+              <a:t>Less common but still useful</a:t>
+            </a:r>
+          </a:p>
+          <a:p>
+            <a:r>
+              <a:rPr lang="en-US" dirty="0"/>
+              <a:t>Many commands take both </a:t>
+            </a:r>
+            <a:r>
+              <a:rPr lang="en-US" dirty="0" err="1"/>
+              <a:t>commandline</a:t>
+            </a:r>
+            <a:r>
+              <a:rPr lang="en-US" dirty="0"/>
+              <a:t> arguments and redirection: </a:t>
             </a:r>
             <a:r>
               <a:rPr lang="en-US" b="1" dirty="0"/>
-              <a:t>/dev/null </a:t>
+              <a:t>sort</a:t>
             </a:r>
             <a:r>
               <a:rPr lang="en-US" dirty="0"/>
-              <a:t>is a special “device” that accepts input and does nothing with it</a:t>
-            </a:r>
-          </a:p>
-          <a:p>
+              <a:t>, </a:t>
+            </a:r>
+            <a:r>
+              <a:rPr lang="en-US" b="1" dirty="0"/>
+              <a:t>cat</a:t>
+            </a:r>
             <a:r>
               <a:rPr lang="en-US" dirty="0"/>
-              <a:t>It’s a great way to hide all of that debugging output you have in your program</a:t>
+              <a:t>, </a:t>
+            </a:r>
+            <a:r>
+              <a:rPr lang="en-US" b="1" dirty="0" err="1"/>
+              <a:t>wc</a:t>
+            </a:r>
+            <a:r>
+              <a:rPr lang="en-US" dirty="0"/>
+              <a:t> </a:t>
+            </a:r>
+            <a:r>
+              <a:rPr lang="en-US" dirty="0" err="1"/>
+              <a:t>etc</a:t>
+            </a:r>
+            <a:r>
+              <a:rPr lang="en-US" dirty="0"/>
+              <a:t>…</a:t>
             </a:r>
           </a:p>
         </p:txBody>
@@ -5763,7 +5710,7 @@
           <p:cNvPr id="5" name="Picture 4" descr="Text&#10;&#10;Description automatically generated">
             <a:extLst>
               <a:ext uri="{FF2B5EF4-FFF2-40B4-BE49-F238E27FC236}">
-                <a16:creationId xmlns:a16="http://schemas.microsoft.com/office/drawing/2014/main" id="{46A51CC7-86D0-E74C-B8D5-9AC9D6F764F7}"/>
+                <a16:creationId xmlns:a16="http://schemas.microsoft.com/office/drawing/2014/main" id="{2F21F29C-EE4F-D149-A1DB-BF8088B6D8ED}"/>
               </a:ext>
             </a:extLst>
           </p:cNvPr>
@@ -5780,18 +5727,253 @@
         </p:blipFill>
         <p:spPr>
           <a:xfrm>
-            <a:off x="2336352" y="3926728"/>
-            <a:ext cx="6963765" cy="1246710"/>
+            <a:off x="7953637" y="937268"/>
+            <a:ext cx="3487514" cy="5379047"/>
           </a:xfrm>
           <a:prstGeom prst="rect">
             <a:avLst/>
           </a:prstGeom>
         </p:spPr>
       </p:pic>
+      <p:cxnSp>
+        <p:nvCxnSpPr>
+          <p:cNvPr id="6" name="Straight Arrow Connector 5">
+            <a:extLst>
+              <a:ext uri="{FF2B5EF4-FFF2-40B4-BE49-F238E27FC236}">
+                <a16:creationId xmlns:a16="http://schemas.microsoft.com/office/drawing/2014/main" id="{B7A50B9A-70C9-694B-9D24-0E9F052F30B2}"/>
+              </a:ext>
+            </a:extLst>
+          </p:cNvPr>
+          <p:cNvCxnSpPr>
+            <a:cxnSpLocks/>
+          </p:cNvCxnSpPr>
+          <p:nvPr/>
+        </p:nvCxnSpPr>
+        <p:spPr>
+          <a:xfrm flipV="1">
+            <a:off x="6590371" y="2207941"/>
+            <a:ext cx="1363266" cy="2061671"/>
+          </a:xfrm>
+          <a:prstGeom prst="straightConnector1">
+            <a:avLst/>
+          </a:prstGeom>
+          <a:ln w="12700">
+            <a:solidFill>
+              <a:srgbClr val="E4754F"/>
+            </a:solidFill>
+            <a:tailEnd type="triangle"/>
+          </a:ln>
+        </p:spPr>
+        <p:style>
+          <a:lnRef idx="1">
+            <a:schemeClr val="accent1"/>
+          </a:lnRef>
+          <a:fillRef idx="0">
+            <a:schemeClr val="accent1"/>
+          </a:fillRef>
+          <a:effectRef idx="0">
+            <a:schemeClr val="accent1"/>
+          </a:effectRef>
+          <a:fontRef idx="minor">
+            <a:schemeClr val="tx1"/>
+          </a:fontRef>
+        </p:style>
+      </p:cxnSp>
+      <p:sp>
+        <p:nvSpPr>
+          <p:cNvPr id="7" name="TextBox 6">
+            <a:extLst>
+              <a:ext uri="{FF2B5EF4-FFF2-40B4-BE49-F238E27FC236}">
+                <a16:creationId xmlns:a16="http://schemas.microsoft.com/office/drawing/2014/main" id="{E498F361-5D16-3442-9203-DCFFD6500A0B}"/>
+              </a:ext>
+            </a:extLst>
+          </p:cNvPr>
+          <p:cNvSpPr txBox="1"/>
+          <p:nvPr/>
+        </p:nvSpPr>
+        <p:spPr>
+          <a:xfrm>
+            <a:off x="5900433" y="4269612"/>
+            <a:ext cx="1164624" cy="646331"/>
+          </a:xfrm>
+          <a:prstGeom prst="rect">
+            <a:avLst/>
+          </a:prstGeom>
+          <a:noFill/>
+        </p:spPr>
+        <p:txBody>
+          <a:bodyPr wrap="square" rtlCol="0">
+            <a:spAutoFit/>
+          </a:bodyPr>
+          <a:lstStyle/>
+          <a:p>
+            <a:r>
+              <a:rPr lang="en-US" dirty="0"/>
+              <a:t>Control-D (EOF)</a:t>
+            </a:r>
+          </a:p>
+        </p:txBody>
+      </p:sp>
+      <p:sp>
+        <p:nvSpPr>
+          <p:cNvPr id="11" name="Rectangle 10">
+            <a:extLst>
+              <a:ext uri="{FF2B5EF4-FFF2-40B4-BE49-F238E27FC236}">
+                <a16:creationId xmlns:a16="http://schemas.microsoft.com/office/drawing/2014/main" id="{FE90A06F-34C7-C241-A343-2449406FAC12}"/>
+              </a:ext>
+            </a:extLst>
+          </p:cNvPr>
+          <p:cNvSpPr/>
+          <p:nvPr/>
+        </p:nvSpPr>
+        <p:spPr>
+          <a:xfrm>
+            <a:off x="8785736" y="914966"/>
+            <a:ext cx="251468" cy="446049"/>
+          </a:xfrm>
+          <a:prstGeom prst="rect">
+            <a:avLst/>
+          </a:prstGeom>
+          <a:noFill/>
+          <a:ln>
+            <a:solidFill>
+              <a:srgbClr val="E4754F"/>
+            </a:solidFill>
+          </a:ln>
+        </p:spPr>
+        <p:style>
+          <a:lnRef idx="2">
+            <a:schemeClr val="accent1">
+              <a:shade val="50000"/>
+            </a:schemeClr>
+          </a:lnRef>
+          <a:fillRef idx="1">
+            <a:schemeClr val="accent1"/>
+          </a:fillRef>
+          <a:effectRef idx="0">
+            <a:schemeClr val="accent1"/>
+          </a:effectRef>
+          <a:fontRef idx="minor">
+            <a:schemeClr val="lt1"/>
+          </a:fontRef>
+        </p:style>
+        <p:txBody>
+          <a:bodyPr rtlCol="0" anchor="ctr"/>
+          <a:lstStyle/>
+          <a:p>
+            <a:pPr algn="ctr"/>
+            <a:endParaRPr lang="en-US"/>
+          </a:p>
+        </p:txBody>
+      </p:sp>
+      <p:sp>
+        <p:nvSpPr>
+          <p:cNvPr id="12" name="Rectangle 11">
+            <a:extLst>
+              <a:ext uri="{FF2B5EF4-FFF2-40B4-BE49-F238E27FC236}">
+                <a16:creationId xmlns:a16="http://schemas.microsoft.com/office/drawing/2014/main" id="{90BD5282-1C09-CE46-A290-12FC2CD5DC53}"/>
+              </a:ext>
+            </a:extLst>
+          </p:cNvPr>
+          <p:cNvSpPr/>
+          <p:nvPr/>
+        </p:nvSpPr>
+        <p:spPr>
+          <a:xfrm>
+            <a:off x="8953923" y="3403766"/>
+            <a:ext cx="251468" cy="446049"/>
+          </a:xfrm>
+          <a:prstGeom prst="rect">
+            <a:avLst/>
+          </a:prstGeom>
+          <a:noFill/>
+          <a:ln>
+            <a:solidFill>
+              <a:srgbClr val="E4754F"/>
+            </a:solidFill>
+          </a:ln>
+        </p:spPr>
+        <p:style>
+          <a:lnRef idx="2">
+            <a:schemeClr val="accent1">
+              <a:shade val="50000"/>
+            </a:schemeClr>
+          </a:lnRef>
+          <a:fillRef idx="1">
+            <a:schemeClr val="accent1"/>
+          </a:fillRef>
+          <a:effectRef idx="0">
+            <a:schemeClr val="accent1"/>
+          </a:effectRef>
+          <a:fontRef idx="minor">
+            <a:schemeClr val="lt1"/>
+          </a:fontRef>
+        </p:style>
+        <p:txBody>
+          <a:bodyPr rtlCol="0" anchor="ctr"/>
+          <a:lstStyle/>
+          <a:p>
+            <a:pPr algn="ctr"/>
+            <a:endParaRPr lang="en-US"/>
+          </a:p>
+        </p:txBody>
+      </p:sp>
+      <p:sp>
+        <p:nvSpPr>
+          <p:cNvPr id="13" name="Rectangle 12">
+            <a:extLst>
+              <a:ext uri="{FF2B5EF4-FFF2-40B4-BE49-F238E27FC236}">
+                <a16:creationId xmlns:a16="http://schemas.microsoft.com/office/drawing/2014/main" id="{BF00A295-D1B9-8847-8E2F-8056D1F070AD}"/>
+              </a:ext>
+            </a:extLst>
+          </p:cNvPr>
+          <p:cNvSpPr/>
+          <p:nvPr/>
+        </p:nvSpPr>
+        <p:spPr>
+          <a:xfrm>
+            <a:off x="8796242" y="4615079"/>
+            <a:ext cx="251468" cy="446049"/>
+          </a:xfrm>
+          <a:prstGeom prst="rect">
+            <a:avLst/>
+          </a:prstGeom>
+          <a:noFill/>
+          <a:ln>
+            <a:solidFill>
+              <a:srgbClr val="E4754F"/>
+            </a:solidFill>
+          </a:ln>
+        </p:spPr>
+        <p:style>
+          <a:lnRef idx="2">
+            <a:schemeClr val="accent1">
+              <a:shade val="50000"/>
+            </a:schemeClr>
+          </a:lnRef>
+          <a:fillRef idx="1">
+            <a:schemeClr val="accent1"/>
+          </a:fillRef>
+          <a:effectRef idx="0">
+            <a:schemeClr val="accent1"/>
+          </a:effectRef>
+          <a:fontRef idx="minor">
+            <a:schemeClr val="lt1"/>
+          </a:fontRef>
+        </p:style>
+        <p:txBody>
+          <a:bodyPr rtlCol="0" anchor="ctr"/>
+          <a:lstStyle/>
+          <a:p>
+            <a:pPr algn="ctr"/>
+            <a:endParaRPr lang="en-US"/>
+          </a:p>
+        </p:txBody>
+      </p:sp>
     </p:spTree>
     <p:extLst>
       <p:ext uri="{BB962C8B-B14F-4D97-AF65-F5344CB8AC3E}">
-        <p14:creationId xmlns:p14="http://schemas.microsoft.com/office/powerpoint/2010/main" val="1501264057"/>
+        <p14:creationId xmlns:p14="http://schemas.microsoft.com/office/powerpoint/2010/main" val="2677890396"/>
       </p:ext>
     </p:extLst>
   </p:cSld>
@@ -5823,7 +6005,7 @@
           <p:cNvPr id="2" name="Title 1">
             <a:extLst>
               <a:ext uri="{FF2B5EF4-FFF2-40B4-BE49-F238E27FC236}">
-                <a16:creationId xmlns:a16="http://schemas.microsoft.com/office/drawing/2014/main" id="{BA0B1FAE-7E9E-4640-B261-89EEEA90D894}"/>
+                <a16:creationId xmlns:a16="http://schemas.microsoft.com/office/drawing/2014/main" id="{CA4E806D-9B7B-E949-AEEE-A27FCBF34A18}"/>
               </a:ext>
             </a:extLst>
           </p:cNvPr>
@@ -5841,17 +6023,17 @@
           <a:p>
             <a:r>
               <a:rPr lang="en-US" dirty="0"/>
-              <a:t>Appending standard output</a:t>
-            </a:r>
-          </a:p>
-        </p:txBody>
-      </p:sp>
-      <p:sp>
-        <p:nvSpPr>
-          <p:cNvPr id="7" name="Content Placeholder 6">
-            <a:extLst>
-              <a:ext uri="{FF2B5EF4-FFF2-40B4-BE49-F238E27FC236}">
-                <a16:creationId xmlns:a16="http://schemas.microsoft.com/office/drawing/2014/main" id="{BFB1F49E-8562-B94D-B3C0-4CCF930CD205}"/>
+              <a:t>Throwing away program output</a:t>
+            </a:r>
+          </a:p>
+        </p:txBody>
+      </p:sp>
+      <p:sp>
+        <p:nvSpPr>
+          <p:cNvPr id="3" name="Content Placeholder 2">
+            <a:extLst>
+              <a:ext uri="{FF2B5EF4-FFF2-40B4-BE49-F238E27FC236}">
+                <a16:creationId xmlns:a16="http://schemas.microsoft.com/office/drawing/2014/main" id="{BFF0042E-4DFB-D746-A1EE-ACDD03109C75}"/>
               </a:ext>
             </a:extLst>
           </p:cNvPr>
@@ -5862,33 +6044,38 @@
             <p:ph idx="1"/>
           </p:nvPr>
         </p:nvSpPr>
-        <p:spPr>
-          <a:xfrm>
-            <a:off x="838200" y="1825625"/>
-            <a:ext cx="6566210" cy="4351338"/>
-          </a:xfrm>
-        </p:spPr>
+        <p:spPr/>
         <p:txBody>
           <a:bodyPr/>
           <a:lstStyle/>
           <a:p>
             <a:r>
               <a:rPr lang="en-US" dirty="0"/>
-              <a:t>If you want to send the output of multiple commands to a file, you can use the append redirection operator, which looks </a:t>
+              <a:t>file </a:t>
             </a:r>
             <a:r>
               <a:rPr lang="en-US" b="1" dirty="0"/>
-              <a:t>&gt;&gt;</a:t>
+              <a:t>/dev/null </a:t>
+            </a:r>
+            <a:r>
+              <a:rPr lang="en-US" dirty="0"/>
+              <a:t>is a special “device” that accepts input and does nothing with it</a:t>
+            </a:r>
+          </a:p>
+          <a:p>
+            <a:r>
+              <a:rPr lang="en-US" dirty="0"/>
+              <a:t>It’s a great way to hide all of that debugging output you have in your program</a:t>
             </a:r>
           </a:p>
         </p:txBody>
       </p:sp>
       <p:pic>
         <p:nvPicPr>
-          <p:cNvPr id="8" name="Content Placeholder 4" descr="Text, letter&#10;&#10;Description automatically generated">
-            <a:extLst>
-              <a:ext uri="{FF2B5EF4-FFF2-40B4-BE49-F238E27FC236}">
-                <a16:creationId xmlns:a16="http://schemas.microsoft.com/office/drawing/2014/main" id="{A7EEEAE3-BA9A-B84C-8502-E9505B48F52C}"/>
+          <p:cNvPr id="5" name="Picture 4" descr="Text&#10;&#10;Description automatically generated">
+            <a:extLst>
+              <a:ext uri="{FF2B5EF4-FFF2-40B4-BE49-F238E27FC236}">
+                <a16:creationId xmlns:a16="http://schemas.microsoft.com/office/drawing/2014/main" id="{46A51CC7-86D0-E74C-B8D5-9AC9D6F764F7}"/>
               </a:ext>
             </a:extLst>
           </p:cNvPr>
@@ -5905,122 +6092,18 @@
         </p:blipFill>
         <p:spPr>
           <a:xfrm>
-            <a:off x="7488328" y="2021797"/>
-            <a:ext cx="4389888" cy="2449841"/>
+            <a:off x="2336352" y="3926728"/>
+            <a:ext cx="6963765" cy="1246710"/>
           </a:xfrm>
           <a:prstGeom prst="rect">
             <a:avLst/>
           </a:prstGeom>
         </p:spPr>
       </p:pic>
-      <p:sp>
-        <p:nvSpPr>
-          <p:cNvPr id="9" name="Rectangle 8">
-            <a:extLst>
-              <a:ext uri="{FF2B5EF4-FFF2-40B4-BE49-F238E27FC236}">
-                <a16:creationId xmlns:a16="http://schemas.microsoft.com/office/drawing/2014/main" id="{49B45D61-5087-494D-861E-BA2DBFFA6000}"/>
-              </a:ext>
-            </a:extLst>
-          </p:cNvPr>
-          <p:cNvSpPr/>
-          <p:nvPr/>
-        </p:nvSpPr>
-        <p:spPr>
-          <a:xfrm>
-            <a:off x="9307144" y="2356513"/>
-            <a:ext cx="325456" cy="247920"/>
-          </a:xfrm>
-          <a:prstGeom prst="rect">
-            <a:avLst/>
-          </a:prstGeom>
-          <a:noFill/>
-          <a:ln>
-            <a:solidFill>
-              <a:srgbClr val="E4754F"/>
-            </a:solidFill>
-          </a:ln>
-        </p:spPr>
-        <p:style>
-          <a:lnRef idx="2">
-            <a:schemeClr val="accent1">
-              <a:shade val="50000"/>
-            </a:schemeClr>
-          </a:lnRef>
-          <a:fillRef idx="1">
-            <a:schemeClr val="accent1"/>
-          </a:fillRef>
-          <a:effectRef idx="0">
-            <a:schemeClr val="accent1"/>
-          </a:effectRef>
-          <a:fontRef idx="minor">
-            <a:schemeClr val="lt1"/>
-          </a:fontRef>
-        </p:style>
-        <p:txBody>
-          <a:bodyPr rtlCol="0" anchor="ctr"/>
-          <a:lstStyle/>
-          <a:p>
-            <a:pPr algn="ctr"/>
-            <a:endParaRPr lang="en-US"/>
-          </a:p>
-        </p:txBody>
-      </p:sp>
-      <p:sp>
-        <p:nvSpPr>
-          <p:cNvPr id="11" name="Rectangle 10">
-            <a:extLst>
-              <a:ext uri="{FF2B5EF4-FFF2-40B4-BE49-F238E27FC236}">
-                <a16:creationId xmlns:a16="http://schemas.microsoft.com/office/drawing/2014/main" id="{78A83322-C101-8F40-BFC5-56C3A89D72BA}"/>
-              </a:ext>
-            </a:extLst>
-          </p:cNvPr>
-          <p:cNvSpPr/>
-          <p:nvPr/>
-        </p:nvSpPr>
-        <p:spPr>
-          <a:xfrm>
-            <a:off x="9307144" y="2687622"/>
-            <a:ext cx="325456" cy="247920"/>
-          </a:xfrm>
-          <a:prstGeom prst="rect">
-            <a:avLst/>
-          </a:prstGeom>
-          <a:noFill/>
-          <a:ln>
-            <a:solidFill>
-              <a:srgbClr val="E4754F"/>
-            </a:solidFill>
-          </a:ln>
-        </p:spPr>
-        <p:style>
-          <a:lnRef idx="2">
-            <a:schemeClr val="accent1">
-              <a:shade val="50000"/>
-            </a:schemeClr>
-          </a:lnRef>
-          <a:fillRef idx="1">
-            <a:schemeClr val="accent1"/>
-          </a:fillRef>
-          <a:effectRef idx="0">
-            <a:schemeClr val="accent1"/>
-          </a:effectRef>
-          <a:fontRef idx="minor">
-            <a:schemeClr val="lt1"/>
-          </a:fontRef>
-        </p:style>
-        <p:txBody>
-          <a:bodyPr rtlCol="0" anchor="ctr"/>
-          <a:lstStyle/>
-          <a:p>
-            <a:pPr algn="ctr"/>
-            <a:endParaRPr lang="en-US"/>
-          </a:p>
-        </p:txBody>
-      </p:sp>
     </p:spTree>
     <p:extLst>
       <p:ext uri="{BB962C8B-B14F-4D97-AF65-F5344CB8AC3E}">
-        <p14:creationId xmlns:p14="http://schemas.microsoft.com/office/powerpoint/2010/main" val="2281535709"/>
+        <p14:creationId xmlns:p14="http://schemas.microsoft.com/office/powerpoint/2010/main" val="1501264057"/>
       </p:ext>
     </p:extLst>
   </p:cSld>
@@ -6052,7 +6135,7 @@
           <p:cNvPr id="2" name="Title 1">
             <a:extLst>
               <a:ext uri="{FF2B5EF4-FFF2-40B4-BE49-F238E27FC236}">
-                <a16:creationId xmlns:a16="http://schemas.microsoft.com/office/drawing/2014/main" id="{C34B370F-CEC6-1648-9F11-2FE9245A2FA1}"/>
+                <a16:creationId xmlns:a16="http://schemas.microsoft.com/office/drawing/2014/main" id="{BA0B1FAE-7E9E-4640-B261-89EEEA90D894}"/>
               </a:ext>
             </a:extLst>
           </p:cNvPr>
@@ -6070,17 +6153,17 @@
           <a:p>
             <a:r>
               <a:rPr lang="en-US" dirty="0"/>
-              <a:t>Summary</a:t>
-            </a:r>
-          </a:p>
-        </p:txBody>
-      </p:sp>
-      <p:sp>
-        <p:nvSpPr>
-          <p:cNvPr id="3" name="Content Placeholder 2">
-            <a:extLst>
-              <a:ext uri="{FF2B5EF4-FFF2-40B4-BE49-F238E27FC236}">
-                <a16:creationId xmlns:a16="http://schemas.microsoft.com/office/drawing/2014/main" id="{06077FD4-5B42-8A46-A4B0-6C2711EA0854}"/>
+              <a:t>Appending standard output</a:t>
+            </a:r>
+          </a:p>
+        </p:txBody>
+      </p:sp>
+      <p:sp>
+        <p:nvSpPr>
+          <p:cNvPr id="7" name="Content Placeholder 6">
+            <a:extLst>
+              <a:ext uri="{FF2B5EF4-FFF2-40B4-BE49-F238E27FC236}">
+                <a16:creationId xmlns:a16="http://schemas.microsoft.com/office/drawing/2014/main" id="{BFB1F49E-8562-B94D-B3C0-4CCF930CD205}"/>
               </a:ext>
             </a:extLst>
           </p:cNvPr>
@@ -6091,40 +6174,165 @@
             <p:ph idx="1"/>
           </p:nvPr>
         </p:nvSpPr>
-        <p:spPr/>
+        <p:spPr>
+          <a:xfrm>
+            <a:off x="838200" y="1825625"/>
+            <a:ext cx="6566210" cy="4351338"/>
+          </a:xfrm>
+        </p:spPr>
         <p:txBody>
           <a:bodyPr/>
           <a:lstStyle/>
           <a:p>
             <a:r>
               <a:rPr lang="en-US" dirty="0"/>
-              <a:t>pipe “|” hooks output of one process to input of another</a:t>
-            </a:r>
-          </a:p>
-          <a:p>
-            <a:r>
-              <a:rPr lang="en-US" dirty="0"/>
-              <a:t>redirect program output to a file using “&gt;”</a:t>
-            </a:r>
-          </a:p>
-          <a:p>
-            <a:r>
-              <a:rPr lang="en-US" dirty="0"/>
-              <a:t>redirect program output to a file using “&gt;&gt;” to append not overwrite</a:t>
-            </a:r>
-          </a:p>
-          <a:p>
-            <a:r>
-              <a:rPr lang="en-US" dirty="0"/>
-              <a:t>open file and send contents as standard input to a program using ‘&lt;‘ operator</a:t>
-            </a:r>
+              <a:t>If you want to send the output of multiple commands to a file, you can use the append redirection operator, which looks </a:t>
+            </a:r>
+            <a:r>
+              <a:rPr lang="en-US" b="1" dirty="0"/>
+              <a:t>&gt;&gt;</a:t>
+            </a:r>
+          </a:p>
+        </p:txBody>
+      </p:sp>
+      <p:pic>
+        <p:nvPicPr>
+          <p:cNvPr id="8" name="Content Placeholder 4" descr="Text, letter&#10;&#10;Description automatically generated">
+            <a:extLst>
+              <a:ext uri="{FF2B5EF4-FFF2-40B4-BE49-F238E27FC236}">
+                <a16:creationId xmlns:a16="http://schemas.microsoft.com/office/drawing/2014/main" id="{A7EEEAE3-BA9A-B84C-8502-E9505B48F52C}"/>
+              </a:ext>
+            </a:extLst>
+          </p:cNvPr>
+          <p:cNvPicPr>
+            <a:picLocks noChangeAspect="1"/>
+          </p:cNvPicPr>
+          <p:nvPr/>
+        </p:nvPicPr>
+        <p:blipFill>
+          <a:blip r:embed="rId2"/>
+          <a:stretch>
+            <a:fillRect/>
+          </a:stretch>
+        </p:blipFill>
+        <p:spPr>
+          <a:xfrm>
+            <a:off x="7488328" y="2021797"/>
+            <a:ext cx="4389888" cy="2449841"/>
+          </a:xfrm>
+          <a:prstGeom prst="rect">
+            <a:avLst/>
+          </a:prstGeom>
+        </p:spPr>
+      </p:pic>
+      <p:sp>
+        <p:nvSpPr>
+          <p:cNvPr id="9" name="Rectangle 8">
+            <a:extLst>
+              <a:ext uri="{FF2B5EF4-FFF2-40B4-BE49-F238E27FC236}">
+                <a16:creationId xmlns:a16="http://schemas.microsoft.com/office/drawing/2014/main" id="{49B45D61-5087-494D-861E-BA2DBFFA6000}"/>
+              </a:ext>
+            </a:extLst>
+          </p:cNvPr>
+          <p:cNvSpPr/>
+          <p:nvPr/>
+        </p:nvSpPr>
+        <p:spPr>
+          <a:xfrm>
+            <a:off x="9307144" y="2356513"/>
+            <a:ext cx="325456" cy="247920"/>
+          </a:xfrm>
+          <a:prstGeom prst="rect">
+            <a:avLst/>
+          </a:prstGeom>
+          <a:noFill/>
+          <a:ln>
+            <a:solidFill>
+              <a:srgbClr val="E4754F"/>
+            </a:solidFill>
+          </a:ln>
+        </p:spPr>
+        <p:style>
+          <a:lnRef idx="2">
+            <a:schemeClr val="accent1">
+              <a:shade val="50000"/>
+            </a:schemeClr>
+          </a:lnRef>
+          <a:fillRef idx="1">
+            <a:schemeClr val="accent1"/>
+          </a:fillRef>
+          <a:effectRef idx="0">
+            <a:schemeClr val="accent1"/>
+          </a:effectRef>
+          <a:fontRef idx="minor">
+            <a:schemeClr val="lt1"/>
+          </a:fontRef>
+        </p:style>
+        <p:txBody>
+          <a:bodyPr rtlCol="0" anchor="ctr"/>
+          <a:lstStyle/>
+          <a:p>
+            <a:pPr algn="ctr"/>
+            <a:endParaRPr lang="en-US"/>
+          </a:p>
+        </p:txBody>
+      </p:sp>
+      <p:sp>
+        <p:nvSpPr>
+          <p:cNvPr id="11" name="Rectangle 10">
+            <a:extLst>
+              <a:ext uri="{FF2B5EF4-FFF2-40B4-BE49-F238E27FC236}">
+                <a16:creationId xmlns:a16="http://schemas.microsoft.com/office/drawing/2014/main" id="{78A83322-C101-8F40-BFC5-56C3A89D72BA}"/>
+              </a:ext>
+            </a:extLst>
+          </p:cNvPr>
+          <p:cNvSpPr/>
+          <p:nvPr/>
+        </p:nvSpPr>
+        <p:spPr>
+          <a:xfrm>
+            <a:off x="9307144" y="2687622"/>
+            <a:ext cx="325456" cy="247920"/>
+          </a:xfrm>
+          <a:prstGeom prst="rect">
+            <a:avLst/>
+          </a:prstGeom>
+          <a:noFill/>
+          <a:ln>
+            <a:solidFill>
+              <a:srgbClr val="E4754F"/>
+            </a:solidFill>
+          </a:ln>
+        </p:spPr>
+        <p:style>
+          <a:lnRef idx="2">
+            <a:schemeClr val="accent1">
+              <a:shade val="50000"/>
+            </a:schemeClr>
+          </a:lnRef>
+          <a:fillRef idx="1">
+            <a:schemeClr val="accent1"/>
+          </a:fillRef>
+          <a:effectRef idx="0">
+            <a:schemeClr val="accent1"/>
+          </a:effectRef>
+          <a:fontRef idx="minor">
+            <a:schemeClr val="lt1"/>
+          </a:fontRef>
+        </p:style>
+        <p:txBody>
+          <a:bodyPr rtlCol="0" anchor="ctr"/>
+          <a:lstStyle/>
+          <a:p>
+            <a:pPr algn="ctr"/>
+            <a:endParaRPr lang="en-US"/>
           </a:p>
         </p:txBody>
       </p:sp>
     </p:spTree>
     <p:extLst>
       <p:ext uri="{BB962C8B-B14F-4D97-AF65-F5344CB8AC3E}">
-        <p14:creationId xmlns:p14="http://schemas.microsoft.com/office/powerpoint/2010/main" val="3643462524"/>
+        <p14:creationId xmlns:p14="http://schemas.microsoft.com/office/powerpoint/2010/main" val="2281535709"/>
       </p:ext>
     </p:extLst>
   </p:cSld>

--- a/notes/streams.pptx
+++ b/notes/streams.pptx
@@ -13,9 +13,9 @@
   <p:sldIdLst>
     <p:sldId id="256" r:id="rId2"/>
     <p:sldId id="288" r:id="rId3"/>
-    <p:sldId id="296" r:id="rId4"/>
-    <p:sldId id="289" r:id="rId5"/>
-    <p:sldId id="290" r:id="rId6"/>
+    <p:sldId id="289" r:id="rId4"/>
+    <p:sldId id="290" r:id="rId5"/>
+    <p:sldId id="296" r:id="rId6"/>
     <p:sldId id="291" r:id="rId7"/>
     <p:sldId id="294" r:id="rId8"/>
     <p:sldId id="293" r:id="rId9"/>
@@ -215,7 +215,7 @@
           <a:p>
             <a:fld id="{8A1B613A-EFF1-404F-BEE8-EFAE84A4E5E2}" type="datetimeFigureOut">
               <a:rPr lang="en-US" smtClean="0"/>
-              <a:t>8/19/21</a:t>
+              <a:t>8/22/21</a:t>
             </a:fld>
             <a:endParaRPr lang="en-US"/>
           </a:p>
@@ -380,7 +380,7 @@
           <a:p>
             <a:fld id="{690847EA-AC25-3D4E-89E1-FD3F6A9702B6}" type="datetimeFigureOut">
               <a:rPr lang="en-US" smtClean="0"/>
-              <a:t>8/19/21</a:t>
+              <a:t>8/22/21</a:t>
             </a:fld>
             <a:endParaRPr lang="en-US"/>
           </a:p>
@@ -794,7 +794,7 @@
           <a:p>
             <a:fld id="{BE5295ED-3BAF-1140-8495-3D368771D6B1}" type="datetimeFigureOut">
               <a:rPr lang="en-US" smtClean="0"/>
-              <a:t>8/19/21</a:t>
+              <a:t>8/22/21</a:t>
             </a:fld>
             <a:endParaRPr lang="en-US"/>
           </a:p>
@@ -992,7 +992,7 @@
           <a:p>
             <a:fld id="{BE5295ED-3BAF-1140-8495-3D368771D6B1}" type="datetimeFigureOut">
               <a:rPr lang="en-US" smtClean="0"/>
-              <a:t>8/19/21</a:t>
+              <a:t>8/22/21</a:t>
             </a:fld>
             <a:endParaRPr lang="en-US"/>
           </a:p>
@@ -1200,7 +1200,7 @@
           <a:p>
             <a:fld id="{BE5295ED-3BAF-1140-8495-3D368771D6B1}" type="datetimeFigureOut">
               <a:rPr lang="en-US" smtClean="0"/>
-              <a:t>8/19/21</a:t>
+              <a:t>8/22/21</a:t>
             </a:fld>
             <a:endParaRPr lang="en-US"/>
           </a:p>
@@ -1398,7 +1398,7 @@
           <a:p>
             <a:fld id="{BE5295ED-3BAF-1140-8495-3D368771D6B1}" type="datetimeFigureOut">
               <a:rPr lang="en-US" smtClean="0"/>
-              <a:t>8/19/21</a:t>
+              <a:t>8/22/21</a:t>
             </a:fld>
             <a:endParaRPr lang="en-US"/>
           </a:p>
@@ -1673,7 +1673,7 @@
           <a:p>
             <a:fld id="{BE5295ED-3BAF-1140-8495-3D368771D6B1}" type="datetimeFigureOut">
               <a:rPr lang="en-US" smtClean="0"/>
-              <a:t>8/19/21</a:t>
+              <a:t>8/22/21</a:t>
             </a:fld>
             <a:endParaRPr lang="en-US"/>
           </a:p>
@@ -1938,7 +1938,7 @@
           <a:p>
             <a:fld id="{BE5295ED-3BAF-1140-8495-3D368771D6B1}" type="datetimeFigureOut">
               <a:rPr lang="en-US" smtClean="0"/>
-              <a:t>8/19/21</a:t>
+              <a:t>8/22/21</a:t>
             </a:fld>
             <a:endParaRPr lang="en-US"/>
           </a:p>
@@ -2350,7 +2350,7 @@
           <a:p>
             <a:fld id="{BE5295ED-3BAF-1140-8495-3D368771D6B1}" type="datetimeFigureOut">
               <a:rPr lang="en-US" smtClean="0"/>
-              <a:t>8/19/21</a:t>
+              <a:t>8/22/21</a:t>
             </a:fld>
             <a:endParaRPr lang="en-US"/>
           </a:p>
@@ -2491,7 +2491,7 @@
           <a:p>
             <a:fld id="{BE5295ED-3BAF-1140-8495-3D368771D6B1}" type="datetimeFigureOut">
               <a:rPr lang="en-US" smtClean="0"/>
-              <a:t>8/19/21</a:t>
+              <a:t>8/22/21</a:t>
             </a:fld>
             <a:endParaRPr lang="en-US"/>
           </a:p>
@@ -2604,7 +2604,7 @@
           <a:p>
             <a:fld id="{BE5295ED-3BAF-1140-8495-3D368771D6B1}" type="datetimeFigureOut">
               <a:rPr lang="en-US" smtClean="0"/>
-              <a:t>8/19/21</a:t>
+              <a:t>8/22/21</a:t>
             </a:fld>
             <a:endParaRPr lang="en-US"/>
           </a:p>
@@ -2915,7 +2915,7 @@
           <a:p>
             <a:fld id="{BE5295ED-3BAF-1140-8495-3D368771D6B1}" type="datetimeFigureOut">
               <a:rPr lang="en-US" smtClean="0"/>
-              <a:t>8/19/21</a:t>
+              <a:t>8/22/21</a:t>
             </a:fld>
             <a:endParaRPr lang="en-US"/>
           </a:p>
@@ -3206,7 +3206,7 @@
           <a:p>
             <a:fld id="{BE5295ED-3BAF-1140-8495-3D368771D6B1}" type="datetimeFigureOut">
               <a:rPr lang="en-US" smtClean="0"/>
-              <a:t>8/19/21</a:t>
+              <a:t>8/22/21</a:t>
             </a:fld>
             <a:endParaRPr lang="en-US"/>
           </a:p>
@@ -3447,7 +3447,7 @@
           <a:p>
             <a:fld id="{BE5295ED-3BAF-1140-8495-3D368771D6B1}" type="datetimeFigureOut">
               <a:rPr lang="en-US" smtClean="0"/>
-              <a:t>8/19/21</a:t>
+              <a:t>8/22/21</a:t>
             </a:fld>
             <a:endParaRPr lang="en-US"/>
           </a:p>
@@ -4095,6 +4095,13 @@
               <a:rPr lang="en-US" dirty="0"/>
               <a:t>pipe “|” hooks output of one process to input of another</a:t>
             </a:r>
+            <a:br>
+              <a:rPr lang="en-US" dirty="0"/>
+            </a:br>
+            <a:r>
+              <a:rPr lang="en-US" b="1" dirty="0"/>
+              <a:t>a | b | c</a:t>
+            </a:r>
           </a:p>
           <a:p>
             <a:r>
@@ -4105,13 +4112,62 @@
           <a:p>
             <a:r>
               <a:rPr lang="en-US" dirty="0"/>
-              <a:t>redirect program output to a file using “&gt;&gt;” to append not overwrite</a:t>
+              <a:t>redirect and append program output to a file using “&gt;&gt;”</a:t>
             </a:r>
           </a:p>
           <a:p>
             <a:r>
               <a:rPr lang="en-US" dirty="0"/>
               <a:t>open file and send contents as standard input to a program using ‘&lt;‘ operator</a:t>
+            </a:r>
+          </a:p>
+          <a:p>
+            <a:r>
+              <a:rPr lang="en-US" dirty="0"/>
+              <a:t>Redirect both: </a:t>
+            </a:r>
+            <a:r>
+              <a:rPr lang="en-US" b="1" dirty="0"/>
+              <a:t>prog &lt; </a:t>
+            </a:r>
+            <a:r>
+              <a:rPr lang="en-US" b="1" dirty="0" err="1"/>
+              <a:t>infile</a:t>
+            </a:r>
+            <a:r>
+              <a:rPr lang="en-US" b="1" dirty="0"/>
+              <a:t> &gt; </a:t>
+            </a:r>
+            <a:r>
+              <a:rPr lang="en-US" b="1" dirty="0" err="1"/>
+              <a:t>outfile</a:t>
+            </a:r>
+            <a:endParaRPr lang="en-US" b="1" dirty="0"/>
+          </a:p>
+          <a:p>
+            <a:r>
+              <a:rPr lang="en-US" dirty="0"/>
+              <a:t>Pipe then redirect: </a:t>
+            </a:r>
+            <a:r>
+              <a:rPr lang="en-US" b="1" dirty="0"/>
+              <a:t>a &lt; </a:t>
+            </a:r>
+            <a:r>
+              <a:rPr lang="en-US" b="1" dirty="0" err="1"/>
+              <a:t>infile</a:t>
+            </a:r>
+            <a:r>
+              <a:rPr lang="en-US" b="1" dirty="0"/>
+              <a:t> | b | c | d &gt; </a:t>
+            </a:r>
+            <a:r>
+              <a:rPr lang="en-US" b="1" dirty="0" err="1"/>
+              <a:t>outfile</a:t>
+            </a:r>
+            <a:r>
+              <a:rPr lang="en-US" dirty="0"/>
+              <a:t> </a:t>
             </a:r>
           </a:p>
         </p:txBody>
@@ -4600,7 +4656,7 @@
           <p:cNvPr id="2" name="Title 1">
             <a:extLst>
               <a:ext uri="{FF2B5EF4-FFF2-40B4-BE49-F238E27FC236}">
-                <a16:creationId xmlns:a16="http://schemas.microsoft.com/office/drawing/2014/main" id="{379574C2-DB75-DB45-BF5E-6693C8D9C2D1}"/>
+                <a16:creationId xmlns:a16="http://schemas.microsoft.com/office/drawing/2014/main" id="{140ADA11-0D68-4F46-B5E8-36D62C3AB7AC}"/>
               </a:ext>
             </a:extLst>
           </p:cNvPr>
@@ -4609,173 +4665,241 @@
           </p:cNvSpPr>
           <p:nvPr>
             <p:ph type="title"/>
+          </p:nvPr>
+        </p:nvSpPr>
+        <p:spPr/>
+        <p:txBody>
+          <a:bodyPr>
+            <a:normAutofit fontScale="90000"/>
+          </a:bodyPr>
+          <a:lstStyle/>
+          <a:p>
+            <a:r>
+              <a:rPr lang="en-US" dirty="0"/>
+              <a:t>UNIX has lots of commands we can mix and match to solve problems without new code</a:t>
+            </a:r>
+          </a:p>
+        </p:txBody>
+      </p:sp>
+      <p:sp>
+        <p:nvSpPr>
+          <p:cNvPr id="3" name="Content Placeholder 2">
+            <a:extLst>
+              <a:ext uri="{FF2B5EF4-FFF2-40B4-BE49-F238E27FC236}">
+                <a16:creationId xmlns:a16="http://schemas.microsoft.com/office/drawing/2014/main" id="{45F1F7C3-1595-4448-9F22-1B44347C8C22}"/>
+              </a:ext>
+            </a:extLst>
+          </p:cNvPr>
+          <p:cNvSpPr>
+            <a:spLocks noGrp="1"/>
+          </p:cNvSpPr>
+          <p:nvPr>
+            <p:ph idx="1"/>
           </p:nvPr>
         </p:nvSpPr>
         <p:spPr>
           <a:xfrm>
-            <a:off x="838200" y="365126"/>
-            <a:ext cx="10515600" cy="872690"/>
-          </a:xfrm>
-        </p:spPr>
-        <p:txBody>
-          <a:bodyPr/>
+            <a:off x="838200" y="1825625"/>
+            <a:ext cx="6521605" cy="4351338"/>
+          </a:xfrm>
+        </p:spPr>
+        <p:txBody>
+          <a:bodyPr>
+            <a:normAutofit lnSpcReduction="10000"/>
+          </a:bodyPr>
           <a:lstStyle/>
           <a:p>
             <a:r>
               <a:rPr lang="en-US" dirty="0"/>
-              <a:t>Nice visualizations from </a:t>
-            </a:r>
-            <a:r>
-              <a:rPr lang="en-US" dirty="0" err="1"/>
-              <a:t>rozmichelle</a:t>
-            </a:r>
-            <a:endParaRPr lang="en-US" dirty="0"/>
-          </a:p>
-        </p:txBody>
-      </p:sp>
-      <p:sp>
-        <p:nvSpPr>
-          <p:cNvPr id="5" name="TextBox 4">
-            <a:extLst>
-              <a:ext uri="{FF2B5EF4-FFF2-40B4-BE49-F238E27FC236}">
-                <a16:creationId xmlns:a16="http://schemas.microsoft.com/office/drawing/2014/main" id="{39352CBE-2DDB-094E-8DBB-058E30BFF89C}"/>
-              </a:ext>
-            </a:extLst>
-          </p:cNvPr>
-          <p:cNvSpPr txBox="1"/>
+              <a:t>To combine programs, we need to send the output of one program to the input of another</a:t>
+            </a:r>
+          </a:p>
+          <a:p>
+            <a:r>
+              <a:rPr lang="en-US" dirty="0"/>
+              <a:t>This lets us transform or simplify data in multiple steps</a:t>
+            </a:r>
+          </a:p>
+          <a:p>
+            <a:r>
+              <a:rPr lang="en-US" dirty="0"/>
+              <a:t>The mechanism for passing the standard output of one program to the standard input of another program is called a </a:t>
+            </a:r>
+            <a:r>
+              <a:rPr lang="en-US" i="1" dirty="0"/>
+              <a:t>pipe</a:t>
+            </a:r>
+          </a:p>
+          <a:p>
+            <a:r>
+              <a:rPr lang="en-US" dirty="0"/>
+              <a:t>Here’s an example piping the output of </a:t>
+            </a:r>
+            <a:r>
+              <a:rPr lang="en-US" b="1" dirty="0"/>
+              <a:t>ls</a:t>
+            </a:r>
+            <a:r>
+              <a:rPr lang="en-US" dirty="0"/>
+              <a:t> to the input of </a:t>
+            </a:r>
+            <a:r>
+              <a:rPr lang="en-US" b="1" dirty="0"/>
+              <a:t>more</a:t>
+            </a:r>
+            <a:r>
+              <a:rPr lang="en-US" dirty="0"/>
+              <a:t> and then </a:t>
+            </a:r>
+            <a:r>
+              <a:rPr lang="en-US" b="1" dirty="0" err="1"/>
+              <a:t>wc</a:t>
+            </a:r>
+            <a:r>
+              <a:rPr lang="en-US" dirty="0"/>
+              <a:t>:</a:t>
+            </a:r>
+          </a:p>
+        </p:txBody>
+      </p:sp>
+      <p:pic>
+        <p:nvPicPr>
+          <p:cNvPr id="5" name="Picture 4" descr="Text, letter&#10;&#10;Description automatically generated">
+            <a:extLst>
+              <a:ext uri="{FF2B5EF4-FFF2-40B4-BE49-F238E27FC236}">
+                <a16:creationId xmlns:a16="http://schemas.microsoft.com/office/drawing/2014/main" id="{5E79A262-DB90-CE46-8B90-F1AF804826A2}"/>
+              </a:ext>
+            </a:extLst>
+          </p:cNvPr>
+          <p:cNvPicPr>
+            <a:picLocks noChangeAspect="1"/>
+          </p:cNvPicPr>
           <p:nvPr/>
-        </p:nvSpPr>
+        </p:nvPicPr>
+        <p:blipFill>
+          <a:blip r:embed="rId2"/>
+          <a:stretch>
+            <a:fillRect/>
+          </a:stretch>
+        </p:blipFill>
         <p:spPr>
           <a:xfrm>
-            <a:off x="0" y="6488668"/>
-            <a:ext cx="5352812" cy="369332"/>
+            <a:off x="7446003" y="1825625"/>
+            <a:ext cx="4445998" cy="3928404"/>
+          </a:xfrm>
+          <a:prstGeom prst="rect">
+            <a:avLst/>
+          </a:prstGeom>
+        </p:spPr>
+      </p:pic>
+      <p:sp>
+        <p:nvSpPr>
+          <p:cNvPr id="6" name="Rectangle 5">
+            <a:extLst>
+              <a:ext uri="{FF2B5EF4-FFF2-40B4-BE49-F238E27FC236}">
+                <a16:creationId xmlns:a16="http://schemas.microsoft.com/office/drawing/2014/main" id="{69DD3AF4-899A-7549-B91B-7E140EADCF64}"/>
+              </a:ext>
+            </a:extLst>
+          </p:cNvPr>
+          <p:cNvSpPr/>
+          <p:nvPr/>
+        </p:nvSpPr>
+        <p:spPr>
+          <a:xfrm>
+            <a:off x="10997395" y="1724141"/>
+            <a:ext cx="251468" cy="446049"/>
           </a:xfrm>
           <a:prstGeom prst="rect">
             <a:avLst/>
           </a:prstGeom>
           <a:noFill/>
-        </p:spPr>
-        <p:txBody>
-          <a:bodyPr wrap="none" rtlCol="0">
-            <a:spAutoFit/>
-          </a:bodyPr>
-          <a:lstStyle/>
-          <a:p>
-            <a:r>
-              <a:rPr lang="en-US" dirty="0"/>
-              <a:t>See </a:t>
-            </a:r>
-            <a:r>
-              <a:rPr lang="en-US" dirty="0">
-                <a:hlinkClick r:id="rId2"/>
-              </a:rPr>
-              <a:t>http://www.rozmichelle.com/pipes-forks-dups/</a:t>
-            </a:r>
-            <a:r>
-              <a:rPr lang="en-US" dirty="0"/>
-              <a:t> </a:t>
-            </a:r>
-          </a:p>
-        </p:txBody>
-      </p:sp>
-      <p:pic>
-        <p:nvPicPr>
-          <p:cNvPr id="1028" name="Picture 4">
-            <a:extLst>
-              <a:ext uri="{FF2B5EF4-FFF2-40B4-BE49-F238E27FC236}">
-                <a16:creationId xmlns:a16="http://schemas.microsoft.com/office/drawing/2014/main" id="{32744D4E-221D-1E44-A644-39A232FFBD68}"/>
-              </a:ext>
-            </a:extLst>
-          </p:cNvPr>
-          <p:cNvPicPr>
-            <a:picLocks noChangeAspect="1" noChangeArrowheads="1"/>
-          </p:cNvPicPr>
+          <a:ln>
+            <a:solidFill>
+              <a:srgbClr val="E4754F"/>
+            </a:solidFill>
+          </a:ln>
+        </p:spPr>
+        <p:style>
+          <a:lnRef idx="2">
+            <a:schemeClr val="accent1">
+              <a:shade val="50000"/>
+            </a:schemeClr>
+          </a:lnRef>
+          <a:fillRef idx="1">
+            <a:schemeClr val="accent1"/>
+          </a:fillRef>
+          <a:effectRef idx="0">
+            <a:schemeClr val="accent1"/>
+          </a:effectRef>
+          <a:fontRef idx="minor">
+            <a:schemeClr val="lt1"/>
+          </a:fontRef>
+        </p:style>
+        <p:txBody>
+          <a:bodyPr rtlCol="0" anchor="ctr"/>
+          <a:lstStyle/>
+          <a:p>
+            <a:pPr algn="ctr"/>
+            <a:endParaRPr lang="en-US"/>
+          </a:p>
+        </p:txBody>
+      </p:sp>
+      <p:sp>
+        <p:nvSpPr>
+          <p:cNvPr id="7" name="Rectangle 6">
+            <a:extLst>
+              <a:ext uri="{FF2B5EF4-FFF2-40B4-BE49-F238E27FC236}">
+                <a16:creationId xmlns:a16="http://schemas.microsoft.com/office/drawing/2014/main" id="{53909992-1C03-274C-8495-99D3A3C3E588}"/>
+              </a:ext>
+            </a:extLst>
+          </p:cNvPr>
+          <p:cNvSpPr/>
           <p:nvPr/>
-        </p:nvPicPr>
-        <p:blipFill>
-          <a:blip r:embed="rId3">
-            <a:extLst>
-              <a:ext uri="{28A0092B-C50C-407E-A947-70E740481C1C}">
-                <a14:useLocalDpi xmlns:a14="http://schemas.microsoft.com/office/drawing/2010/main" val="0"/>
-              </a:ext>
-            </a:extLst>
-          </a:blip>
-          <a:srcRect/>
-          <a:stretch>
-            <a:fillRect/>
-          </a:stretch>
-        </p:blipFill>
-        <p:spPr bwMode="auto">
+        </p:nvSpPr>
+        <p:spPr>
           <a:xfrm>
-            <a:off x="1293542" y="1414893"/>
-            <a:ext cx="4689079" cy="2322560"/>
+            <a:off x="10997395" y="5088093"/>
+            <a:ext cx="251468" cy="446049"/>
           </a:xfrm>
           <a:prstGeom prst="rect">
             <a:avLst/>
           </a:prstGeom>
           <a:noFill/>
-          <a:extLst>
-            <a:ext uri="{909E8E84-426E-40DD-AFC4-6F175D3DCCD1}">
-              <a14:hiddenFill xmlns:a14="http://schemas.microsoft.com/office/drawing/2010/main">
-                <a:solidFill>
-                  <a:srgbClr val="FFFFFF"/>
-                </a:solidFill>
-              </a14:hiddenFill>
-            </a:ext>
-          </a:extLst>
-        </p:spPr>
-      </p:pic>
-      <p:pic>
-        <p:nvPicPr>
-          <p:cNvPr id="1030" name="Picture 6">
-            <a:extLst>
-              <a:ext uri="{FF2B5EF4-FFF2-40B4-BE49-F238E27FC236}">
-                <a16:creationId xmlns:a16="http://schemas.microsoft.com/office/drawing/2014/main" id="{D37EBC59-AF47-5549-82A9-7825487740AC}"/>
-              </a:ext>
-            </a:extLst>
-          </p:cNvPr>
-          <p:cNvPicPr>
-            <a:picLocks noChangeAspect="1" noChangeArrowheads="1"/>
-          </p:cNvPicPr>
-          <p:nvPr/>
-        </p:nvPicPr>
-        <p:blipFill>
-          <a:blip r:embed="rId4">
-            <a:extLst>
-              <a:ext uri="{28A0092B-C50C-407E-A947-70E740481C1C}">
-                <a14:useLocalDpi xmlns:a14="http://schemas.microsoft.com/office/drawing/2010/main" val="0"/>
-              </a:ext>
-            </a:extLst>
-          </a:blip>
-          <a:srcRect/>
-          <a:stretch>
-            <a:fillRect/>
-          </a:stretch>
-        </p:blipFill>
-        <p:spPr bwMode="auto">
-          <a:xfrm>
-            <a:off x="1293542" y="3912205"/>
-            <a:ext cx="9122415" cy="2399385"/>
-          </a:xfrm>
-          <a:prstGeom prst="rect">
-            <a:avLst/>
-          </a:prstGeom>
-          <a:noFill/>
-          <a:extLst>
-            <a:ext uri="{909E8E84-426E-40DD-AFC4-6F175D3DCCD1}">
-              <a14:hiddenFill xmlns:a14="http://schemas.microsoft.com/office/drawing/2010/main">
-                <a:solidFill>
-                  <a:srgbClr val="FFFFFF"/>
-                </a:solidFill>
-              </a14:hiddenFill>
-            </a:ext>
-          </a:extLst>
-        </p:spPr>
-      </p:pic>
+          <a:ln>
+            <a:solidFill>
+              <a:srgbClr val="E4754F"/>
+            </a:solidFill>
+          </a:ln>
+        </p:spPr>
+        <p:style>
+          <a:lnRef idx="2">
+            <a:schemeClr val="accent1">
+              <a:shade val="50000"/>
+            </a:schemeClr>
+          </a:lnRef>
+          <a:fillRef idx="1">
+            <a:schemeClr val="accent1"/>
+          </a:fillRef>
+          <a:effectRef idx="0">
+            <a:schemeClr val="accent1"/>
+          </a:effectRef>
+          <a:fontRef idx="minor">
+            <a:schemeClr val="lt1"/>
+          </a:fontRef>
+        </p:style>
+        <p:txBody>
+          <a:bodyPr rtlCol="0" anchor="ctr"/>
+          <a:lstStyle/>
+          <a:p>
+            <a:pPr algn="ctr"/>
+            <a:endParaRPr lang="en-US"/>
+          </a:p>
+        </p:txBody>
+      </p:sp>
     </p:spTree>
     <p:extLst>
       <p:ext uri="{BB962C8B-B14F-4D97-AF65-F5344CB8AC3E}">
-        <p14:creationId xmlns:p14="http://schemas.microsoft.com/office/powerpoint/2010/main" val="1939768568"/>
+        <p14:creationId xmlns:p14="http://schemas.microsoft.com/office/powerpoint/2010/main" val="1437014804"/>
       </p:ext>
     </p:extLst>
   </p:cSld>
@@ -4807,7 +4931,7 @@
           <p:cNvPr id="2" name="Title 1">
             <a:extLst>
               <a:ext uri="{FF2B5EF4-FFF2-40B4-BE49-F238E27FC236}">
-                <a16:creationId xmlns:a16="http://schemas.microsoft.com/office/drawing/2014/main" id="{140ADA11-0D68-4F46-B5E8-36D62C3AB7AC}"/>
+                <a16:creationId xmlns:a16="http://schemas.microsoft.com/office/drawing/2014/main" id="{6ED6330A-FCA1-1443-92D7-FCE737C1A22B}"/>
               </a:ext>
             </a:extLst>
           </p:cNvPr>
@@ -4820,24 +4944,22 @@
         </p:nvSpPr>
         <p:spPr/>
         <p:txBody>
-          <a:bodyPr>
-            <a:normAutofit fontScale="90000"/>
-          </a:bodyPr>
+          <a:bodyPr/>
           <a:lstStyle/>
           <a:p>
             <a:r>
               <a:rPr lang="en-US" dirty="0"/>
-              <a:t>UNIX has lots of commands we can mix and match to solve problems without new code</a:t>
-            </a:r>
-          </a:p>
-        </p:txBody>
-      </p:sp>
-      <p:sp>
-        <p:nvSpPr>
-          <p:cNvPr id="3" name="Content Placeholder 2">
-            <a:extLst>
-              <a:ext uri="{FF2B5EF4-FFF2-40B4-BE49-F238E27FC236}">
-                <a16:creationId xmlns:a16="http://schemas.microsoft.com/office/drawing/2014/main" id="{45F1F7C3-1595-4448-9F22-1B44347C8C22}"/>
+              <a:t>Deeper pipelines</a:t>
+            </a:r>
+          </a:p>
+        </p:txBody>
+      </p:sp>
+      <p:sp>
+        <p:nvSpPr>
+          <p:cNvPr id="7" name="Content Placeholder 6">
+            <a:extLst>
+              <a:ext uri="{FF2B5EF4-FFF2-40B4-BE49-F238E27FC236}">
+                <a16:creationId xmlns:a16="http://schemas.microsoft.com/office/drawing/2014/main" id="{2E88B64F-B7C3-5A4F-9260-2FD9416D2978}"/>
               </a:ext>
             </a:extLst>
           </p:cNvPr>
@@ -4851,40 +4973,16 @@
         <p:spPr>
           <a:xfrm>
             <a:off x="838200" y="1825625"/>
-            <a:ext cx="6521605" cy="4351338"/>
-          </a:xfrm>
-        </p:spPr>
-        <p:txBody>
-          <a:bodyPr>
-            <a:normAutofit lnSpcReduction="10000"/>
-          </a:bodyPr>
+            <a:ext cx="10870580" cy="4351338"/>
+          </a:xfrm>
+        </p:spPr>
+        <p:txBody>
+          <a:bodyPr/>
           <a:lstStyle/>
           <a:p>
             <a:r>
               <a:rPr lang="en-US" dirty="0"/>
-              <a:t>To combine programs, we need to send the output of one program to the input of another</a:t>
-            </a:r>
-          </a:p>
-          <a:p>
-            <a:r>
-              <a:rPr lang="en-US" dirty="0"/>
-              <a:t>This lets us transform or simplify data in multiple steps</a:t>
-            </a:r>
-          </a:p>
-          <a:p>
-            <a:r>
-              <a:rPr lang="en-US" dirty="0"/>
-              <a:t>The mechanism for passing the standard output of one program to the standard input of another program is called a </a:t>
-            </a:r>
-            <a:r>
-              <a:rPr lang="en-US" i="1" dirty="0"/>
-              <a:t>pipe</a:t>
-            </a:r>
-          </a:p>
-          <a:p>
-            <a:r>
-              <a:rPr lang="en-US" dirty="0"/>
-              <a:t>Here’s an example piping the output of </a:t>
+              <a:t>Pipe the output of </a:t>
             </a:r>
             <a:r>
               <a:rPr lang="en-US" b="1" dirty="0"/>
@@ -4892,15 +4990,15 @@
             </a:r>
             <a:r>
               <a:rPr lang="en-US" dirty="0"/>
-              <a:t> to the input of </a:t>
+              <a:t> to </a:t>
             </a:r>
             <a:r>
               <a:rPr lang="en-US" b="1" dirty="0"/>
-              <a:t>more</a:t>
+              <a:t>grep</a:t>
             </a:r>
             <a:r>
               <a:rPr lang="en-US" dirty="0"/>
-              <a:t> and then </a:t>
+              <a:t> (search for string in line) and send that output to </a:t>
             </a:r>
             <a:r>
               <a:rPr lang="en-US" b="1" dirty="0" err="1"/>
@@ -4908,17 +5006,25 @@
             </a:r>
             <a:r>
               <a:rPr lang="en-US" dirty="0"/>
-              <a:t>:</a:t>
+              <a:t>, which counts how many filenames contain “</a:t>
+            </a:r>
+            <a:r>
+              <a:rPr lang="en-US" dirty="0" err="1"/>
+              <a:t>bbc</a:t>
+            </a:r>
+            <a:r>
+              <a:rPr lang="en-US" dirty="0"/>
+              <a:t>”</a:t>
             </a:r>
           </a:p>
         </p:txBody>
       </p:sp>
       <p:pic>
         <p:nvPicPr>
-          <p:cNvPr id="5" name="Picture 4" descr="Text, letter&#10;&#10;Description automatically generated">
-            <a:extLst>
-              <a:ext uri="{FF2B5EF4-FFF2-40B4-BE49-F238E27FC236}">
-                <a16:creationId xmlns:a16="http://schemas.microsoft.com/office/drawing/2014/main" id="{5E79A262-DB90-CE46-8B90-F1AF804826A2}"/>
+          <p:cNvPr id="10" name="Picture 9" descr="Diagram, text&#10;&#10;Description automatically generated">
+            <a:extLst>
+              <a:ext uri="{FF2B5EF4-FFF2-40B4-BE49-F238E27FC236}">
+                <a16:creationId xmlns:a16="http://schemas.microsoft.com/office/drawing/2014/main" id="{0C6C8324-9538-7347-AB7E-CDAA26E706E9}"/>
               </a:ext>
             </a:extLst>
           </p:cNvPr>
@@ -4935,122 +5041,18 @@
         </p:blipFill>
         <p:spPr>
           <a:xfrm>
-            <a:off x="7446003" y="1825625"/>
-            <a:ext cx="4445998" cy="3928404"/>
+            <a:off x="2788888" y="3429000"/>
+            <a:ext cx="6905847" cy="2057400"/>
           </a:xfrm>
           <a:prstGeom prst="rect">
             <a:avLst/>
           </a:prstGeom>
         </p:spPr>
       </p:pic>
-      <p:sp>
-        <p:nvSpPr>
-          <p:cNvPr id="6" name="Rectangle 5">
-            <a:extLst>
-              <a:ext uri="{FF2B5EF4-FFF2-40B4-BE49-F238E27FC236}">
-                <a16:creationId xmlns:a16="http://schemas.microsoft.com/office/drawing/2014/main" id="{69DD3AF4-899A-7549-B91B-7E140EADCF64}"/>
-              </a:ext>
-            </a:extLst>
-          </p:cNvPr>
-          <p:cNvSpPr/>
-          <p:nvPr/>
-        </p:nvSpPr>
-        <p:spPr>
-          <a:xfrm>
-            <a:off x="10997395" y="1724141"/>
-            <a:ext cx="251468" cy="446049"/>
-          </a:xfrm>
-          <a:prstGeom prst="rect">
-            <a:avLst/>
-          </a:prstGeom>
-          <a:noFill/>
-          <a:ln>
-            <a:solidFill>
-              <a:srgbClr val="E4754F"/>
-            </a:solidFill>
-          </a:ln>
-        </p:spPr>
-        <p:style>
-          <a:lnRef idx="2">
-            <a:schemeClr val="accent1">
-              <a:shade val="50000"/>
-            </a:schemeClr>
-          </a:lnRef>
-          <a:fillRef idx="1">
-            <a:schemeClr val="accent1"/>
-          </a:fillRef>
-          <a:effectRef idx="0">
-            <a:schemeClr val="accent1"/>
-          </a:effectRef>
-          <a:fontRef idx="minor">
-            <a:schemeClr val="lt1"/>
-          </a:fontRef>
-        </p:style>
-        <p:txBody>
-          <a:bodyPr rtlCol="0" anchor="ctr"/>
-          <a:lstStyle/>
-          <a:p>
-            <a:pPr algn="ctr"/>
-            <a:endParaRPr lang="en-US"/>
-          </a:p>
-        </p:txBody>
-      </p:sp>
-      <p:sp>
-        <p:nvSpPr>
-          <p:cNvPr id="7" name="Rectangle 6">
-            <a:extLst>
-              <a:ext uri="{FF2B5EF4-FFF2-40B4-BE49-F238E27FC236}">
-                <a16:creationId xmlns:a16="http://schemas.microsoft.com/office/drawing/2014/main" id="{53909992-1C03-274C-8495-99D3A3C3E588}"/>
-              </a:ext>
-            </a:extLst>
-          </p:cNvPr>
-          <p:cNvSpPr/>
-          <p:nvPr/>
-        </p:nvSpPr>
-        <p:spPr>
-          <a:xfrm>
-            <a:off x="10997395" y="5088093"/>
-            <a:ext cx="251468" cy="446049"/>
-          </a:xfrm>
-          <a:prstGeom prst="rect">
-            <a:avLst/>
-          </a:prstGeom>
-          <a:noFill/>
-          <a:ln>
-            <a:solidFill>
-              <a:srgbClr val="E4754F"/>
-            </a:solidFill>
-          </a:ln>
-        </p:spPr>
-        <p:style>
-          <a:lnRef idx="2">
-            <a:schemeClr val="accent1">
-              <a:shade val="50000"/>
-            </a:schemeClr>
-          </a:lnRef>
-          <a:fillRef idx="1">
-            <a:schemeClr val="accent1"/>
-          </a:fillRef>
-          <a:effectRef idx="0">
-            <a:schemeClr val="accent1"/>
-          </a:effectRef>
-          <a:fontRef idx="minor">
-            <a:schemeClr val="lt1"/>
-          </a:fontRef>
-        </p:style>
-        <p:txBody>
-          <a:bodyPr rtlCol="0" anchor="ctr"/>
-          <a:lstStyle/>
-          <a:p>
-            <a:pPr algn="ctr"/>
-            <a:endParaRPr lang="en-US"/>
-          </a:p>
-        </p:txBody>
-      </p:sp>
     </p:spTree>
     <p:extLst>
       <p:ext uri="{BB962C8B-B14F-4D97-AF65-F5344CB8AC3E}">
-        <p14:creationId xmlns:p14="http://schemas.microsoft.com/office/powerpoint/2010/main" val="1437014804"/>
+        <p14:creationId xmlns:p14="http://schemas.microsoft.com/office/powerpoint/2010/main" val="1717021818"/>
       </p:ext>
     </p:extLst>
   </p:cSld>
@@ -5082,7 +5084,7 @@
           <p:cNvPr id="2" name="Title 1">
             <a:extLst>
               <a:ext uri="{FF2B5EF4-FFF2-40B4-BE49-F238E27FC236}">
-                <a16:creationId xmlns:a16="http://schemas.microsoft.com/office/drawing/2014/main" id="{6ED6330A-FCA1-1443-92D7-FCE737C1A22B}"/>
+                <a16:creationId xmlns:a16="http://schemas.microsoft.com/office/drawing/2014/main" id="{379574C2-DB75-DB45-BF5E-6693C8D9C2D1}"/>
               </a:ext>
             </a:extLst>
           </p:cNvPr>
@@ -5091,40 +5093,12 @@
           </p:cNvSpPr>
           <p:nvPr>
             <p:ph type="title"/>
-          </p:nvPr>
-        </p:nvSpPr>
-        <p:spPr/>
-        <p:txBody>
-          <a:bodyPr/>
-          <a:lstStyle/>
-          <a:p>
-            <a:r>
-              <a:rPr lang="en-US" dirty="0"/>
-              <a:t>Deeper pipelines</a:t>
-            </a:r>
-          </a:p>
-        </p:txBody>
-      </p:sp>
-      <p:sp>
-        <p:nvSpPr>
-          <p:cNvPr id="7" name="Content Placeholder 6">
-            <a:extLst>
-              <a:ext uri="{FF2B5EF4-FFF2-40B4-BE49-F238E27FC236}">
-                <a16:creationId xmlns:a16="http://schemas.microsoft.com/office/drawing/2014/main" id="{2E88B64F-B7C3-5A4F-9260-2FD9416D2978}"/>
-              </a:ext>
-            </a:extLst>
-          </p:cNvPr>
-          <p:cNvSpPr>
-            <a:spLocks noGrp="1"/>
-          </p:cNvSpPr>
-          <p:nvPr>
-            <p:ph idx="1"/>
           </p:nvPr>
         </p:nvSpPr>
         <p:spPr>
           <a:xfrm>
-            <a:off x="838200" y="1825625"/>
-            <a:ext cx="10870580" cy="4351338"/>
+            <a:off x="838200" y="365126"/>
+            <a:ext cx="10515600" cy="872690"/>
           </a:xfrm>
         </p:spPr>
         <p:txBody>
@@ -5133,77 +5107,159 @@
           <a:p>
             <a:r>
               <a:rPr lang="en-US" dirty="0"/>
-              <a:t>Pipe the output of </a:t>
-            </a:r>
-            <a:r>
-              <a:rPr lang="en-US" b="1" dirty="0"/>
-              <a:t>ls</a:t>
-            </a:r>
+              <a:t>Nice visualizations from </a:t>
+            </a:r>
+            <a:r>
+              <a:rPr lang="en-US" dirty="0" err="1"/>
+              <a:t>rozmichelle</a:t>
+            </a:r>
+            <a:endParaRPr lang="en-US" dirty="0"/>
+          </a:p>
+        </p:txBody>
+      </p:sp>
+      <p:sp>
+        <p:nvSpPr>
+          <p:cNvPr id="5" name="TextBox 4">
+            <a:extLst>
+              <a:ext uri="{FF2B5EF4-FFF2-40B4-BE49-F238E27FC236}">
+                <a16:creationId xmlns:a16="http://schemas.microsoft.com/office/drawing/2014/main" id="{39352CBE-2DDB-094E-8DBB-058E30BFF89C}"/>
+              </a:ext>
+            </a:extLst>
+          </p:cNvPr>
+          <p:cNvSpPr txBox="1"/>
+          <p:nvPr/>
+        </p:nvSpPr>
+        <p:spPr>
+          <a:xfrm>
+            <a:off x="0" y="6488668"/>
+            <a:ext cx="5352812" cy="369332"/>
+          </a:xfrm>
+          <a:prstGeom prst="rect">
+            <a:avLst/>
+          </a:prstGeom>
+          <a:noFill/>
+        </p:spPr>
+        <p:txBody>
+          <a:bodyPr wrap="none" rtlCol="0">
+            <a:spAutoFit/>
+          </a:bodyPr>
+          <a:lstStyle/>
+          <a:p>
             <a:r>
               <a:rPr lang="en-US" dirty="0"/>
-              <a:t> to </a:t>
-            </a:r>
-            <a:r>
-              <a:rPr lang="en-US" b="1" dirty="0"/>
-              <a:t>grep</a:t>
+              <a:t>See </a:t>
+            </a:r>
+            <a:r>
+              <a:rPr lang="en-US" dirty="0">
+                <a:hlinkClick r:id="rId2"/>
+              </a:rPr>
+              <a:t>http://www.rozmichelle.com/pipes-forks-dups/</a:t>
             </a:r>
             <a:r>
               <a:rPr lang="en-US" dirty="0"/>
-              <a:t> (search for string in line) and send that output to </a:t>
-            </a:r>
-            <a:r>
-              <a:rPr lang="en-US" b="1" dirty="0" err="1"/>
-              <a:t>wc</a:t>
-            </a:r>
-            <a:r>
-              <a:rPr lang="en-US" dirty="0"/>
-              <a:t>, which counts how many filenames contain “</a:t>
-            </a:r>
-            <a:r>
-              <a:rPr lang="en-US" dirty="0" err="1"/>
-              <a:t>bbc</a:t>
-            </a:r>
-            <a:r>
-              <a:rPr lang="en-US" dirty="0"/>
-              <a:t>”</a:t>
+              <a:t> </a:t>
             </a:r>
           </a:p>
         </p:txBody>
       </p:sp>
       <p:pic>
         <p:nvPicPr>
-          <p:cNvPr id="10" name="Picture 9" descr="Diagram, text&#10;&#10;Description automatically generated">
-            <a:extLst>
-              <a:ext uri="{FF2B5EF4-FFF2-40B4-BE49-F238E27FC236}">
-                <a16:creationId xmlns:a16="http://schemas.microsoft.com/office/drawing/2014/main" id="{0C6C8324-9538-7347-AB7E-CDAA26E706E9}"/>
+          <p:cNvPr id="1028" name="Picture 4">
+            <a:extLst>
+              <a:ext uri="{FF2B5EF4-FFF2-40B4-BE49-F238E27FC236}">
+                <a16:creationId xmlns:a16="http://schemas.microsoft.com/office/drawing/2014/main" id="{32744D4E-221D-1E44-A644-39A232FFBD68}"/>
               </a:ext>
             </a:extLst>
           </p:cNvPr>
           <p:cNvPicPr>
-            <a:picLocks noChangeAspect="1"/>
+            <a:picLocks noChangeAspect="1" noChangeArrowheads="1"/>
           </p:cNvPicPr>
           <p:nvPr/>
         </p:nvPicPr>
         <p:blipFill>
-          <a:blip r:embed="rId2"/>
+          <a:blip r:embed="rId3">
+            <a:extLst>
+              <a:ext uri="{28A0092B-C50C-407E-A947-70E740481C1C}">
+                <a14:useLocalDpi xmlns:a14="http://schemas.microsoft.com/office/drawing/2010/main" val="0"/>
+              </a:ext>
+            </a:extLst>
+          </a:blip>
+          <a:srcRect/>
           <a:stretch>
             <a:fillRect/>
           </a:stretch>
         </p:blipFill>
-        <p:spPr>
+        <p:spPr bwMode="auto">
           <a:xfrm>
-            <a:off x="2788888" y="3429000"/>
-            <a:ext cx="6905847" cy="2057400"/>
+            <a:off x="1293542" y="1414893"/>
+            <a:ext cx="4689079" cy="2322560"/>
           </a:xfrm>
           <a:prstGeom prst="rect">
             <a:avLst/>
           </a:prstGeom>
+          <a:noFill/>
+          <a:extLst>
+            <a:ext uri="{909E8E84-426E-40DD-AFC4-6F175D3DCCD1}">
+              <a14:hiddenFill xmlns:a14="http://schemas.microsoft.com/office/drawing/2010/main">
+                <a:solidFill>
+                  <a:srgbClr val="FFFFFF"/>
+                </a:solidFill>
+              </a14:hiddenFill>
+            </a:ext>
+          </a:extLst>
+        </p:spPr>
+      </p:pic>
+      <p:pic>
+        <p:nvPicPr>
+          <p:cNvPr id="1030" name="Picture 6">
+            <a:extLst>
+              <a:ext uri="{FF2B5EF4-FFF2-40B4-BE49-F238E27FC236}">
+                <a16:creationId xmlns:a16="http://schemas.microsoft.com/office/drawing/2014/main" id="{D37EBC59-AF47-5549-82A9-7825487740AC}"/>
+              </a:ext>
+            </a:extLst>
+          </p:cNvPr>
+          <p:cNvPicPr>
+            <a:picLocks noChangeAspect="1" noChangeArrowheads="1"/>
+          </p:cNvPicPr>
+          <p:nvPr/>
+        </p:nvPicPr>
+        <p:blipFill>
+          <a:blip r:embed="rId4">
+            <a:extLst>
+              <a:ext uri="{28A0092B-C50C-407E-A947-70E740481C1C}">
+                <a14:useLocalDpi xmlns:a14="http://schemas.microsoft.com/office/drawing/2010/main" val="0"/>
+              </a:ext>
+            </a:extLst>
+          </a:blip>
+          <a:srcRect/>
+          <a:stretch>
+            <a:fillRect/>
+          </a:stretch>
+        </p:blipFill>
+        <p:spPr bwMode="auto">
+          <a:xfrm>
+            <a:off x="1293542" y="3912205"/>
+            <a:ext cx="9122415" cy="2399385"/>
+          </a:xfrm>
+          <a:prstGeom prst="rect">
+            <a:avLst/>
+          </a:prstGeom>
+          <a:noFill/>
+          <a:extLst>
+            <a:ext uri="{909E8E84-426E-40DD-AFC4-6F175D3DCCD1}">
+              <a14:hiddenFill xmlns:a14="http://schemas.microsoft.com/office/drawing/2010/main">
+                <a:solidFill>
+                  <a:srgbClr val="FFFFFF"/>
+                </a:solidFill>
+              </a14:hiddenFill>
+            </a:ext>
+          </a:extLst>
         </p:spPr>
       </p:pic>
     </p:spTree>
     <p:extLst>
       <p:ext uri="{BB962C8B-B14F-4D97-AF65-F5344CB8AC3E}">
-        <p14:creationId xmlns:p14="http://schemas.microsoft.com/office/powerpoint/2010/main" val="1717021818"/>
+        <p14:creationId xmlns:p14="http://schemas.microsoft.com/office/powerpoint/2010/main" val="1939768568"/>
       </p:ext>
     </p:extLst>
   </p:cSld>
@@ -6177,7 +6233,7 @@
         <p:spPr>
           <a:xfrm>
             <a:off x="838200" y="1825625"/>
-            <a:ext cx="6566210" cy="4351338"/>
+            <a:ext cx="10147002" cy="4351338"/>
           </a:xfrm>
         </p:spPr>
         <p:txBody>
@@ -6217,8 +6273,8 @@
         </p:blipFill>
         <p:spPr>
           <a:xfrm>
-            <a:off x="7488328" y="2021797"/>
-            <a:ext cx="4389888" cy="2449841"/>
+            <a:off x="2757302" y="2971800"/>
+            <a:ext cx="5540002" cy="3091679"/>
           </a:xfrm>
           <a:prstGeom prst="rect">
             <a:avLst/>
@@ -6239,8 +6295,8 @@
         </p:nvSpPr>
         <p:spPr>
           <a:xfrm>
-            <a:off x="9307144" y="2356513"/>
-            <a:ext cx="325456" cy="247920"/>
+            <a:off x="5063135" y="3429000"/>
+            <a:ext cx="388019" cy="312873"/>
           </a:xfrm>
           <a:prstGeom prst="rect">
             <a:avLst/>
@@ -6291,8 +6347,8 @@
         </p:nvSpPr>
         <p:spPr>
           <a:xfrm>
-            <a:off x="9307144" y="2687622"/>
-            <a:ext cx="325456" cy="247920"/>
+            <a:off x="5063134" y="3791568"/>
+            <a:ext cx="388019" cy="312873"/>
           </a:xfrm>
           <a:prstGeom prst="rect">
             <a:avLst/>

--- a/notes/streams.pptx
+++ b/notes/streams.pptx
@@ -5,22 +5,23 @@
     <p:sldMasterId id="2147483672" r:id="rId1"/>
   </p:sldMasterIdLst>
   <p:notesMasterIdLst>
-    <p:notesMasterId r:id="rId12"/>
+    <p:notesMasterId r:id="rId13"/>
   </p:notesMasterIdLst>
   <p:handoutMasterIdLst>
-    <p:handoutMasterId r:id="rId13"/>
+    <p:handoutMasterId r:id="rId14"/>
   </p:handoutMasterIdLst>
   <p:sldIdLst>
     <p:sldId id="256" r:id="rId2"/>
     <p:sldId id="288" r:id="rId3"/>
     <p:sldId id="289" r:id="rId4"/>
-    <p:sldId id="290" r:id="rId5"/>
-    <p:sldId id="296" r:id="rId6"/>
+    <p:sldId id="297" r:id="rId5"/>
+    <p:sldId id="290" r:id="rId6"/>
     <p:sldId id="291" r:id="rId7"/>
-    <p:sldId id="294" r:id="rId8"/>
-    <p:sldId id="293" r:id="rId9"/>
-    <p:sldId id="292" r:id="rId10"/>
-    <p:sldId id="295" r:id="rId11"/>
+    <p:sldId id="296" r:id="rId8"/>
+    <p:sldId id="294" r:id="rId9"/>
+    <p:sldId id="293" r:id="rId10"/>
+    <p:sldId id="292" r:id="rId11"/>
+    <p:sldId id="295" r:id="rId12"/>
   </p:sldIdLst>
   <p:sldSz cx="12192000" cy="6858000"/>
   <p:notesSz cx="9144000" cy="6858000"/>
@@ -215,7 +216,7 @@
           <a:p>
             <a:fld id="{8A1B613A-EFF1-404F-BEE8-EFAE84A4E5E2}" type="datetimeFigureOut">
               <a:rPr lang="en-US" smtClean="0"/>
-              <a:t>8/22/21</a:t>
+              <a:t>8/23/21</a:t>
             </a:fld>
             <a:endParaRPr lang="en-US"/>
           </a:p>
@@ -380,7 +381,7 @@
           <a:p>
             <a:fld id="{690847EA-AC25-3D4E-89E1-FD3F6A9702B6}" type="datetimeFigureOut">
               <a:rPr lang="en-US" smtClean="0"/>
-              <a:t>8/22/21</a:t>
+              <a:t>8/23/21</a:t>
             </a:fld>
             <a:endParaRPr lang="en-US"/>
           </a:p>
@@ -794,7 +795,7 @@
           <a:p>
             <a:fld id="{BE5295ED-3BAF-1140-8495-3D368771D6B1}" type="datetimeFigureOut">
               <a:rPr lang="en-US" smtClean="0"/>
-              <a:t>8/22/21</a:t>
+              <a:t>8/23/21</a:t>
             </a:fld>
             <a:endParaRPr lang="en-US"/>
           </a:p>
@@ -992,7 +993,7 @@
           <a:p>
             <a:fld id="{BE5295ED-3BAF-1140-8495-3D368771D6B1}" type="datetimeFigureOut">
               <a:rPr lang="en-US" smtClean="0"/>
-              <a:t>8/22/21</a:t>
+              <a:t>8/23/21</a:t>
             </a:fld>
             <a:endParaRPr lang="en-US"/>
           </a:p>
@@ -1200,7 +1201,7 @@
           <a:p>
             <a:fld id="{BE5295ED-3BAF-1140-8495-3D368771D6B1}" type="datetimeFigureOut">
               <a:rPr lang="en-US" smtClean="0"/>
-              <a:t>8/22/21</a:t>
+              <a:t>8/23/21</a:t>
             </a:fld>
             <a:endParaRPr lang="en-US"/>
           </a:p>
@@ -1398,7 +1399,7 @@
           <a:p>
             <a:fld id="{BE5295ED-3BAF-1140-8495-3D368771D6B1}" type="datetimeFigureOut">
               <a:rPr lang="en-US" smtClean="0"/>
-              <a:t>8/22/21</a:t>
+              <a:t>8/23/21</a:t>
             </a:fld>
             <a:endParaRPr lang="en-US"/>
           </a:p>
@@ -1673,7 +1674,7 @@
           <a:p>
             <a:fld id="{BE5295ED-3BAF-1140-8495-3D368771D6B1}" type="datetimeFigureOut">
               <a:rPr lang="en-US" smtClean="0"/>
-              <a:t>8/22/21</a:t>
+              <a:t>8/23/21</a:t>
             </a:fld>
             <a:endParaRPr lang="en-US"/>
           </a:p>
@@ -1938,7 +1939,7 @@
           <a:p>
             <a:fld id="{BE5295ED-3BAF-1140-8495-3D368771D6B1}" type="datetimeFigureOut">
               <a:rPr lang="en-US" smtClean="0"/>
-              <a:t>8/22/21</a:t>
+              <a:t>8/23/21</a:t>
             </a:fld>
             <a:endParaRPr lang="en-US"/>
           </a:p>
@@ -2350,7 +2351,7 @@
           <a:p>
             <a:fld id="{BE5295ED-3BAF-1140-8495-3D368771D6B1}" type="datetimeFigureOut">
               <a:rPr lang="en-US" smtClean="0"/>
-              <a:t>8/22/21</a:t>
+              <a:t>8/23/21</a:t>
             </a:fld>
             <a:endParaRPr lang="en-US"/>
           </a:p>
@@ -2491,7 +2492,7 @@
           <a:p>
             <a:fld id="{BE5295ED-3BAF-1140-8495-3D368771D6B1}" type="datetimeFigureOut">
               <a:rPr lang="en-US" smtClean="0"/>
-              <a:t>8/22/21</a:t>
+              <a:t>8/23/21</a:t>
             </a:fld>
             <a:endParaRPr lang="en-US"/>
           </a:p>
@@ -2604,7 +2605,7 @@
           <a:p>
             <a:fld id="{BE5295ED-3BAF-1140-8495-3D368771D6B1}" type="datetimeFigureOut">
               <a:rPr lang="en-US" smtClean="0"/>
-              <a:t>8/22/21</a:t>
+              <a:t>8/23/21</a:t>
             </a:fld>
             <a:endParaRPr lang="en-US"/>
           </a:p>
@@ -2915,7 +2916,7 @@
           <a:p>
             <a:fld id="{BE5295ED-3BAF-1140-8495-3D368771D6B1}" type="datetimeFigureOut">
               <a:rPr lang="en-US" smtClean="0"/>
-              <a:t>8/22/21</a:t>
+              <a:t>8/23/21</a:t>
             </a:fld>
             <a:endParaRPr lang="en-US"/>
           </a:p>
@@ -3206,7 +3207,7 @@
           <a:p>
             <a:fld id="{BE5295ED-3BAF-1140-8495-3D368771D6B1}" type="datetimeFigureOut">
               <a:rPr lang="en-US" smtClean="0"/>
-              <a:t>8/22/21</a:t>
+              <a:t>8/23/21</a:t>
             </a:fld>
             <a:endParaRPr lang="en-US"/>
           </a:p>
@@ -3447,7 +3448,7 @@
           <a:p>
             <a:fld id="{BE5295ED-3BAF-1140-8495-3D368771D6B1}" type="datetimeFigureOut">
               <a:rPr lang="en-US" smtClean="0"/>
-              <a:t>8/22/21</a:t>
+              <a:t>8/23/21</a:t>
             </a:fld>
             <a:endParaRPr lang="en-US"/>
           </a:p>
@@ -4047,6 +4048,235 @@
           <p:cNvPr id="2" name="Title 1">
             <a:extLst>
               <a:ext uri="{FF2B5EF4-FFF2-40B4-BE49-F238E27FC236}">
+                <a16:creationId xmlns:a16="http://schemas.microsoft.com/office/drawing/2014/main" id="{BA0B1FAE-7E9E-4640-B261-89EEEA90D894}"/>
+              </a:ext>
+            </a:extLst>
+          </p:cNvPr>
+          <p:cNvSpPr>
+            <a:spLocks noGrp="1"/>
+          </p:cNvSpPr>
+          <p:nvPr>
+            <p:ph type="title"/>
+          </p:nvPr>
+        </p:nvSpPr>
+        <p:spPr/>
+        <p:txBody>
+          <a:bodyPr/>
+          <a:lstStyle/>
+          <a:p>
+            <a:r>
+              <a:rPr lang="en-US" dirty="0"/>
+              <a:t>Appending standard output</a:t>
+            </a:r>
+          </a:p>
+        </p:txBody>
+      </p:sp>
+      <p:sp>
+        <p:nvSpPr>
+          <p:cNvPr id="7" name="Content Placeholder 6">
+            <a:extLst>
+              <a:ext uri="{FF2B5EF4-FFF2-40B4-BE49-F238E27FC236}">
+                <a16:creationId xmlns:a16="http://schemas.microsoft.com/office/drawing/2014/main" id="{BFB1F49E-8562-B94D-B3C0-4CCF930CD205}"/>
+              </a:ext>
+            </a:extLst>
+          </p:cNvPr>
+          <p:cNvSpPr>
+            <a:spLocks noGrp="1"/>
+          </p:cNvSpPr>
+          <p:nvPr>
+            <p:ph idx="1"/>
+          </p:nvPr>
+        </p:nvSpPr>
+        <p:spPr>
+          <a:xfrm>
+            <a:off x="838200" y="1825625"/>
+            <a:ext cx="10147002" cy="4351338"/>
+          </a:xfrm>
+        </p:spPr>
+        <p:txBody>
+          <a:bodyPr/>
+          <a:lstStyle/>
+          <a:p>
+            <a:r>
+              <a:rPr lang="en-US" dirty="0"/>
+              <a:t>If you want to send the output of multiple commands to a file, you can use the append redirection operator, which looks </a:t>
+            </a:r>
+            <a:r>
+              <a:rPr lang="en-US" b="1" dirty="0"/>
+              <a:t>&gt;&gt;</a:t>
+            </a:r>
+          </a:p>
+        </p:txBody>
+      </p:sp>
+      <p:pic>
+        <p:nvPicPr>
+          <p:cNvPr id="8" name="Content Placeholder 4" descr="Text, letter&#10;&#10;Description automatically generated">
+            <a:extLst>
+              <a:ext uri="{FF2B5EF4-FFF2-40B4-BE49-F238E27FC236}">
+                <a16:creationId xmlns:a16="http://schemas.microsoft.com/office/drawing/2014/main" id="{A7EEEAE3-BA9A-B84C-8502-E9505B48F52C}"/>
+              </a:ext>
+            </a:extLst>
+          </p:cNvPr>
+          <p:cNvPicPr>
+            <a:picLocks noChangeAspect="1"/>
+          </p:cNvPicPr>
+          <p:nvPr/>
+        </p:nvPicPr>
+        <p:blipFill>
+          <a:blip r:embed="rId2"/>
+          <a:stretch>
+            <a:fillRect/>
+          </a:stretch>
+        </p:blipFill>
+        <p:spPr>
+          <a:xfrm>
+            <a:off x="2757302" y="2971800"/>
+            <a:ext cx="5540002" cy="3091679"/>
+          </a:xfrm>
+          <a:prstGeom prst="rect">
+            <a:avLst/>
+          </a:prstGeom>
+        </p:spPr>
+      </p:pic>
+      <p:sp>
+        <p:nvSpPr>
+          <p:cNvPr id="9" name="Rectangle 8">
+            <a:extLst>
+              <a:ext uri="{FF2B5EF4-FFF2-40B4-BE49-F238E27FC236}">
+                <a16:creationId xmlns:a16="http://schemas.microsoft.com/office/drawing/2014/main" id="{49B45D61-5087-494D-861E-BA2DBFFA6000}"/>
+              </a:ext>
+            </a:extLst>
+          </p:cNvPr>
+          <p:cNvSpPr/>
+          <p:nvPr/>
+        </p:nvSpPr>
+        <p:spPr>
+          <a:xfrm>
+            <a:off x="5063135" y="3429000"/>
+            <a:ext cx="388019" cy="312873"/>
+          </a:xfrm>
+          <a:prstGeom prst="rect">
+            <a:avLst/>
+          </a:prstGeom>
+          <a:noFill/>
+          <a:ln>
+            <a:solidFill>
+              <a:srgbClr val="E4754F"/>
+            </a:solidFill>
+          </a:ln>
+        </p:spPr>
+        <p:style>
+          <a:lnRef idx="2">
+            <a:schemeClr val="accent1">
+              <a:shade val="50000"/>
+            </a:schemeClr>
+          </a:lnRef>
+          <a:fillRef idx="1">
+            <a:schemeClr val="accent1"/>
+          </a:fillRef>
+          <a:effectRef idx="0">
+            <a:schemeClr val="accent1"/>
+          </a:effectRef>
+          <a:fontRef idx="minor">
+            <a:schemeClr val="lt1"/>
+          </a:fontRef>
+        </p:style>
+        <p:txBody>
+          <a:bodyPr rtlCol="0" anchor="ctr"/>
+          <a:lstStyle/>
+          <a:p>
+            <a:pPr algn="ctr"/>
+            <a:endParaRPr lang="en-US"/>
+          </a:p>
+        </p:txBody>
+      </p:sp>
+      <p:sp>
+        <p:nvSpPr>
+          <p:cNvPr id="11" name="Rectangle 10">
+            <a:extLst>
+              <a:ext uri="{FF2B5EF4-FFF2-40B4-BE49-F238E27FC236}">
+                <a16:creationId xmlns:a16="http://schemas.microsoft.com/office/drawing/2014/main" id="{78A83322-C101-8F40-BFC5-56C3A89D72BA}"/>
+              </a:ext>
+            </a:extLst>
+          </p:cNvPr>
+          <p:cNvSpPr/>
+          <p:nvPr/>
+        </p:nvSpPr>
+        <p:spPr>
+          <a:xfrm>
+            <a:off x="5063134" y="3791568"/>
+            <a:ext cx="388019" cy="312873"/>
+          </a:xfrm>
+          <a:prstGeom prst="rect">
+            <a:avLst/>
+          </a:prstGeom>
+          <a:noFill/>
+          <a:ln>
+            <a:solidFill>
+              <a:srgbClr val="E4754F"/>
+            </a:solidFill>
+          </a:ln>
+        </p:spPr>
+        <p:style>
+          <a:lnRef idx="2">
+            <a:schemeClr val="accent1">
+              <a:shade val="50000"/>
+            </a:schemeClr>
+          </a:lnRef>
+          <a:fillRef idx="1">
+            <a:schemeClr val="accent1"/>
+          </a:fillRef>
+          <a:effectRef idx="0">
+            <a:schemeClr val="accent1"/>
+          </a:effectRef>
+          <a:fontRef idx="minor">
+            <a:schemeClr val="lt1"/>
+          </a:fontRef>
+        </p:style>
+        <p:txBody>
+          <a:bodyPr rtlCol="0" anchor="ctr"/>
+          <a:lstStyle/>
+          <a:p>
+            <a:pPr algn="ctr"/>
+            <a:endParaRPr lang="en-US"/>
+          </a:p>
+        </p:txBody>
+      </p:sp>
+    </p:spTree>
+    <p:extLst>
+      <p:ext uri="{BB962C8B-B14F-4D97-AF65-F5344CB8AC3E}">
+        <p14:creationId xmlns:p14="http://schemas.microsoft.com/office/powerpoint/2010/main" val="2281535709"/>
+      </p:ext>
+    </p:extLst>
+  </p:cSld>
+  <p:clrMapOvr>
+    <a:masterClrMapping/>
+  </p:clrMapOvr>
+</p:sld>
+</file>
+
+<file path=ppt/slides/slide11.xml><?xml version="1.0" encoding="utf-8"?>
+<p:sld xmlns:a="http://schemas.openxmlformats.org/drawingml/2006/main" xmlns:r="http://schemas.openxmlformats.org/officeDocument/2006/relationships" xmlns:p="http://schemas.openxmlformats.org/presentationml/2006/main">
+  <p:cSld>
+    <p:spTree>
+      <p:nvGrpSpPr>
+        <p:cNvPr id="1" name=""/>
+        <p:cNvGrpSpPr/>
+        <p:nvPr/>
+      </p:nvGrpSpPr>
+      <p:grpSpPr>
+        <a:xfrm>
+          <a:off x="0" y="0"/>
+          <a:ext cx="0" cy="0"/>
+          <a:chOff x="0" y="0"/>
+          <a:chExt cx="0" cy="0"/>
+        </a:xfrm>
+      </p:grpSpPr>
+      <p:sp>
+        <p:nvSpPr>
+          <p:cNvPr id="2" name="Title 1">
+            <a:extLst>
+              <a:ext uri="{FF2B5EF4-FFF2-40B4-BE49-F238E27FC236}">
                 <a16:creationId xmlns:a16="http://schemas.microsoft.com/office/drawing/2014/main" id="{C34B370F-CEC6-1648-9F11-2FE9245A2FA1}"/>
               </a:ext>
             </a:extLst>
@@ -4147,11 +4377,22 @@
           <a:p>
             <a:r>
               <a:rPr lang="en-US" dirty="0"/>
-              <a:t>Pipe then redirect: </a:t>
+              <a:t>Redirect to first program then pipes then </a:t>
+            </a:r>
+            <a:r>
+              <a:rPr lang="en-US"/>
+              <a:t>redirect:</a:t>
+            </a:r>
+            <a:br>
+              <a:rPr lang="en-US"/>
+            </a:br>
+            <a:r>
+              <a:rPr lang="en-US" b="1"/>
+              <a:t>a </a:t>
             </a:r>
             <a:r>
               <a:rPr lang="en-US" b="1" dirty="0"/>
-              <a:t>a &lt; </a:t>
+              <a:t>&lt; </a:t>
             </a:r>
             <a:r>
               <a:rPr lang="en-US" b="1" dirty="0" err="1"/>
@@ -4225,7 +4466,14 @@
           <a:p>
             <a:r>
               <a:rPr lang="en-US" dirty="0"/>
-              <a:t>Streams are a unifying concept in UNIX</a:t>
+              <a:t>Streams are a unifying concept</a:t>
+            </a:r>
+            <a:br>
+              <a:rPr lang="en-US" dirty="0"/>
+            </a:br>
+            <a:r>
+              <a:rPr lang="en-US" dirty="0"/>
+              <a:t>in UNIX</a:t>
             </a:r>
           </a:p>
         </p:txBody>
@@ -4253,7 +4501,7 @@
           <a:p>
             <a:r>
               <a:rPr lang="en-US" dirty="0"/>
-              <a:t>Files, networks, keyboards, … can all be accessed as streams</a:t>
+              <a:t>Files, websites, keyboards, … can all be accessed as streams</a:t>
             </a:r>
           </a:p>
           <a:p>
@@ -4621,6 +4869,36 @@
           </a:fontRef>
         </p:style>
       </p:cxnSp>
+      <p:pic>
+        <p:nvPicPr>
+          <p:cNvPr id="5" name="Picture 4">
+            <a:extLst>
+              <a:ext uri="{FF2B5EF4-FFF2-40B4-BE49-F238E27FC236}">
+                <a16:creationId xmlns:a16="http://schemas.microsoft.com/office/drawing/2014/main" id="{E0DF0303-1529-C74A-9C7B-EBD15735E846}"/>
+              </a:ext>
+            </a:extLst>
+          </p:cNvPr>
+          <p:cNvPicPr>
+            <a:picLocks noChangeAspect="1"/>
+          </p:cNvPicPr>
+          <p:nvPr/>
+        </p:nvPicPr>
+        <p:blipFill>
+          <a:blip r:embed="rId4"/>
+          <a:stretch>
+            <a:fillRect/>
+          </a:stretch>
+        </p:blipFill>
+        <p:spPr>
+          <a:xfrm>
+            <a:off x="8828913" y="230188"/>
+            <a:ext cx="3363087" cy="923925"/>
+          </a:xfrm>
+          <a:prstGeom prst="rect">
+            <a:avLst/>
+          </a:prstGeom>
+        </p:spPr>
+      </p:pic>
     </p:spTree>
     <p:extLst>
       <p:ext uri="{BB962C8B-B14F-4D97-AF65-F5344CB8AC3E}">
@@ -4896,6 +5174,66 @@
           </a:p>
         </p:txBody>
       </p:sp>
+      <p:pic>
+        <p:nvPicPr>
+          <p:cNvPr id="4" name="Picture 3">
+            <a:extLst>
+              <a:ext uri="{FF2B5EF4-FFF2-40B4-BE49-F238E27FC236}">
+                <a16:creationId xmlns:a16="http://schemas.microsoft.com/office/drawing/2014/main" id="{62CBA176-916C-E643-901A-964ED2EC38C5}"/>
+              </a:ext>
+            </a:extLst>
+          </p:cNvPr>
+          <p:cNvPicPr>
+            <a:picLocks noChangeAspect="1"/>
+          </p:cNvPicPr>
+          <p:nvPr/>
+        </p:nvPicPr>
+        <p:blipFill>
+          <a:blip r:embed="rId3"/>
+          <a:stretch>
+            <a:fillRect/>
+          </a:stretch>
+        </p:blipFill>
+        <p:spPr>
+          <a:xfrm>
+            <a:off x="10057130" y="4298789"/>
+            <a:ext cx="1714500" cy="647700"/>
+          </a:xfrm>
+          <a:prstGeom prst="rect">
+            <a:avLst/>
+          </a:prstGeom>
+        </p:spPr>
+      </p:pic>
+      <p:pic>
+        <p:nvPicPr>
+          <p:cNvPr id="8" name="Picture 7">
+            <a:extLst>
+              <a:ext uri="{FF2B5EF4-FFF2-40B4-BE49-F238E27FC236}">
+                <a16:creationId xmlns:a16="http://schemas.microsoft.com/office/drawing/2014/main" id="{6D5E8E51-FE3C-394D-A4B4-A94E97CFE115}"/>
+              </a:ext>
+            </a:extLst>
+          </p:cNvPr>
+          <p:cNvPicPr>
+            <a:picLocks noChangeAspect="1"/>
+          </p:cNvPicPr>
+          <p:nvPr/>
+        </p:nvPicPr>
+        <p:blipFill>
+          <a:blip r:embed="rId4"/>
+          <a:stretch>
+            <a:fillRect/>
+          </a:stretch>
+        </p:blipFill>
+        <p:spPr>
+          <a:xfrm>
+            <a:off x="10044430" y="2371725"/>
+            <a:ext cx="1727200" cy="635000"/>
+          </a:xfrm>
+          <a:prstGeom prst="rect">
+            <a:avLst/>
+          </a:prstGeom>
+        </p:spPr>
+      </p:pic>
     </p:spTree>
     <p:extLst>
       <p:ext uri="{BB962C8B-B14F-4D97-AF65-F5344CB8AC3E}">
@@ -4931,7 +5269,7 @@
           <p:cNvPr id="2" name="Title 1">
             <a:extLst>
               <a:ext uri="{FF2B5EF4-FFF2-40B4-BE49-F238E27FC236}">
-                <a16:creationId xmlns:a16="http://schemas.microsoft.com/office/drawing/2014/main" id="{6ED6330A-FCA1-1443-92D7-FCE737C1A22B}"/>
+                <a16:creationId xmlns:a16="http://schemas.microsoft.com/office/drawing/2014/main" id="{BDA771F7-D755-FC4D-99A9-127AB904D9BA}"/>
               </a:ext>
             </a:extLst>
           </p:cNvPr>
@@ -4949,17 +5287,17 @@
           <a:p>
             <a:r>
               <a:rPr lang="en-US" dirty="0"/>
-              <a:t>Deeper pipelines</a:t>
-            </a:r>
-          </a:p>
-        </p:txBody>
-      </p:sp>
-      <p:sp>
-        <p:nvSpPr>
-          <p:cNvPr id="7" name="Content Placeholder 6">
-            <a:extLst>
-              <a:ext uri="{FF2B5EF4-FFF2-40B4-BE49-F238E27FC236}">
-                <a16:creationId xmlns:a16="http://schemas.microsoft.com/office/drawing/2014/main" id="{2E88B64F-B7C3-5A4F-9260-2FD9416D2978}"/>
+              <a:t>Simple data science pipe example</a:t>
+            </a:r>
+          </a:p>
+        </p:txBody>
+      </p:sp>
+      <p:sp>
+        <p:nvSpPr>
+          <p:cNvPr id="3" name="Content Placeholder 2">
+            <a:extLst>
+              <a:ext uri="{FF2B5EF4-FFF2-40B4-BE49-F238E27FC236}">
+                <a16:creationId xmlns:a16="http://schemas.microsoft.com/office/drawing/2014/main" id="{74915265-B1B1-1E43-B876-A6BB704469B6}"/>
               </a:ext>
             </a:extLst>
           </p:cNvPr>
@@ -4970,61 +5308,37 @@
             <p:ph idx="1"/>
           </p:nvPr>
         </p:nvSpPr>
-        <p:spPr>
-          <a:xfrm>
-            <a:off x="838200" y="1825625"/>
-            <a:ext cx="10870580" cy="4351338"/>
-          </a:xfrm>
-        </p:spPr>
+        <p:spPr/>
         <p:txBody>
           <a:bodyPr/>
           <a:lstStyle/>
           <a:p>
             <a:r>
               <a:rPr lang="en-US" dirty="0"/>
-              <a:t>Pipe the output of </a:t>
-            </a:r>
-            <a:r>
-              <a:rPr lang="en-US" b="1" dirty="0"/>
-              <a:t>ls</a:t>
-            </a:r>
+              <a:t>Sometimes it’s easier to search big data files from the command line, instead of writing code</a:t>
+            </a:r>
+          </a:p>
+          <a:p>
             <a:r>
               <a:rPr lang="en-US" dirty="0"/>
-              <a:t> to </a:t>
-            </a:r>
-            <a:r>
-              <a:rPr lang="en-US" b="1" dirty="0"/>
-              <a:t>grep</a:t>
-            </a:r>
-            <a:r>
+              <a:t>Here’s how to find all records in a CSV file associated with Backhoe bulldozers:</a:t>
+            </a:r>
+            <a:br>
               <a:rPr lang="en-US" dirty="0"/>
-              <a:t> (search for string in line) and send that output to </a:t>
-            </a:r>
-            <a:r>
-              <a:rPr lang="en-US" b="1" dirty="0" err="1"/>
-              <a:t>wc</a:t>
-            </a:r>
-            <a:r>
+            </a:br>
+            <a:br>
               <a:rPr lang="en-US" dirty="0"/>
-              <a:t>, which counts how many filenames contain “</a:t>
-            </a:r>
-            <a:r>
-              <a:rPr lang="en-US" dirty="0" err="1"/>
-              <a:t>bbc</a:t>
-            </a:r>
-            <a:r>
-              <a:rPr lang="en-US" dirty="0"/>
-              <a:t>”</a:t>
-            </a:r>
+            </a:br>
+            <a:endParaRPr lang="en-US" dirty="0"/>
           </a:p>
         </p:txBody>
       </p:sp>
       <p:pic>
         <p:nvPicPr>
-          <p:cNvPr id="10" name="Picture 9" descr="Diagram, text&#10;&#10;Description automatically generated">
-            <a:extLst>
-              <a:ext uri="{FF2B5EF4-FFF2-40B4-BE49-F238E27FC236}">
-                <a16:creationId xmlns:a16="http://schemas.microsoft.com/office/drawing/2014/main" id="{0C6C8324-9538-7347-AB7E-CDAA26E706E9}"/>
+          <p:cNvPr id="7" name="Picture 6">
+            <a:extLst>
+              <a:ext uri="{FF2B5EF4-FFF2-40B4-BE49-F238E27FC236}">
+                <a16:creationId xmlns:a16="http://schemas.microsoft.com/office/drawing/2014/main" id="{890EF234-DACF-B54D-AC95-35334496FE1D}"/>
               </a:ext>
             </a:extLst>
           </p:cNvPr>
@@ -5041,18 +5355,70 @@
         </p:blipFill>
         <p:spPr>
           <a:xfrm>
-            <a:off x="2788888" y="3429000"/>
-            <a:ext cx="6905847" cy="2057400"/>
+            <a:off x="838200" y="4069874"/>
+            <a:ext cx="10917589" cy="616426"/>
           </a:xfrm>
           <a:prstGeom prst="rect">
             <a:avLst/>
           </a:prstGeom>
         </p:spPr>
       </p:pic>
+      <p:sp>
+        <p:nvSpPr>
+          <p:cNvPr id="8" name="Rectangle 7">
+            <a:extLst>
+              <a:ext uri="{FF2B5EF4-FFF2-40B4-BE49-F238E27FC236}">
+                <a16:creationId xmlns:a16="http://schemas.microsoft.com/office/drawing/2014/main" id="{DDC868F5-A71D-624F-9CEA-034EA304B9E6}"/>
+              </a:ext>
+            </a:extLst>
+          </p:cNvPr>
+          <p:cNvSpPr/>
+          <p:nvPr/>
+        </p:nvSpPr>
+        <p:spPr>
+          <a:xfrm>
+            <a:off x="10665925" y="4001294"/>
+            <a:ext cx="251468" cy="446049"/>
+          </a:xfrm>
+          <a:prstGeom prst="rect">
+            <a:avLst/>
+          </a:prstGeom>
+          <a:noFill/>
+          <a:ln>
+            <a:solidFill>
+              <a:srgbClr val="E4754F"/>
+            </a:solidFill>
+          </a:ln>
+        </p:spPr>
+        <p:style>
+          <a:lnRef idx="2">
+            <a:schemeClr val="accent1">
+              <a:shade val="50000"/>
+            </a:schemeClr>
+          </a:lnRef>
+          <a:fillRef idx="1">
+            <a:schemeClr val="accent1"/>
+          </a:fillRef>
+          <a:effectRef idx="0">
+            <a:schemeClr val="accent1"/>
+          </a:effectRef>
+          <a:fontRef idx="minor">
+            <a:schemeClr val="lt1"/>
+          </a:fontRef>
+        </p:style>
+        <p:txBody>
+          <a:bodyPr rtlCol="0" anchor="ctr"/>
+          <a:lstStyle/>
+          <a:p>
+            <a:pPr algn="ctr"/>
+            <a:endParaRPr lang="en-US"/>
+          </a:p>
+        </p:txBody>
+      </p:sp>
     </p:spTree>
     <p:extLst>
       <p:ext uri="{BB962C8B-B14F-4D97-AF65-F5344CB8AC3E}">
-        <p14:creationId xmlns:p14="http://schemas.microsoft.com/office/powerpoint/2010/main" val="1717021818"/>
+        <p14:creationId xmlns:p14="http://schemas.microsoft.com/office/powerpoint/2010/main" val="1740054592"/>
       </p:ext>
     </p:extLst>
   </p:cSld>
@@ -5084,7 +5450,7 @@
           <p:cNvPr id="2" name="Title 1">
             <a:extLst>
               <a:ext uri="{FF2B5EF4-FFF2-40B4-BE49-F238E27FC236}">
-                <a16:creationId xmlns:a16="http://schemas.microsoft.com/office/drawing/2014/main" id="{379574C2-DB75-DB45-BF5E-6693C8D9C2D1}"/>
+                <a16:creationId xmlns:a16="http://schemas.microsoft.com/office/drawing/2014/main" id="{6ED6330A-FCA1-1443-92D7-FCE737C1A22B}"/>
               </a:ext>
             </a:extLst>
           </p:cNvPr>
@@ -5095,171 +5461,147 @@
             <p:ph type="title"/>
           </p:nvPr>
         </p:nvSpPr>
-        <p:spPr>
-          <a:xfrm>
-            <a:off x="838200" y="365126"/>
-            <a:ext cx="10515600" cy="872690"/>
-          </a:xfrm>
-        </p:spPr>
+        <p:spPr/>
         <p:txBody>
           <a:bodyPr/>
           <a:lstStyle/>
           <a:p>
             <a:r>
               <a:rPr lang="en-US" dirty="0"/>
-              <a:t>Nice visualizations from </a:t>
+              <a:t>Deeper pipelines</a:t>
+            </a:r>
+          </a:p>
+        </p:txBody>
+      </p:sp>
+      <p:sp>
+        <p:nvSpPr>
+          <p:cNvPr id="7" name="Content Placeholder 6">
+            <a:extLst>
+              <a:ext uri="{FF2B5EF4-FFF2-40B4-BE49-F238E27FC236}">
+                <a16:creationId xmlns:a16="http://schemas.microsoft.com/office/drawing/2014/main" id="{2E88B64F-B7C3-5A4F-9260-2FD9416D2978}"/>
+              </a:ext>
+            </a:extLst>
+          </p:cNvPr>
+          <p:cNvSpPr>
+            <a:spLocks noGrp="1"/>
+          </p:cNvSpPr>
+          <p:nvPr>
+            <p:ph idx="1"/>
+          </p:nvPr>
+        </p:nvSpPr>
+        <p:spPr>
+          <a:xfrm>
+            <a:off x="838200" y="1825625"/>
+            <a:ext cx="10870580" cy="4351338"/>
+          </a:xfrm>
+        </p:spPr>
+        <p:txBody>
+          <a:bodyPr/>
+          <a:lstStyle/>
+          <a:p>
+            <a:r>
+              <a:rPr lang="en-US" dirty="0"/>
+              <a:t>Pipe the output of </a:t>
+            </a:r>
+            <a:r>
+              <a:rPr lang="en-US" b="1" dirty="0"/>
+              <a:t>ls</a:t>
+            </a:r>
+            <a:r>
+              <a:rPr lang="en-US" dirty="0"/>
+              <a:t> to </a:t>
+            </a:r>
+            <a:r>
+              <a:rPr lang="en-US" b="1" dirty="0"/>
+              <a:t>grep</a:t>
+            </a:r>
+            <a:r>
+              <a:rPr lang="en-US" dirty="0"/>
+              <a:t> (search for string in line) and send that output to </a:t>
+            </a:r>
+            <a:r>
+              <a:rPr lang="en-US" b="1" dirty="0" err="1"/>
+              <a:t>wc</a:t>
+            </a:r>
+            <a:r>
+              <a:rPr lang="en-US" dirty="0"/>
+              <a:t>, which counts how many filenames contain “</a:t>
             </a:r>
             <a:r>
               <a:rPr lang="en-US" dirty="0" err="1"/>
-              <a:t>rozmichelle</a:t>
-            </a:r>
-            <a:endParaRPr lang="en-US" dirty="0"/>
-          </a:p>
-        </p:txBody>
-      </p:sp>
-      <p:sp>
-        <p:nvSpPr>
-          <p:cNvPr id="5" name="TextBox 4">
-            <a:extLst>
-              <a:ext uri="{FF2B5EF4-FFF2-40B4-BE49-F238E27FC236}">
-                <a16:creationId xmlns:a16="http://schemas.microsoft.com/office/drawing/2014/main" id="{39352CBE-2DDB-094E-8DBB-058E30BFF89C}"/>
-              </a:ext>
-            </a:extLst>
-          </p:cNvPr>
-          <p:cNvSpPr txBox="1"/>
-          <p:nvPr/>
-        </p:nvSpPr>
-        <p:spPr>
-          <a:xfrm>
-            <a:off x="0" y="6488668"/>
-            <a:ext cx="5352812" cy="369332"/>
-          </a:xfrm>
-          <a:prstGeom prst="rect">
-            <a:avLst/>
-          </a:prstGeom>
-          <a:noFill/>
-        </p:spPr>
-        <p:txBody>
-          <a:bodyPr wrap="none" rtlCol="0">
-            <a:spAutoFit/>
-          </a:bodyPr>
-          <a:lstStyle/>
-          <a:p>
+              <a:t>bbc</a:t>
+            </a:r>
             <a:r>
               <a:rPr lang="en-US" dirty="0"/>
-              <a:t>See </a:t>
-            </a:r>
-            <a:r>
-              <a:rPr lang="en-US" dirty="0">
-                <a:hlinkClick r:id="rId2"/>
-              </a:rPr>
-              <a:t>http://www.rozmichelle.com/pipes-forks-dups/</a:t>
-            </a:r>
-            <a:r>
-              <a:rPr lang="en-US" dirty="0"/>
-              <a:t> </a:t>
+              <a:t>”</a:t>
             </a:r>
           </a:p>
         </p:txBody>
       </p:sp>
       <p:pic>
         <p:nvPicPr>
-          <p:cNvPr id="1028" name="Picture 4">
-            <a:extLst>
-              <a:ext uri="{FF2B5EF4-FFF2-40B4-BE49-F238E27FC236}">
-                <a16:creationId xmlns:a16="http://schemas.microsoft.com/office/drawing/2014/main" id="{32744D4E-221D-1E44-A644-39A232FFBD68}"/>
+          <p:cNvPr id="10" name="Picture 9" descr="Diagram, text&#10;&#10;Description automatically generated">
+            <a:extLst>
+              <a:ext uri="{FF2B5EF4-FFF2-40B4-BE49-F238E27FC236}">
+                <a16:creationId xmlns:a16="http://schemas.microsoft.com/office/drawing/2014/main" id="{0C6C8324-9538-7347-AB7E-CDAA26E706E9}"/>
               </a:ext>
             </a:extLst>
           </p:cNvPr>
           <p:cNvPicPr>
-            <a:picLocks noChangeAspect="1" noChangeArrowheads="1"/>
+            <a:picLocks noChangeAspect="1"/>
           </p:cNvPicPr>
           <p:nvPr/>
         </p:nvPicPr>
         <p:blipFill>
-          <a:blip r:embed="rId3">
-            <a:extLst>
-              <a:ext uri="{28A0092B-C50C-407E-A947-70E740481C1C}">
-                <a14:useLocalDpi xmlns:a14="http://schemas.microsoft.com/office/drawing/2010/main" val="0"/>
-              </a:ext>
-            </a:extLst>
-          </a:blip>
-          <a:srcRect/>
+          <a:blip r:embed="rId2"/>
           <a:stretch>
             <a:fillRect/>
           </a:stretch>
         </p:blipFill>
-        <p:spPr bwMode="auto">
-          <a:xfrm>
-            <a:off x="1293542" y="1414893"/>
-            <a:ext cx="4689079" cy="2322560"/>
+        <p:spPr>
+          <a:xfrm>
+            <a:off x="2788888" y="3429000"/>
+            <a:ext cx="6905847" cy="2057400"/>
           </a:xfrm>
           <a:prstGeom prst="rect">
             <a:avLst/>
           </a:prstGeom>
-          <a:noFill/>
-          <a:extLst>
-            <a:ext uri="{909E8E84-426E-40DD-AFC4-6F175D3DCCD1}">
-              <a14:hiddenFill xmlns:a14="http://schemas.microsoft.com/office/drawing/2010/main">
-                <a:solidFill>
-                  <a:srgbClr val="FFFFFF"/>
-                </a:solidFill>
-              </a14:hiddenFill>
-            </a:ext>
-          </a:extLst>
         </p:spPr>
       </p:pic>
       <p:pic>
         <p:nvPicPr>
-          <p:cNvPr id="1030" name="Picture 6">
-            <a:extLst>
-              <a:ext uri="{FF2B5EF4-FFF2-40B4-BE49-F238E27FC236}">
-                <a16:creationId xmlns:a16="http://schemas.microsoft.com/office/drawing/2014/main" id="{D37EBC59-AF47-5549-82A9-7825487740AC}"/>
+          <p:cNvPr id="3" name="Picture 2">
+            <a:extLst>
+              <a:ext uri="{FF2B5EF4-FFF2-40B4-BE49-F238E27FC236}">
+                <a16:creationId xmlns:a16="http://schemas.microsoft.com/office/drawing/2014/main" id="{022584C2-294D-0246-94BE-4E54E0817EBD}"/>
               </a:ext>
             </a:extLst>
           </p:cNvPr>
           <p:cNvPicPr>
-            <a:picLocks noChangeAspect="1" noChangeArrowheads="1"/>
+            <a:picLocks noChangeAspect="1"/>
           </p:cNvPicPr>
           <p:nvPr/>
         </p:nvPicPr>
         <p:blipFill>
-          <a:blip r:embed="rId4">
-            <a:extLst>
-              <a:ext uri="{28A0092B-C50C-407E-A947-70E740481C1C}">
-                <a14:useLocalDpi xmlns:a14="http://schemas.microsoft.com/office/drawing/2010/main" val="0"/>
-              </a:ext>
-            </a:extLst>
-          </a:blip>
-          <a:srcRect/>
+          <a:blip r:embed="rId3"/>
           <a:stretch>
             <a:fillRect/>
           </a:stretch>
         </p:blipFill>
-        <p:spPr bwMode="auto">
-          <a:xfrm>
-            <a:off x="1293542" y="3912205"/>
-            <a:ext cx="9122415" cy="2399385"/>
+        <p:spPr>
+          <a:xfrm>
+            <a:off x="6402070" y="4140200"/>
+            <a:ext cx="2451100" cy="635000"/>
           </a:xfrm>
           <a:prstGeom prst="rect">
             <a:avLst/>
           </a:prstGeom>
-          <a:noFill/>
-          <a:extLst>
-            <a:ext uri="{909E8E84-426E-40DD-AFC4-6F175D3DCCD1}">
-              <a14:hiddenFill xmlns:a14="http://schemas.microsoft.com/office/drawing/2010/main">
-                <a:solidFill>
-                  <a:srgbClr val="FFFFFF"/>
-                </a:solidFill>
-              </a14:hiddenFill>
-            </a:ext>
-          </a:extLst>
         </p:spPr>
       </p:pic>
     </p:spTree>
     <p:extLst>
       <p:ext uri="{BB962C8B-B14F-4D97-AF65-F5344CB8AC3E}">
-        <p14:creationId xmlns:p14="http://schemas.microsoft.com/office/powerpoint/2010/main" val="1939768568"/>
+        <p14:creationId xmlns:p14="http://schemas.microsoft.com/office/powerpoint/2010/main" val="1717021818"/>
       </p:ext>
     </p:extLst>
   </p:cSld>
@@ -5624,6 +5966,66 @@
           </a:p>
         </p:txBody>
       </p:sp>
+      <p:pic>
+        <p:nvPicPr>
+          <p:cNvPr id="4" name="Picture 3">
+            <a:extLst>
+              <a:ext uri="{FF2B5EF4-FFF2-40B4-BE49-F238E27FC236}">
+                <a16:creationId xmlns:a16="http://schemas.microsoft.com/office/drawing/2014/main" id="{386579A0-FC18-974F-8148-0B0225D44B65}"/>
+              </a:ext>
+            </a:extLst>
+          </p:cNvPr>
+          <p:cNvPicPr>
+            <a:picLocks noChangeAspect="1"/>
+          </p:cNvPicPr>
+          <p:nvPr/>
+        </p:nvPicPr>
+        <p:blipFill>
+          <a:blip r:embed="rId4"/>
+          <a:stretch>
+            <a:fillRect/>
+          </a:stretch>
+        </p:blipFill>
+        <p:spPr>
+          <a:xfrm>
+            <a:off x="9169400" y="917267"/>
+            <a:ext cx="2336800" cy="647700"/>
+          </a:xfrm>
+          <a:prstGeom prst="rect">
+            <a:avLst/>
+          </a:prstGeom>
+        </p:spPr>
+      </p:pic>
+      <p:pic>
+        <p:nvPicPr>
+          <p:cNvPr id="7" name="Picture 6">
+            <a:extLst>
+              <a:ext uri="{FF2B5EF4-FFF2-40B4-BE49-F238E27FC236}">
+                <a16:creationId xmlns:a16="http://schemas.microsoft.com/office/drawing/2014/main" id="{ECCD83E2-787D-684A-A7AC-8F605E2D79B3}"/>
+              </a:ext>
+            </a:extLst>
+          </p:cNvPr>
+          <p:cNvPicPr>
+            <a:picLocks noChangeAspect="1"/>
+          </p:cNvPicPr>
+          <p:nvPr/>
+        </p:nvPicPr>
+        <p:blipFill>
+          <a:blip r:embed="rId5"/>
+          <a:stretch>
+            <a:fillRect/>
+          </a:stretch>
+        </p:blipFill>
+        <p:spPr>
+          <a:xfrm>
+            <a:off x="10189622" y="4200524"/>
+            <a:ext cx="1422400" cy="647700"/>
+          </a:xfrm>
+          <a:prstGeom prst="rect">
+            <a:avLst/>
+          </a:prstGeom>
+        </p:spPr>
+      </p:pic>
     </p:spTree>
     <p:extLst>
       <p:ext uri="{BB962C8B-B14F-4D97-AF65-F5344CB8AC3E}">
@@ -5659,7 +6061,7 @@
           <p:cNvPr id="2" name="Title 1">
             <a:extLst>
               <a:ext uri="{FF2B5EF4-FFF2-40B4-BE49-F238E27FC236}">
-                <a16:creationId xmlns:a16="http://schemas.microsoft.com/office/drawing/2014/main" id="{1F2B52D8-6B24-D445-B4BE-A8E906F59C81}"/>
+                <a16:creationId xmlns:a16="http://schemas.microsoft.com/office/drawing/2014/main" id="{DAE46518-6144-7444-B57C-EAD7A9C8BFBB}"/>
               </a:ext>
             </a:extLst>
           </p:cNvPr>
@@ -5677,7 +6079,7 @@
           <a:p>
             <a:r>
               <a:rPr lang="en-US" dirty="0"/>
-              <a:t>Redirecting standard input</a:t>
+              <a:t>Data science redirection example</a:t>
             </a:r>
           </a:p>
         </p:txBody>
@@ -5687,7 +6089,7 @@
           <p:cNvPr id="3" name="Content Placeholder 2">
             <a:extLst>
               <a:ext uri="{FF2B5EF4-FFF2-40B4-BE49-F238E27FC236}">
-                <a16:creationId xmlns:a16="http://schemas.microsoft.com/office/drawing/2014/main" id="{896AA5F3-AAAF-1D48-BC06-4FBF9F6CCD79}"/>
+                <a16:creationId xmlns:a16="http://schemas.microsoft.com/office/drawing/2014/main" id="{49178CCC-EAF4-A34C-95B3-8CD2C23400C4}"/>
               </a:ext>
             </a:extLst>
           </p:cNvPr>
@@ -5698,75 +6100,30 @@
             <p:ph idx="1"/>
           </p:nvPr>
         </p:nvSpPr>
-        <p:spPr>
-          <a:xfrm>
-            <a:off x="838200" y="1825625"/>
-            <a:ext cx="5863683" cy="4351338"/>
-          </a:xfrm>
-        </p:spPr>
+        <p:spPr/>
         <p:txBody>
           <a:bodyPr/>
           <a:lstStyle/>
           <a:p>
             <a:r>
               <a:rPr lang="en-US" dirty="0"/>
-              <a:t>Less common but still useful</a:t>
+              <a:t>When developing a model or performing an analysis, it’s often good to start with a small subset of the data to speed up development</a:t>
             </a:r>
           </a:p>
           <a:p>
             <a:r>
               <a:rPr lang="en-US" dirty="0"/>
-              <a:t>Many commands take both </a:t>
-            </a:r>
-            <a:r>
-              <a:rPr lang="en-US" dirty="0" err="1"/>
-              <a:t>commandline</a:t>
-            </a:r>
-            <a:r>
-              <a:rPr lang="en-US" dirty="0"/>
-              <a:t> arguments and redirection: </a:t>
-            </a:r>
-            <a:r>
-              <a:rPr lang="en-US" b="1" dirty="0"/>
-              <a:t>sort</a:t>
-            </a:r>
-            <a:r>
-              <a:rPr lang="en-US" dirty="0"/>
-              <a:t>, </a:t>
-            </a:r>
-            <a:r>
-              <a:rPr lang="en-US" b="1" dirty="0"/>
-              <a:t>cat</a:t>
-            </a:r>
-            <a:r>
-              <a:rPr lang="en-US" dirty="0"/>
-              <a:t>, </a:t>
-            </a:r>
-            <a:r>
-              <a:rPr lang="en-US" b="1" dirty="0" err="1"/>
-              <a:t>wc</a:t>
-            </a:r>
-            <a:r>
-              <a:rPr lang="en-US" dirty="0"/>
-              <a:t> </a:t>
-            </a:r>
-            <a:r>
-              <a:rPr lang="en-US" dirty="0" err="1"/>
-              <a:t>etc</a:t>
-            </a:r>
-            <a:r>
-              <a:rPr lang="en-US" dirty="0"/>
-              <a:t>…</a:t>
+              <a:t>Here’s how to get the first 5000 rows of data from a CSV file into another file without having to write code:</a:t>
             </a:r>
           </a:p>
         </p:txBody>
       </p:sp>
       <p:pic>
         <p:nvPicPr>
-          <p:cNvPr id="5" name="Picture 4" descr="Text&#10;&#10;Description automatically generated">
-            <a:extLst>
-              <a:ext uri="{FF2B5EF4-FFF2-40B4-BE49-F238E27FC236}">
-                <a16:creationId xmlns:a16="http://schemas.microsoft.com/office/drawing/2014/main" id="{2F21F29C-EE4F-D149-A1DB-BF8088B6D8ED}"/>
+          <p:cNvPr id="8" name="Picture 7" descr="Text&#10;&#10;Description automatically generated with medium confidence">
+            <a:extLst>
+              <a:ext uri="{FF2B5EF4-FFF2-40B4-BE49-F238E27FC236}">
+                <a16:creationId xmlns:a16="http://schemas.microsoft.com/office/drawing/2014/main" id="{FCFEFE6B-3767-394B-8BC7-98C1030AD983}"/>
               </a:ext>
             </a:extLst>
           </p:cNvPr>
@@ -5783,253 +6140,18 @@
         </p:blipFill>
         <p:spPr>
           <a:xfrm>
-            <a:off x="7953637" y="937268"/>
-            <a:ext cx="3487514" cy="5379047"/>
+            <a:off x="2294890" y="4237990"/>
+            <a:ext cx="7226640" cy="1602740"/>
           </a:xfrm>
           <a:prstGeom prst="rect">
             <a:avLst/>
           </a:prstGeom>
         </p:spPr>
       </p:pic>
-      <p:cxnSp>
-        <p:nvCxnSpPr>
-          <p:cNvPr id="6" name="Straight Arrow Connector 5">
-            <a:extLst>
-              <a:ext uri="{FF2B5EF4-FFF2-40B4-BE49-F238E27FC236}">
-                <a16:creationId xmlns:a16="http://schemas.microsoft.com/office/drawing/2014/main" id="{B7A50B9A-70C9-694B-9D24-0E9F052F30B2}"/>
-              </a:ext>
-            </a:extLst>
-          </p:cNvPr>
-          <p:cNvCxnSpPr>
-            <a:cxnSpLocks/>
-          </p:cNvCxnSpPr>
-          <p:nvPr/>
-        </p:nvCxnSpPr>
-        <p:spPr>
-          <a:xfrm flipV="1">
-            <a:off x="6590371" y="2207941"/>
-            <a:ext cx="1363266" cy="2061671"/>
-          </a:xfrm>
-          <a:prstGeom prst="straightConnector1">
-            <a:avLst/>
-          </a:prstGeom>
-          <a:ln w="12700">
-            <a:solidFill>
-              <a:srgbClr val="E4754F"/>
-            </a:solidFill>
-            <a:tailEnd type="triangle"/>
-          </a:ln>
-        </p:spPr>
-        <p:style>
-          <a:lnRef idx="1">
-            <a:schemeClr val="accent1"/>
-          </a:lnRef>
-          <a:fillRef idx="0">
-            <a:schemeClr val="accent1"/>
-          </a:fillRef>
-          <a:effectRef idx="0">
-            <a:schemeClr val="accent1"/>
-          </a:effectRef>
-          <a:fontRef idx="minor">
-            <a:schemeClr val="tx1"/>
-          </a:fontRef>
-        </p:style>
-      </p:cxnSp>
-      <p:sp>
-        <p:nvSpPr>
-          <p:cNvPr id="7" name="TextBox 6">
-            <a:extLst>
-              <a:ext uri="{FF2B5EF4-FFF2-40B4-BE49-F238E27FC236}">
-                <a16:creationId xmlns:a16="http://schemas.microsoft.com/office/drawing/2014/main" id="{E498F361-5D16-3442-9203-DCFFD6500A0B}"/>
-              </a:ext>
-            </a:extLst>
-          </p:cNvPr>
-          <p:cNvSpPr txBox="1"/>
-          <p:nvPr/>
-        </p:nvSpPr>
-        <p:spPr>
-          <a:xfrm>
-            <a:off x="5900433" y="4269612"/>
-            <a:ext cx="1164624" cy="646331"/>
-          </a:xfrm>
-          <a:prstGeom prst="rect">
-            <a:avLst/>
-          </a:prstGeom>
-          <a:noFill/>
-        </p:spPr>
-        <p:txBody>
-          <a:bodyPr wrap="square" rtlCol="0">
-            <a:spAutoFit/>
-          </a:bodyPr>
-          <a:lstStyle/>
-          <a:p>
-            <a:r>
-              <a:rPr lang="en-US" dirty="0"/>
-              <a:t>Control-D (EOF)</a:t>
-            </a:r>
-          </a:p>
-        </p:txBody>
-      </p:sp>
-      <p:sp>
-        <p:nvSpPr>
-          <p:cNvPr id="11" name="Rectangle 10">
-            <a:extLst>
-              <a:ext uri="{FF2B5EF4-FFF2-40B4-BE49-F238E27FC236}">
-                <a16:creationId xmlns:a16="http://schemas.microsoft.com/office/drawing/2014/main" id="{FE90A06F-34C7-C241-A343-2449406FAC12}"/>
-              </a:ext>
-            </a:extLst>
-          </p:cNvPr>
-          <p:cNvSpPr/>
-          <p:nvPr/>
-        </p:nvSpPr>
-        <p:spPr>
-          <a:xfrm>
-            <a:off x="8785736" y="914966"/>
-            <a:ext cx="251468" cy="446049"/>
-          </a:xfrm>
-          <a:prstGeom prst="rect">
-            <a:avLst/>
-          </a:prstGeom>
-          <a:noFill/>
-          <a:ln>
-            <a:solidFill>
-              <a:srgbClr val="E4754F"/>
-            </a:solidFill>
-          </a:ln>
-        </p:spPr>
-        <p:style>
-          <a:lnRef idx="2">
-            <a:schemeClr val="accent1">
-              <a:shade val="50000"/>
-            </a:schemeClr>
-          </a:lnRef>
-          <a:fillRef idx="1">
-            <a:schemeClr val="accent1"/>
-          </a:fillRef>
-          <a:effectRef idx="0">
-            <a:schemeClr val="accent1"/>
-          </a:effectRef>
-          <a:fontRef idx="minor">
-            <a:schemeClr val="lt1"/>
-          </a:fontRef>
-        </p:style>
-        <p:txBody>
-          <a:bodyPr rtlCol="0" anchor="ctr"/>
-          <a:lstStyle/>
-          <a:p>
-            <a:pPr algn="ctr"/>
-            <a:endParaRPr lang="en-US"/>
-          </a:p>
-        </p:txBody>
-      </p:sp>
-      <p:sp>
-        <p:nvSpPr>
-          <p:cNvPr id="12" name="Rectangle 11">
-            <a:extLst>
-              <a:ext uri="{FF2B5EF4-FFF2-40B4-BE49-F238E27FC236}">
-                <a16:creationId xmlns:a16="http://schemas.microsoft.com/office/drawing/2014/main" id="{90BD5282-1C09-CE46-A290-12FC2CD5DC53}"/>
-              </a:ext>
-            </a:extLst>
-          </p:cNvPr>
-          <p:cNvSpPr/>
-          <p:nvPr/>
-        </p:nvSpPr>
-        <p:spPr>
-          <a:xfrm>
-            <a:off x="8953923" y="3403766"/>
-            <a:ext cx="251468" cy="446049"/>
-          </a:xfrm>
-          <a:prstGeom prst="rect">
-            <a:avLst/>
-          </a:prstGeom>
-          <a:noFill/>
-          <a:ln>
-            <a:solidFill>
-              <a:srgbClr val="E4754F"/>
-            </a:solidFill>
-          </a:ln>
-        </p:spPr>
-        <p:style>
-          <a:lnRef idx="2">
-            <a:schemeClr val="accent1">
-              <a:shade val="50000"/>
-            </a:schemeClr>
-          </a:lnRef>
-          <a:fillRef idx="1">
-            <a:schemeClr val="accent1"/>
-          </a:fillRef>
-          <a:effectRef idx="0">
-            <a:schemeClr val="accent1"/>
-          </a:effectRef>
-          <a:fontRef idx="minor">
-            <a:schemeClr val="lt1"/>
-          </a:fontRef>
-        </p:style>
-        <p:txBody>
-          <a:bodyPr rtlCol="0" anchor="ctr"/>
-          <a:lstStyle/>
-          <a:p>
-            <a:pPr algn="ctr"/>
-            <a:endParaRPr lang="en-US"/>
-          </a:p>
-        </p:txBody>
-      </p:sp>
-      <p:sp>
-        <p:nvSpPr>
-          <p:cNvPr id="13" name="Rectangle 12">
-            <a:extLst>
-              <a:ext uri="{FF2B5EF4-FFF2-40B4-BE49-F238E27FC236}">
-                <a16:creationId xmlns:a16="http://schemas.microsoft.com/office/drawing/2014/main" id="{BF00A295-D1B9-8847-8E2F-8056D1F070AD}"/>
-              </a:ext>
-            </a:extLst>
-          </p:cNvPr>
-          <p:cNvSpPr/>
-          <p:nvPr/>
-        </p:nvSpPr>
-        <p:spPr>
-          <a:xfrm>
-            <a:off x="8796242" y="4615079"/>
-            <a:ext cx="251468" cy="446049"/>
-          </a:xfrm>
-          <a:prstGeom prst="rect">
-            <a:avLst/>
-          </a:prstGeom>
-          <a:noFill/>
-          <a:ln>
-            <a:solidFill>
-              <a:srgbClr val="E4754F"/>
-            </a:solidFill>
-          </a:ln>
-        </p:spPr>
-        <p:style>
-          <a:lnRef idx="2">
-            <a:schemeClr val="accent1">
-              <a:shade val="50000"/>
-            </a:schemeClr>
-          </a:lnRef>
-          <a:fillRef idx="1">
-            <a:schemeClr val="accent1"/>
-          </a:fillRef>
-          <a:effectRef idx="0">
-            <a:schemeClr val="accent1"/>
-          </a:effectRef>
-          <a:fontRef idx="minor">
-            <a:schemeClr val="lt1"/>
-          </a:fontRef>
-        </p:style>
-        <p:txBody>
-          <a:bodyPr rtlCol="0" anchor="ctr"/>
-          <a:lstStyle/>
-          <a:p>
-            <a:pPr algn="ctr"/>
-            <a:endParaRPr lang="en-US"/>
-          </a:p>
-        </p:txBody>
-      </p:sp>
     </p:spTree>
     <p:extLst>
       <p:ext uri="{BB962C8B-B14F-4D97-AF65-F5344CB8AC3E}">
-        <p14:creationId xmlns:p14="http://schemas.microsoft.com/office/powerpoint/2010/main" val="2677890396"/>
+        <p14:creationId xmlns:p14="http://schemas.microsoft.com/office/powerpoint/2010/main" val="2802324120"/>
       </p:ext>
     </p:extLst>
   </p:cSld>
@@ -6061,7 +6183,7 @@
           <p:cNvPr id="2" name="Title 1">
             <a:extLst>
               <a:ext uri="{FF2B5EF4-FFF2-40B4-BE49-F238E27FC236}">
-                <a16:creationId xmlns:a16="http://schemas.microsoft.com/office/drawing/2014/main" id="{CA4E806D-9B7B-E949-AEEE-A27FCBF34A18}"/>
+                <a16:creationId xmlns:a16="http://schemas.microsoft.com/office/drawing/2014/main" id="{1F2B52D8-6B24-D445-B4BE-A8E906F59C81}"/>
               </a:ext>
             </a:extLst>
           </p:cNvPr>
@@ -6079,7 +6201,7 @@
           <a:p>
             <a:r>
               <a:rPr lang="en-US" dirty="0"/>
-              <a:t>Throwing away program output</a:t>
+              <a:t>Redirecting standard input</a:t>
             </a:r>
           </a:p>
         </p:txBody>
@@ -6089,7 +6211,7 @@
           <p:cNvPr id="3" name="Content Placeholder 2">
             <a:extLst>
               <a:ext uri="{FF2B5EF4-FFF2-40B4-BE49-F238E27FC236}">
-                <a16:creationId xmlns:a16="http://schemas.microsoft.com/office/drawing/2014/main" id="{BFF0042E-4DFB-D746-A1EE-ACDD03109C75}"/>
+                <a16:creationId xmlns:a16="http://schemas.microsoft.com/office/drawing/2014/main" id="{896AA5F3-AAAF-1D48-BC06-4FBF9F6CCD79}"/>
               </a:ext>
             </a:extLst>
           </p:cNvPr>
@@ -6100,28 +6222,65 @@
             <p:ph idx="1"/>
           </p:nvPr>
         </p:nvSpPr>
-        <p:spPr/>
+        <p:spPr>
+          <a:xfrm>
+            <a:off x="838200" y="1825625"/>
+            <a:ext cx="5863683" cy="4351338"/>
+          </a:xfrm>
+        </p:spPr>
         <p:txBody>
           <a:bodyPr/>
           <a:lstStyle/>
           <a:p>
             <a:r>
               <a:rPr lang="en-US" dirty="0"/>
-              <a:t>file </a:t>
+              <a:t>Less common but still useful</a:t>
+            </a:r>
+          </a:p>
+          <a:p>
+            <a:r>
+              <a:rPr lang="en-US" dirty="0"/>
+              <a:t>Many commands take both </a:t>
+            </a:r>
+            <a:r>
+              <a:rPr lang="en-US" dirty="0" err="1"/>
+              <a:t>commandline</a:t>
+            </a:r>
+            <a:r>
+              <a:rPr lang="en-US" dirty="0"/>
+              <a:t> arguments and redirection: </a:t>
             </a:r>
             <a:r>
               <a:rPr lang="en-US" b="1" dirty="0"/>
-              <a:t>/dev/null </a:t>
+              <a:t>sort</a:t>
             </a:r>
             <a:r>
               <a:rPr lang="en-US" dirty="0"/>
-              <a:t>is a special “device” that accepts input and does nothing with it</a:t>
-            </a:r>
-          </a:p>
-          <a:p>
+              <a:t>, </a:t>
+            </a:r>
+            <a:r>
+              <a:rPr lang="en-US" b="1" dirty="0"/>
+              <a:t>cat</a:t>
+            </a:r>
             <a:r>
               <a:rPr lang="en-US" dirty="0"/>
-              <a:t>It’s a great way to hide all of that debugging output you have in your program</a:t>
+              <a:t>, </a:t>
+            </a:r>
+            <a:r>
+              <a:rPr lang="en-US" b="1" dirty="0" err="1"/>
+              <a:t>wc</a:t>
+            </a:r>
+            <a:r>
+              <a:rPr lang="en-US" dirty="0"/>
+              <a:t> </a:t>
+            </a:r>
+            <a:r>
+              <a:rPr lang="en-US" dirty="0" err="1"/>
+              <a:t>etc</a:t>
+            </a:r>
+            <a:r>
+              <a:rPr lang="en-US" dirty="0"/>
+              <a:t>…</a:t>
             </a:r>
           </a:p>
         </p:txBody>
@@ -6131,7 +6290,7 @@
           <p:cNvPr id="5" name="Picture 4" descr="Text&#10;&#10;Description automatically generated">
             <a:extLst>
               <a:ext uri="{FF2B5EF4-FFF2-40B4-BE49-F238E27FC236}">
-                <a16:creationId xmlns:a16="http://schemas.microsoft.com/office/drawing/2014/main" id="{46A51CC7-86D0-E74C-B8D5-9AC9D6F764F7}"/>
+                <a16:creationId xmlns:a16="http://schemas.microsoft.com/office/drawing/2014/main" id="{2F21F29C-EE4F-D149-A1DB-BF8088B6D8ED}"/>
               </a:ext>
             </a:extLst>
           </p:cNvPr>
@@ -6148,18 +6307,253 @@
         </p:blipFill>
         <p:spPr>
           <a:xfrm>
-            <a:off x="2336352" y="3926728"/>
-            <a:ext cx="6963765" cy="1246710"/>
+            <a:off x="7953637" y="937268"/>
+            <a:ext cx="3487514" cy="5379047"/>
           </a:xfrm>
           <a:prstGeom prst="rect">
             <a:avLst/>
           </a:prstGeom>
         </p:spPr>
       </p:pic>
+      <p:cxnSp>
+        <p:nvCxnSpPr>
+          <p:cNvPr id="6" name="Straight Arrow Connector 5">
+            <a:extLst>
+              <a:ext uri="{FF2B5EF4-FFF2-40B4-BE49-F238E27FC236}">
+                <a16:creationId xmlns:a16="http://schemas.microsoft.com/office/drawing/2014/main" id="{B7A50B9A-70C9-694B-9D24-0E9F052F30B2}"/>
+              </a:ext>
+            </a:extLst>
+          </p:cNvPr>
+          <p:cNvCxnSpPr>
+            <a:cxnSpLocks/>
+          </p:cNvCxnSpPr>
+          <p:nvPr/>
+        </p:nvCxnSpPr>
+        <p:spPr>
+          <a:xfrm flipV="1">
+            <a:off x="6590371" y="2207941"/>
+            <a:ext cx="1363266" cy="2061671"/>
+          </a:xfrm>
+          <a:prstGeom prst="straightConnector1">
+            <a:avLst/>
+          </a:prstGeom>
+          <a:ln w="12700">
+            <a:solidFill>
+              <a:srgbClr val="E4754F"/>
+            </a:solidFill>
+            <a:tailEnd type="triangle"/>
+          </a:ln>
+        </p:spPr>
+        <p:style>
+          <a:lnRef idx="1">
+            <a:schemeClr val="accent1"/>
+          </a:lnRef>
+          <a:fillRef idx="0">
+            <a:schemeClr val="accent1"/>
+          </a:fillRef>
+          <a:effectRef idx="0">
+            <a:schemeClr val="accent1"/>
+          </a:effectRef>
+          <a:fontRef idx="minor">
+            <a:schemeClr val="tx1"/>
+          </a:fontRef>
+        </p:style>
+      </p:cxnSp>
+      <p:sp>
+        <p:nvSpPr>
+          <p:cNvPr id="7" name="TextBox 6">
+            <a:extLst>
+              <a:ext uri="{FF2B5EF4-FFF2-40B4-BE49-F238E27FC236}">
+                <a16:creationId xmlns:a16="http://schemas.microsoft.com/office/drawing/2014/main" id="{E498F361-5D16-3442-9203-DCFFD6500A0B}"/>
+              </a:ext>
+            </a:extLst>
+          </p:cNvPr>
+          <p:cNvSpPr txBox="1"/>
+          <p:nvPr/>
+        </p:nvSpPr>
+        <p:spPr>
+          <a:xfrm>
+            <a:off x="5900433" y="4269612"/>
+            <a:ext cx="1164624" cy="646331"/>
+          </a:xfrm>
+          <a:prstGeom prst="rect">
+            <a:avLst/>
+          </a:prstGeom>
+          <a:noFill/>
+        </p:spPr>
+        <p:txBody>
+          <a:bodyPr wrap="square" rtlCol="0">
+            <a:spAutoFit/>
+          </a:bodyPr>
+          <a:lstStyle/>
+          <a:p>
+            <a:r>
+              <a:rPr lang="en-US" dirty="0"/>
+              <a:t>Control-D (EOF)</a:t>
+            </a:r>
+          </a:p>
+        </p:txBody>
+      </p:sp>
+      <p:sp>
+        <p:nvSpPr>
+          <p:cNvPr id="11" name="Rectangle 10">
+            <a:extLst>
+              <a:ext uri="{FF2B5EF4-FFF2-40B4-BE49-F238E27FC236}">
+                <a16:creationId xmlns:a16="http://schemas.microsoft.com/office/drawing/2014/main" id="{FE90A06F-34C7-C241-A343-2449406FAC12}"/>
+              </a:ext>
+            </a:extLst>
+          </p:cNvPr>
+          <p:cNvSpPr/>
+          <p:nvPr/>
+        </p:nvSpPr>
+        <p:spPr>
+          <a:xfrm>
+            <a:off x="8785736" y="914966"/>
+            <a:ext cx="251468" cy="446049"/>
+          </a:xfrm>
+          <a:prstGeom prst="rect">
+            <a:avLst/>
+          </a:prstGeom>
+          <a:noFill/>
+          <a:ln>
+            <a:solidFill>
+              <a:srgbClr val="E4754F"/>
+            </a:solidFill>
+          </a:ln>
+        </p:spPr>
+        <p:style>
+          <a:lnRef idx="2">
+            <a:schemeClr val="accent1">
+              <a:shade val="50000"/>
+            </a:schemeClr>
+          </a:lnRef>
+          <a:fillRef idx="1">
+            <a:schemeClr val="accent1"/>
+          </a:fillRef>
+          <a:effectRef idx="0">
+            <a:schemeClr val="accent1"/>
+          </a:effectRef>
+          <a:fontRef idx="minor">
+            <a:schemeClr val="lt1"/>
+          </a:fontRef>
+        </p:style>
+        <p:txBody>
+          <a:bodyPr rtlCol="0" anchor="ctr"/>
+          <a:lstStyle/>
+          <a:p>
+            <a:pPr algn="ctr"/>
+            <a:endParaRPr lang="en-US"/>
+          </a:p>
+        </p:txBody>
+      </p:sp>
+      <p:sp>
+        <p:nvSpPr>
+          <p:cNvPr id="12" name="Rectangle 11">
+            <a:extLst>
+              <a:ext uri="{FF2B5EF4-FFF2-40B4-BE49-F238E27FC236}">
+                <a16:creationId xmlns:a16="http://schemas.microsoft.com/office/drawing/2014/main" id="{90BD5282-1C09-CE46-A290-12FC2CD5DC53}"/>
+              </a:ext>
+            </a:extLst>
+          </p:cNvPr>
+          <p:cNvSpPr/>
+          <p:nvPr/>
+        </p:nvSpPr>
+        <p:spPr>
+          <a:xfrm>
+            <a:off x="8953923" y="3403766"/>
+            <a:ext cx="251468" cy="446049"/>
+          </a:xfrm>
+          <a:prstGeom prst="rect">
+            <a:avLst/>
+          </a:prstGeom>
+          <a:noFill/>
+          <a:ln>
+            <a:solidFill>
+              <a:srgbClr val="E4754F"/>
+            </a:solidFill>
+          </a:ln>
+        </p:spPr>
+        <p:style>
+          <a:lnRef idx="2">
+            <a:schemeClr val="accent1">
+              <a:shade val="50000"/>
+            </a:schemeClr>
+          </a:lnRef>
+          <a:fillRef idx="1">
+            <a:schemeClr val="accent1"/>
+          </a:fillRef>
+          <a:effectRef idx="0">
+            <a:schemeClr val="accent1"/>
+          </a:effectRef>
+          <a:fontRef idx="minor">
+            <a:schemeClr val="lt1"/>
+          </a:fontRef>
+        </p:style>
+        <p:txBody>
+          <a:bodyPr rtlCol="0" anchor="ctr"/>
+          <a:lstStyle/>
+          <a:p>
+            <a:pPr algn="ctr"/>
+            <a:endParaRPr lang="en-US"/>
+          </a:p>
+        </p:txBody>
+      </p:sp>
+      <p:sp>
+        <p:nvSpPr>
+          <p:cNvPr id="13" name="Rectangle 12">
+            <a:extLst>
+              <a:ext uri="{FF2B5EF4-FFF2-40B4-BE49-F238E27FC236}">
+                <a16:creationId xmlns:a16="http://schemas.microsoft.com/office/drawing/2014/main" id="{BF00A295-D1B9-8847-8E2F-8056D1F070AD}"/>
+              </a:ext>
+            </a:extLst>
+          </p:cNvPr>
+          <p:cNvSpPr/>
+          <p:nvPr/>
+        </p:nvSpPr>
+        <p:spPr>
+          <a:xfrm>
+            <a:off x="8796242" y="4615079"/>
+            <a:ext cx="251468" cy="446049"/>
+          </a:xfrm>
+          <a:prstGeom prst="rect">
+            <a:avLst/>
+          </a:prstGeom>
+          <a:noFill/>
+          <a:ln>
+            <a:solidFill>
+              <a:srgbClr val="E4754F"/>
+            </a:solidFill>
+          </a:ln>
+        </p:spPr>
+        <p:style>
+          <a:lnRef idx="2">
+            <a:schemeClr val="accent1">
+              <a:shade val="50000"/>
+            </a:schemeClr>
+          </a:lnRef>
+          <a:fillRef idx="1">
+            <a:schemeClr val="accent1"/>
+          </a:fillRef>
+          <a:effectRef idx="0">
+            <a:schemeClr val="accent1"/>
+          </a:effectRef>
+          <a:fontRef idx="minor">
+            <a:schemeClr val="lt1"/>
+          </a:fontRef>
+        </p:style>
+        <p:txBody>
+          <a:bodyPr rtlCol="0" anchor="ctr"/>
+          <a:lstStyle/>
+          <a:p>
+            <a:pPr algn="ctr"/>
+            <a:endParaRPr lang="en-US"/>
+          </a:p>
+        </p:txBody>
+      </p:sp>
     </p:spTree>
     <p:extLst>
       <p:ext uri="{BB962C8B-B14F-4D97-AF65-F5344CB8AC3E}">
-        <p14:creationId xmlns:p14="http://schemas.microsoft.com/office/powerpoint/2010/main" val="1501264057"/>
+        <p14:creationId xmlns:p14="http://schemas.microsoft.com/office/powerpoint/2010/main" val="2677890396"/>
       </p:ext>
     </p:extLst>
   </p:cSld>
@@ -6191,7 +6585,7 @@
           <p:cNvPr id="2" name="Title 1">
             <a:extLst>
               <a:ext uri="{FF2B5EF4-FFF2-40B4-BE49-F238E27FC236}">
-                <a16:creationId xmlns:a16="http://schemas.microsoft.com/office/drawing/2014/main" id="{BA0B1FAE-7E9E-4640-B261-89EEEA90D894}"/>
+                <a16:creationId xmlns:a16="http://schemas.microsoft.com/office/drawing/2014/main" id="{CA4E806D-9B7B-E949-AEEE-A27FCBF34A18}"/>
               </a:ext>
             </a:extLst>
           </p:cNvPr>
@@ -6209,17 +6603,17 @@
           <a:p>
             <a:r>
               <a:rPr lang="en-US" dirty="0"/>
-              <a:t>Appending standard output</a:t>
-            </a:r>
-          </a:p>
-        </p:txBody>
-      </p:sp>
-      <p:sp>
-        <p:nvSpPr>
-          <p:cNvPr id="7" name="Content Placeholder 6">
-            <a:extLst>
-              <a:ext uri="{FF2B5EF4-FFF2-40B4-BE49-F238E27FC236}">
-                <a16:creationId xmlns:a16="http://schemas.microsoft.com/office/drawing/2014/main" id="{BFB1F49E-8562-B94D-B3C0-4CCF930CD205}"/>
+              <a:t>Throwing away program output</a:t>
+            </a:r>
+          </a:p>
+        </p:txBody>
+      </p:sp>
+      <p:sp>
+        <p:nvSpPr>
+          <p:cNvPr id="3" name="Content Placeholder 2">
+            <a:extLst>
+              <a:ext uri="{FF2B5EF4-FFF2-40B4-BE49-F238E27FC236}">
+                <a16:creationId xmlns:a16="http://schemas.microsoft.com/office/drawing/2014/main" id="{BFF0042E-4DFB-D746-A1EE-ACDD03109C75}"/>
               </a:ext>
             </a:extLst>
           </p:cNvPr>
@@ -6230,33 +6624,38 @@
             <p:ph idx="1"/>
           </p:nvPr>
         </p:nvSpPr>
-        <p:spPr>
-          <a:xfrm>
-            <a:off x="838200" y="1825625"/>
-            <a:ext cx="10147002" cy="4351338"/>
-          </a:xfrm>
-        </p:spPr>
+        <p:spPr/>
         <p:txBody>
           <a:bodyPr/>
           <a:lstStyle/>
           <a:p>
             <a:r>
               <a:rPr lang="en-US" dirty="0"/>
-              <a:t>If you want to send the output of multiple commands to a file, you can use the append redirection operator, which looks </a:t>
+              <a:t>file </a:t>
             </a:r>
             <a:r>
               <a:rPr lang="en-US" b="1" dirty="0"/>
-              <a:t>&gt;&gt;</a:t>
+              <a:t>/dev/null </a:t>
+            </a:r>
+            <a:r>
+              <a:rPr lang="en-US" dirty="0"/>
+              <a:t>is a special “device” that accepts input and does nothing with it</a:t>
+            </a:r>
+          </a:p>
+          <a:p>
+            <a:r>
+              <a:rPr lang="en-US" dirty="0"/>
+              <a:t>It’s a great way to hide all of that debugging output you have in your program</a:t>
             </a:r>
           </a:p>
         </p:txBody>
       </p:sp>
       <p:pic>
         <p:nvPicPr>
-          <p:cNvPr id="8" name="Content Placeholder 4" descr="Text, letter&#10;&#10;Description automatically generated">
-            <a:extLst>
-              <a:ext uri="{FF2B5EF4-FFF2-40B4-BE49-F238E27FC236}">
-                <a16:creationId xmlns:a16="http://schemas.microsoft.com/office/drawing/2014/main" id="{A7EEEAE3-BA9A-B84C-8502-E9505B48F52C}"/>
+          <p:cNvPr id="5" name="Picture 4" descr="Text&#10;&#10;Description automatically generated">
+            <a:extLst>
+              <a:ext uri="{FF2B5EF4-FFF2-40B4-BE49-F238E27FC236}">
+                <a16:creationId xmlns:a16="http://schemas.microsoft.com/office/drawing/2014/main" id="{46A51CC7-86D0-E74C-B8D5-9AC9D6F764F7}"/>
               </a:ext>
             </a:extLst>
           </p:cNvPr>
@@ -6273,122 +6672,18 @@
         </p:blipFill>
         <p:spPr>
           <a:xfrm>
-            <a:off x="2757302" y="2971800"/>
-            <a:ext cx="5540002" cy="3091679"/>
+            <a:off x="2336352" y="3926728"/>
+            <a:ext cx="6963765" cy="1246710"/>
           </a:xfrm>
           <a:prstGeom prst="rect">
             <a:avLst/>
           </a:prstGeom>
         </p:spPr>
       </p:pic>
-      <p:sp>
-        <p:nvSpPr>
-          <p:cNvPr id="9" name="Rectangle 8">
-            <a:extLst>
-              <a:ext uri="{FF2B5EF4-FFF2-40B4-BE49-F238E27FC236}">
-                <a16:creationId xmlns:a16="http://schemas.microsoft.com/office/drawing/2014/main" id="{49B45D61-5087-494D-861E-BA2DBFFA6000}"/>
-              </a:ext>
-            </a:extLst>
-          </p:cNvPr>
-          <p:cNvSpPr/>
-          <p:nvPr/>
-        </p:nvSpPr>
-        <p:spPr>
-          <a:xfrm>
-            <a:off x="5063135" y="3429000"/>
-            <a:ext cx="388019" cy="312873"/>
-          </a:xfrm>
-          <a:prstGeom prst="rect">
-            <a:avLst/>
-          </a:prstGeom>
-          <a:noFill/>
-          <a:ln>
-            <a:solidFill>
-              <a:srgbClr val="E4754F"/>
-            </a:solidFill>
-          </a:ln>
-        </p:spPr>
-        <p:style>
-          <a:lnRef idx="2">
-            <a:schemeClr val="accent1">
-              <a:shade val="50000"/>
-            </a:schemeClr>
-          </a:lnRef>
-          <a:fillRef idx="1">
-            <a:schemeClr val="accent1"/>
-          </a:fillRef>
-          <a:effectRef idx="0">
-            <a:schemeClr val="accent1"/>
-          </a:effectRef>
-          <a:fontRef idx="minor">
-            <a:schemeClr val="lt1"/>
-          </a:fontRef>
-        </p:style>
-        <p:txBody>
-          <a:bodyPr rtlCol="0" anchor="ctr"/>
-          <a:lstStyle/>
-          <a:p>
-            <a:pPr algn="ctr"/>
-            <a:endParaRPr lang="en-US"/>
-          </a:p>
-        </p:txBody>
-      </p:sp>
-      <p:sp>
-        <p:nvSpPr>
-          <p:cNvPr id="11" name="Rectangle 10">
-            <a:extLst>
-              <a:ext uri="{FF2B5EF4-FFF2-40B4-BE49-F238E27FC236}">
-                <a16:creationId xmlns:a16="http://schemas.microsoft.com/office/drawing/2014/main" id="{78A83322-C101-8F40-BFC5-56C3A89D72BA}"/>
-              </a:ext>
-            </a:extLst>
-          </p:cNvPr>
-          <p:cNvSpPr/>
-          <p:nvPr/>
-        </p:nvSpPr>
-        <p:spPr>
-          <a:xfrm>
-            <a:off x="5063134" y="3791568"/>
-            <a:ext cx="388019" cy="312873"/>
-          </a:xfrm>
-          <a:prstGeom prst="rect">
-            <a:avLst/>
-          </a:prstGeom>
-          <a:noFill/>
-          <a:ln>
-            <a:solidFill>
-              <a:srgbClr val="E4754F"/>
-            </a:solidFill>
-          </a:ln>
-        </p:spPr>
-        <p:style>
-          <a:lnRef idx="2">
-            <a:schemeClr val="accent1">
-              <a:shade val="50000"/>
-            </a:schemeClr>
-          </a:lnRef>
-          <a:fillRef idx="1">
-            <a:schemeClr val="accent1"/>
-          </a:fillRef>
-          <a:effectRef idx="0">
-            <a:schemeClr val="accent1"/>
-          </a:effectRef>
-          <a:fontRef idx="minor">
-            <a:schemeClr val="lt1"/>
-          </a:fontRef>
-        </p:style>
-        <p:txBody>
-          <a:bodyPr rtlCol="0" anchor="ctr"/>
-          <a:lstStyle/>
-          <a:p>
-            <a:pPr algn="ctr"/>
-            <a:endParaRPr lang="en-US"/>
-          </a:p>
-        </p:txBody>
-      </p:sp>
     </p:spTree>
     <p:extLst>
       <p:ext uri="{BB962C8B-B14F-4D97-AF65-F5344CB8AC3E}">
-        <p14:creationId xmlns:p14="http://schemas.microsoft.com/office/powerpoint/2010/main" val="2281535709"/>
+        <p14:creationId xmlns:p14="http://schemas.microsoft.com/office/powerpoint/2010/main" val="1501264057"/>
       </p:ext>
     </p:extLst>
   </p:cSld>

--- a/notes/streams.pptx
+++ b/notes/streams.pptx
@@ -5,10 +5,10 @@
     <p:sldMasterId id="2147483672" r:id="rId1"/>
   </p:sldMasterIdLst>
   <p:notesMasterIdLst>
-    <p:notesMasterId r:id="rId13"/>
+    <p:notesMasterId r:id="rId14"/>
   </p:notesMasterIdLst>
   <p:handoutMasterIdLst>
-    <p:handoutMasterId r:id="rId14"/>
+    <p:handoutMasterId r:id="rId15"/>
   </p:handoutMasterIdLst>
   <p:sldIdLst>
     <p:sldId id="256" r:id="rId2"/>
@@ -18,10 +18,11 @@
     <p:sldId id="290" r:id="rId6"/>
     <p:sldId id="291" r:id="rId7"/>
     <p:sldId id="296" r:id="rId8"/>
-    <p:sldId id="294" r:id="rId9"/>
-    <p:sldId id="293" r:id="rId10"/>
-    <p:sldId id="292" r:id="rId11"/>
-    <p:sldId id="295" r:id="rId12"/>
+    <p:sldId id="298" r:id="rId9"/>
+    <p:sldId id="294" r:id="rId10"/>
+    <p:sldId id="293" r:id="rId11"/>
+    <p:sldId id="292" r:id="rId12"/>
+    <p:sldId id="295" r:id="rId13"/>
   </p:sldIdLst>
   <p:sldSz cx="12192000" cy="6858000"/>
   <p:notesSz cx="9144000" cy="6858000"/>
@@ -216,7 +217,7 @@
           <a:p>
             <a:fld id="{8A1B613A-EFF1-404F-BEE8-EFAE84A4E5E2}" type="datetimeFigureOut">
               <a:rPr lang="en-US" smtClean="0"/>
-              <a:t>8/23/21</a:t>
+              <a:t>8/25/21</a:t>
             </a:fld>
             <a:endParaRPr lang="en-US"/>
           </a:p>
@@ -381,7 +382,7 @@
           <a:p>
             <a:fld id="{690847EA-AC25-3D4E-89E1-FD3F6A9702B6}" type="datetimeFigureOut">
               <a:rPr lang="en-US" smtClean="0"/>
-              <a:t>8/23/21</a:t>
+              <a:t>8/25/21</a:t>
             </a:fld>
             <a:endParaRPr lang="en-US"/>
           </a:p>
@@ -795,7 +796,7 @@
           <a:p>
             <a:fld id="{BE5295ED-3BAF-1140-8495-3D368771D6B1}" type="datetimeFigureOut">
               <a:rPr lang="en-US" smtClean="0"/>
-              <a:t>8/23/21</a:t>
+              <a:t>8/25/21</a:t>
             </a:fld>
             <a:endParaRPr lang="en-US"/>
           </a:p>
@@ -993,7 +994,7 @@
           <a:p>
             <a:fld id="{BE5295ED-3BAF-1140-8495-3D368771D6B1}" type="datetimeFigureOut">
               <a:rPr lang="en-US" smtClean="0"/>
-              <a:t>8/23/21</a:t>
+              <a:t>8/25/21</a:t>
             </a:fld>
             <a:endParaRPr lang="en-US"/>
           </a:p>
@@ -1201,7 +1202,7 @@
           <a:p>
             <a:fld id="{BE5295ED-3BAF-1140-8495-3D368771D6B1}" type="datetimeFigureOut">
               <a:rPr lang="en-US" smtClean="0"/>
-              <a:t>8/23/21</a:t>
+              <a:t>8/25/21</a:t>
             </a:fld>
             <a:endParaRPr lang="en-US"/>
           </a:p>
@@ -1399,7 +1400,7 @@
           <a:p>
             <a:fld id="{BE5295ED-3BAF-1140-8495-3D368771D6B1}" type="datetimeFigureOut">
               <a:rPr lang="en-US" smtClean="0"/>
-              <a:t>8/23/21</a:t>
+              <a:t>8/25/21</a:t>
             </a:fld>
             <a:endParaRPr lang="en-US"/>
           </a:p>
@@ -1674,7 +1675,7 @@
           <a:p>
             <a:fld id="{BE5295ED-3BAF-1140-8495-3D368771D6B1}" type="datetimeFigureOut">
               <a:rPr lang="en-US" smtClean="0"/>
-              <a:t>8/23/21</a:t>
+              <a:t>8/25/21</a:t>
             </a:fld>
             <a:endParaRPr lang="en-US"/>
           </a:p>
@@ -1939,7 +1940,7 @@
           <a:p>
             <a:fld id="{BE5295ED-3BAF-1140-8495-3D368771D6B1}" type="datetimeFigureOut">
               <a:rPr lang="en-US" smtClean="0"/>
-              <a:t>8/23/21</a:t>
+              <a:t>8/25/21</a:t>
             </a:fld>
             <a:endParaRPr lang="en-US"/>
           </a:p>
@@ -2351,7 +2352,7 @@
           <a:p>
             <a:fld id="{BE5295ED-3BAF-1140-8495-3D368771D6B1}" type="datetimeFigureOut">
               <a:rPr lang="en-US" smtClean="0"/>
-              <a:t>8/23/21</a:t>
+              <a:t>8/25/21</a:t>
             </a:fld>
             <a:endParaRPr lang="en-US"/>
           </a:p>
@@ -2492,7 +2493,7 @@
           <a:p>
             <a:fld id="{BE5295ED-3BAF-1140-8495-3D368771D6B1}" type="datetimeFigureOut">
               <a:rPr lang="en-US" smtClean="0"/>
-              <a:t>8/23/21</a:t>
+              <a:t>8/25/21</a:t>
             </a:fld>
             <a:endParaRPr lang="en-US"/>
           </a:p>
@@ -2605,7 +2606,7 @@
           <a:p>
             <a:fld id="{BE5295ED-3BAF-1140-8495-3D368771D6B1}" type="datetimeFigureOut">
               <a:rPr lang="en-US" smtClean="0"/>
-              <a:t>8/23/21</a:t>
+              <a:t>8/25/21</a:t>
             </a:fld>
             <a:endParaRPr lang="en-US"/>
           </a:p>
@@ -2916,7 +2917,7 @@
           <a:p>
             <a:fld id="{BE5295ED-3BAF-1140-8495-3D368771D6B1}" type="datetimeFigureOut">
               <a:rPr lang="en-US" smtClean="0"/>
-              <a:t>8/23/21</a:t>
+              <a:t>8/25/21</a:t>
             </a:fld>
             <a:endParaRPr lang="en-US"/>
           </a:p>
@@ -3207,7 +3208,7 @@
           <a:p>
             <a:fld id="{BE5295ED-3BAF-1140-8495-3D368771D6B1}" type="datetimeFigureOut">
               <a:rPr lang="en-US" smtClean="0"/>
-              <a:t>8/23/21</a:t>
+              <a:t>8/25/21</a:t>
             </a:fld>
             <a:endParaRPr lang="en-US"/>
           </a:p>
@@ -3448,7 +3449,7 @@
           <a:p>
             <a:fld id="{BE5295ED-3BAF-1140-8495-3D368771D6B1}" type="datetimeFigureOut">
               <a:rPr lang="en-US" smtClean="0"/>
-              <a:t>8/23/21</a:t>
+              <a:t>8/25/21</a:t>
             </a:fld>
             <a:endParaRPr lang="en-US"/>
           </a:p>
@@ -4048,7 +4049,7 @@
           <p:cNvPr id="2" name="Title 1">
             <a:extLst>
               <a:ext uri="{FF2B5EF4-FFF2-40B4-BE49-F238E27FC236}">
-                <a16:creationId xmlns:a16="http://schemas.microsoft.com/office/drawing/2014/main" id="{BA0B1FAE-7E9E-4640-B261-89EEEA90D894}"/>
+                <a16:creationId xmlns:a16="http://schemas.microsoft.com/office/drawing/2014/main" id="{CA4E806D-9B7B-E949-AEEE-A27FCBF34A18}"/>
               </a:ext>
             </a:extLst>
           </p:cNvPr>
@@ -4066,17 +4067,17 @@
           <a:p>
             <a:r>
               <a:rPr lang="en-US" dirty="0"/>
-              <a:t>Appending standard output</a:t>
-            </a:r>
-          </a:p>
-        </p:txBody>
-      </p:sp>
-      <p:sp>
-        <p:nvSpPr>
-          <p:cNvPr id="7" name="Content Placeholder 6">
-            <a:extLst>
-              <a:ext uri="{FF2B5EF4-FFF2-40B4-BE49-F238E27FC236}">
-                <a16:creationId xmlns:a16="http://schemas.microsoft.com/office/drawing/2014/main" id="{BFB1F49E-8562-B94D-B3C0-4CCF930CD205}"/>
+              <a:t>Throwing away program output</a:t>
+            </a:r>
+          </a:p>
+        </p:txBody>
+      </p:sp>
+      <p:sp>
+        <p:nvSpPr>
+          <p:cNvPr id="3" name="Content Placeholder 2">
+            <a:extLst>
+              <a:ext uri="{FF2B5EF4-FFF2-40B4-BE49-F238E27FC236}">
+                <a16:creationId xmlns:a16="http://schemas.microsoft.com/office/drawing/2014/main" id="{BFF0042E-4DFB-D746-A1EE-ACDD03109C75}"/>
               </a:ext>
             </a:extLst>
           </p:cNvPr>
@@ -4087,33 +4088,52 @@
             <p:ph idx="1"/>
           </p:nvPr>
         </p:nvSpPr>
-        <p:spPr>
-          <a:xfrm>
-            <a:off x="838200" y="1825625"/>
-            <a:ext cx="10147002" cy="4351338"/>
-          </a:xfrm>
-        </p:spPr>
+        <p:spPr/>
         <p:txBody>
           <a:bodyPr/>
           <a:lstStyle/>
           <a:p>
             <a:r>
               <a:rPr lang="en-US" dirty="0"/>
-              <a:t>If you want to send the output of multiple commands to a file, you can use the append redirection operator, which looks </a:t>
+              <a:t>file </a:t>
             </a:r>
             <a:r>
               <a:rPr lang="en-US" b="1" dirty="0"/>
-              <a:t>&gt;&gt;</a:t>
+              <a:t>/dev/null </a:t>
+            </a:r>
+            <a:r>
+              <a:rPr lang="en-US" dirty="0"/>
+              <a:t>is a special “device” that accepts input and does nothing with it</a:t>
+            </a:r>
+          </a:p>
+          <a:p>
+            <a:r>
+              <a:rPr lang="en-US" dirty="0"/>
+              <a:t>(This is what happens when </a:t>
+            </a:r>
+            <a:r>
+              <a:rPr lang="en-US"/>
+              <a:t>I talk </a:t>
+            </a:r>
+            <a:r>
+              <a:rPr lang="en-US" dirty="0"/>
+              <a:t>to my cat Bonkers)</a:t>
+            </a:r>
+          </a:p>
+          <a:p>
+            <a:r>
+              <a:rPr lang="en-US" dirty="0"/>
+              <a:t>It’s a great way to hide all of that debugging output you have in your program</a:t>
             </a:r>
           </a:p>
         </p:txBody>
       </p:sp>
       <p:pic>
         <p:nvPicPr>
-          <p:cNvPr id="8" name="Content Placeholder 4" descr="Text, letter&#10;&#10;Description automatically generated">
-            <a:extLst>
-              <a:ext uri="{FF2B5EF4-FFF2-40B4-BE49-F238E27FC236}">
-                <a16:creationId xmlns:a16="http://schemas.microsoft.com/office/drawing/2014/main" id="{A7EEEAE3-BA9A-B84C-8502-E9505B48F52C}"/>
+          <p:cNvPr id="5" name="Picture 4" descr="Text&#10;&#10;Description automatically generated">
+            <a:extLst>
+              <a:ext uri="{FF2B5EF4-FFF2-40B4-BE49-F238E27FC236}">
+                <a16:creationId xmlns:a16="http://schemas.microsoft.com/office/drawing/2014/main" id="{46A51CC7-86D0-E74C-B8D5-9AC9D6F764F7}"/>
               </a:ext>
             </a:extLst>
           </p:cNvPr>
@@ -4130,122 +4150,18 @@
         </p:blipFill>
         <p:spPr>
           <a:xfrm>
-            <a:off x="2757302" y="2971800"/>
-            <a:ext cx="5540002" cy="3091679"/>
+            <a:off x="2260938" y="4275519"/>
+            <a:ext cx="6963765" cy="1246710"/>
           </a:xfrm>
           <a:prstGeom prst="rect">
             <a:avLst/>
           </a:prstGeom>
         </p:spPr>
       </p:pic>
-      <p:sp>
-        <p:nvSpPr>
-          <p:cNvPr id="9" name="Rectangle 8">
-            <a:extLst>
-              <a:ext uri="{FF2B5EF4-FFF2-40B4-BE49-F238E27FC236}">
-                <a16:creationId xmlns:a16="http://schemas.microsoft.com/office/drawing/2014/main" id="{49B45D61-5087-494D-861E-BA2DBFFA6000}"/>
-              </a:ext>
-            </a:extLst>
-          </p:cNvPr>
-          <p:cNvSpPr/>
-          <p:nvPr/>
-        </p:nvSpPr>
-        <p:spPr>
-          <a:xfrm>
-            <a:off x="5063135" y="3429000"/>
-            <a:ext cx="388019" cy="312873"/>
-          </a:xfrm>
-          <a:prstGeom prst="rect">
-            <a:avLst/>
-          </a:prstGeom>
-          <a:noFill/>
-          <a:ln>
-            <a:solidFill>
-              <a:srgbClr val="E4754F"/>
-            </a:solidFill>
-          </a:ln>
-        </p:spPr>
-        <p:style>
-          <a:lnRef idx="2">
-            <a:schemeClr val="accent1">
-              <a:shade val="50000"/>
-            </a:schemeClr>
-          </a:lnRef>
-          <a:fillRef idx="1">
-            <a:schemeClr val="accent1"/>
-          </a:fillRef>
-          <a:effectRef idx="0">
-            <a:schemeClr val="accent1"/>
-          </a:effectRef>
-          <a:fontRef idx="minor">
-            <a:schemeClr val="lt1"/>
-          </a:fontRef>
-        </p:style>
-        <p:txBody>
-          <a:bodyPr rtlCol="0" anchor="ctr"/>
-          <a:lstStyle/>
-          <a:p>
-            <a:pPr algn="ctr"/>
-            <a:endParaRPr lang="en-US"/>
-          </a:p>
-        </p:txBody>
-      </p:sp>
-      <p:sp>
-        <p:nvSpPr>
-          <p:cNvPr id="11" name="Rectangle 10">
-            <a:extLst>
-              <a:ext uri="{FF2B5EF4-FFF2-40B4-BE49-F238E27FC236}">
-                <a16:creationId xmlns:a16="http://schemas.microsoft.com/office/drawing/2014/main" id="{78A83322-C101-8F40-BFC5-56C3A89D72BA}"/>
-              </a:ext>
-            </a:extLst>
-          </p:cNvPr>
-          <p:cNvSpPr/>
-          <p:nvPr/>
-        </p:nvSpPr>
-        <p:spPr>
-          <a:xfrm>
-            <a:off x="5063134" y="3791568"/>
-            <a:ext cx="388019" cy="312873"/>
-          </a:xfrm>
-          <a:prstGeom prst="rect">
-            <a:avLst/>
-          </a:prstGeom>
-          <a:noFill/>
-          <a:ln>
-            <a:solidFill>
-              <a:srgbClr val="E4754F"/>
-            </a:solidFill>
-          </a:ln>
-        </p:spPr>
-        <p:style>
-          <a:lnRef idx="2">
-            <a:schemeClr val="accent1">
-              <a:shade val="50000"/>
-            </a:schemeClr>
-          </a:lnRef>
-          <a:fillRef idx="1">
-            <a:schemeClr val="accent1"/>
-          </a:fillRef>
-          <a:effectRef idx="0">
-            <a:schemeClr val="accent1"/>
-          </a:effectRef>
-          <a:fontRef idx="minor">
-            <a:schemeClr val="lt1"/>
-          </a:fontRef>
-        </p:style>
-        <p:txBody>
-          <a:bodyPr rtlCol="0" anchor="ctr"/>
-          <a:lstStyle/>
-          <a:p>
-            <a:pPr algn="ctr"/>
-            <a:endParaRPr lang="en-US"/>
-          </a:p>
-        </p:txBody>
-      </p:sp>
     </p:spTree>
     <p:extLst>
       <p:ext uri="{BB962C8B-B14F-4D97-AF65-F5344CB8AC3E}">
-        <p14:creationId xmlns:p14="http://schemas.microsoft.com/office/powerpoint/2010/main" val="2281535709"/>
+        <p14:creationId xmlns:p14="http://schemas.microsoft.com/office/powerpoint/2010/main" val="1501264057"/>
       </p:ext>
     </p:extLst>
   </p:cSld>
@@ -4277,6 +4193,235 @@
           <p:cNvPr id="2" name="Title 1">
             <a:extLst>
               <a:ext uri="{FF2B5EF4-FFF2-40B4-BE49-F238E27FC236}">
+                <a16:creationId xmlns:a16="http://schemas.microsoft.com/office/drawing/2014/main" id="{BA0B1FAE-7E9E-4640-B261-89EEEA90D894}"/>
+              </a:ext>
+            </a:extLst>
+          </p:cNvPr>
+          <p:cNvSpPr>
+            <a:spLocks noGrp="1"/>
+          </p:cNvSpPr>
+          <p:nvPr>
+            <p:ph type="title"/>
+          </p:nvPr>
+        </p:nvSpPr>
+        <p:spPr/>
+        <p:txBody>
+          <a:bodyPr/>
+          <a:lstStyle/>
+          <a:p>
+            <a:r>
+              <a:rPr lang="en-US" dirty="0"/>
+              <a:t>Appending standard output</a:t>
+            </a:r>
+          </a:p>
+        </p:txBody>
+      </p:sp>
+      <p:sp>
+        <p:nvSpPr>
+          <p:cNvPr id="7" name="Content Placeholder 6">
+            <a:extLst>
+              <a:ext uri="{FF2B5EF4-FFF2-40B4-BE49-F238E27FC236}">
+                <a16:creationId xmlns:a16="http://schemas.microsoft.com/office/drawing/2014/main" id="{BFB1F49E-8562-B94D-B3C0-4CCF930CD205}"/>
+              </a:ext>
+            </a:extLst>
+          </p:cNvPr>
+          <p:cNvSpPr>
+            <a:spLocks noGrp="1"/>
+          </p:cNvSpPr>
+          <p:nvPr>
+            <p:ph idx="1"/>
+          </p:nvPr>
+        </p:nvSpPr>
+        <p:spPr>
+          <a:xfrm>
+            <a:off x="838200" y="1825625"/>
+            <a:ext cx="10147002" cy="4351338"/>
+          </a:xfrm>
+        </p:spPr>
+        <p:txBody>
+          <a:bodyPr/>
+          <a:lstStyle/>
+          <a:p>
+            <a:r>
+              <a:rPr lang="en-US" dirty="0"/>
+              <a:t>If you want to send the output of multiple commands to a file, you can use the append redirection operator, which looks </a:t>
+            </a:r>
+            <a:r>
+              <a:rPr lang="en-US" b="1" dirty="0"/>
+              <a:t>&gt;&gt;</a:t>
+            </a:r>
+          </a:p>
+        </p:txBody>
+      </p:sp>
+      <p:pic>
+        <p:nvPicPr>
+          <p:cNvPr id="8" name="Content Placeholder 4" descr="Text, letter&#10;&#10;Description automatically generated">
+            <a:extLst>
+              <a:ext uri="{FF2B5EF4-FFF2-40B4-BE49-F238E27FC236}">
+                <a16:creationId xmlns:a16="http://schemas.microsoft.com/office/drawing/2014/main" id="{A7EEEAE3-BA9A-B84C-8502-E9505B48F52C}"/>
+              </a:ext>
+            </a:extLst>
+          </p:cNvPr>
+          <p:cNvPicPr>
+            <a:picLocks noChangeAspect="1"/>
+          </p:cNvPicPr>
+          <p:nvPr/>
+        </p:nvPicPr>
+        <p:blipFill>
+          <a:blip r:embed="rId2"/>
+          <a:stretch>
+            <a:fillRect/>
+          </a:stretch>
+        </p:blipFill>
+        <p:spPr>
+          <a:xfrm>
+            <a:off x="2757302" y="2971800"/>
+            <a:ext cx="5540002" cy="3091679"/>
+          </a:xfrm>
+          <a:prstGeom prst="rect">
+            <a:avLst/>
+          </a:prstGeom>
+        </p:spPr>
+      </p:pic>
+      <p:sp>
+        <p:nvSpPr>
+          <p:cNvPr id="9" name="Rectangle 8">
+            <a:extLst>
+              <a:ext uri="{FF2B5EF4-FFF2-40B4-BE49-F238E27FC236}">
+                <a16:creationId xmlns:a16="http://schemas.microsoft.com/office/drawing/2014/main" id="{49B45D61-5087-494D-861E-BA2DBFFA6000}"/>
+              </a:ext>
+            </a:extLst>
+          </p:cNvPr>
+          <p:cNvSpPr/>
+          <p:nvPr/>
+        </p:nvSpPr>
+        <p:spPr>
+          <a:xfrm>
+            <a:off x="5063135" y="3429000"/>
+            <a:ext cx="388019" cy="312873"/>
+          </a:xfrm>
+          <a:prstGeom prst="rect">
+            <a:avLst/>
+          </a:prstGeom>
+          <a:noFill/>
+          <a:ln>
+            <a:solidFill>
+              <a:srgbClr val="E4754F"/>
+            </a:solidFill>
+          </a:ln>
+        </p:spPr>
+        <p:style>
+          <a:lnRef idx="2">
+            <a:schemeClr val="accent1">
+              <a:shade val="50000"/>
+            </a:schemeClr>
+          </a:lnRef>
+          <a:fillRef idx="1">
+            <a:schemeClr val="accent1"/>
+          </a:fillRef>
+          <a:effectRef idx="0">
+            <a:schemeClr val="accent1"/>
+          </a:effectRef>
+          <a:fontRef idx="minor">
+            <a:schemeClr val="lt1"/>
+          </a:fontRef>
+        </p:style>
+        <p:txBody>
+          <a:bodyPr rtlCol="0" anchor="ctr"/>
+          <a:lstStyle/>
+          <a:p>
+            <a:pPr algn="ctr"/>
+            <a:endParaRPr lang="en-US"/>
+          </a:p>
+        </p:txBody>
+      </p:sp>
+      <p:sp>
+        <p:nvSpPr>
+          <p:cNvPr id="11" name="Rectangle 10">
+            <a:extLst>
+              <a:ext uri="{FF2B5EF4-FFF2-40B4-BE49-F238E27FC236}">
+                <a16:creationId xmlns:a16="http://schemas.microsoft.com/office/drawing/2014/main" id="{78A83322-C101-8F40-BFC5-56C3A89D72BA}"/>
+              </a:ext>
+            </a:extLst>
+          </p:cNvPr>
+          <p:cNvSpPr/>
+          <p:nvPr/>
+        </p:nvSpPr>
+        <p:spPr>
+          <a:xfrm>
+            <a:off x="5063134" y="3791568"/>
+            <a:ext cx="388019" cy="312873"/>
+          </a:xfrm>
+          <a:prstGeom prst="rect">
+            <a:avLst/>
+          </a:prstGeom>
+          <a:noFill/>
+          <a:ln>
+            <a:solidFill>
+              <a:srgbClr val="E4754F"/>
+            </a:solidFill>
+          </a:ln>
+        </p:spPr>
+        <p:style>
+          <a:lnRef idx="2">
+            <a:schemeClr val="accent1">
+              <a:shade val="50000"/>
+            </a:schemeClr>
+          </a:lnRef>
+          <a:fillRef idx="1">
+            <a:schemeClr val="accent1"/>
+          </a:fillRef>
+          <a:effectRef idx="0">
+            <a:schemeClr val="accent1"/>
+          </a:effectRef>
+          <a:fontRef idx="minor">
+            <a:schemeClr val="lt1"/>
+          </a:fontRef>
+        </p:style>
+        <p:txBody>
+          <a:bodyPr rtlCol="0" anchor="ctr"/>
+          <a:lstStyle/>
+          <a:p>
+            <a:pPr algn="ctr"/>
+            <a:endParaRPr lang="en-US"/>
+          </a:p>
+        </p:txBody>
+      </p:sp>
+    </p:spTree>
+    <p:extLst>
+      <p:ext uri="{BB962C8B-B14F-4D97-AF65-F5344CB8AC3E}">
+        <p14:creationId xmlns:p14="http://schemas.microsoft.com/office/powerpoint/2010/main" val="2281535709"/>
+      </p:ext>
+    </p:extLst>
+  </p:cSld>
+  <p:clrMapOvr>
+    <a:masterClrMapping/>
+  </p:clrMapOvr>
+</p:sld>
+</file>
+
+<file path=ppt/slides/slide12.xml><?xml version="1.0" encoding="utf-8"?>
+<p:sld xmlns:a="http://schemas.openxmlformats.org/drawingml/2006/main" xmlns:r="http://schemas.openxmlformats.org/officeDocument/2006/relationships" xmlns:p="http://schemas.openxmlformats.org/presentationml/2006/main">
+  <p:cSld>
+    <p:spTree>
+      <p:nvGrpSpPr>
+        <p:cNvPr id="1" name=""/>
+        <p:cNvGrpSpPr/>
+        <p:nvPr/>
+      </p:nvGrpSpPr>
+      <p:grpSpPr>
+        <a:xfrm>
+          <a:off x="0" y="0"/>
+          <a:ext cx="0" cy="0"/>
+          <a:chOff x="0" y="0"/>
+          <a:chExt cx="0" cy="0"/>
+        </a:xfrm>
+      </p:grpSpPr>
+      <p:sp>
+        <p:nvSpPr>
+          <p:cNvPr id="2" name="Title 1">
+            <a:extLst>
+              <a:ext uri="{FF2B5EF4-FFF2-40B4-BE49-F238E27FC236}">
                 <a16:creationId xmlns:a16="http://schemas.microsoft.com/office/drawing/2014/main" id="{C34B370F-CEC6-1648-9F11-2FE9245A2FA1}"/>
               </a:ext>
             </a:extLst>
@@ -4323,7 +4468,7 @@
           <a:p>
             <a:r>
               <a:rPr lang="en-US" dirty="0"/>
-              <a:t>pipe “|” hooks output of one process to input of another</a:t>
+              <a:t>pipe “|” hooks output of one process to input of another:</a:t>
             </a:r>
             <a:br>
               <a:rPr lang="en-US" dirty="0"/>
@@ -4377,22 +4522,14 @@
           <a:p>
             <a:r>
               <a:rPr lang="en-US" dirty="0"/>
-              <a:t>Redirect to first program then pipes then </a:t>
-            </a:r>
-            <a:r>
-              <a:rPr lang="en-US"/>
-              <a:t>redirect:</a:t>
+              <a:t>Redirect to first program then pipes then redirect:</a:t>
             </a:r>
             <a:br>
-              <a:rPr lang="en-US"/>
+              <a:rPr lang="en-US" dirty="0"/>
             </a:br>
             <a:r>
-              <a:rPr lang="en-US" b="1"/>
-              <a:t>a </a:t>
-            </a:r>
-            <a:r>
               <a:rPr lang="en-US" b="1" dirty="0"/>
-              <a:t>&lt; </a:t>
+              <a:t>a &lt; </a:t>
             </a:r>
             <a:r>
               <a:rPr lang="en-US" b="1" dirty="0" err="1"/>
@@ -4461,19 +4598,21 @@
         </p:nvSpPr>
         <p:spPr/>
         <p:txBody>
-          <a:bodyPr/>
+          <a:bodyPr>
+            <a:normAutofit/>
+          </a:bodyPr>
           <a:lstStyle/>
           <a:p>
             <a:r>
               <a:rPr lang="en-US" dirty="0"/>
-              <a:t>Streams are a unifying concept</a:t>
+              <a:t>Streams are a unifying</a:t>
             </a:r>
             <a:br>
               <a:rPr lang="en-US" dirty="0"/>
             </a:br>
             <a:r>
               <a:rPr lang="en-US" dirty="0"/>
-              <a:t>in UNIX</a:t>
+              <a:t>concept in UNIX</a:t>
             </a:r>
           </a:p>
         </p:txBody>
@@ -4891,7 +5030,7 @@
         </p:blipFill>
         <p:spPr>
           <a:xfrm>
-            <a:off x="8828913" y="230188"/>
+            <a:off x="7800924" y="517665"/>
             <a:ext cx="3363087" cy="923925"/>
           </a:xfrm>
           <a:prstGeom prst="rect">
@@ -4899,6 +5038,50 @@
           </a:prstGeom>
         </p:spPr>
       </p:pic>
+      <p:cxnSp>
+        <p:nvCxnSpPr>
+          <p:cNvPr id="13" name="Straight Arrow Connector 12">
+            <a:extLst>
+              <a:ext uri="{FF2B5EF4-FFF2-40B4-BE49-F238E27FC236}">
+                <a16:creationId xmlns:a16="http://schemas.microsoft.com/office/drawing/2014/main" id="{9C82EA05-20B9-EF4E-A727-264649579605}"/>
+              </a:ext>
+            </a:extLst>
+          </p:cNvPr>
+          <p:cNvCxnSpPr>
+            <a:cxnSpLocks/>
+          </p:cNvCxnSpPr>
+          <p:nvPr/>
+        </p:nvCxnSpPr>
+        <p:spPr>
+          <a:xfrm flipH="1">
+            <a:off x="6947556" y="3802637"/>
+            <a:ext cx="631554" cy="1187605"/>
+          </a:xfrm>
+          <a:prstGeom prst="straightConnector1">
+            <a:avLst/>
+          </a:prstGeom>
+          <a:ln w="12700">
+            <a:solidFill>
+              <a:srgbClr val="E4754F"/>
+            </a:solidFill>
+            <a:tailEnd type="triangle"/>
+          </a:ln>
+        </p:spPr>
+        <p:style>
+          <a:lnRef idx="1">
+            <a:schemeClr val="accent1"/>
+          </a:lnRef>
+          <a:fillRef idx="0">
+            <a:schemeClr val="accent1"/>
+          </a:fillRef>
+          <a:effectRef idx="0">
+            <a:schemeClr val="accent1"/>
+          </a:effectRef>
+          <a:fontRef idx="minor">
+            <a:schemeClr val="tx1"/>
+          </a:fontRef>
+        </p:style>
+      </p:cxnSp>
     </p:spTree>
     <p:extLst>
       <p:ext uri="{BB962C8B-B14F-4D97-AF65-F5344CB8AC3E}">
@@ -5011,7 +5194,7 @@
           <a:p>
             <a:r>
               <a:rPr lang="en-US" dirty="0"/>
-              <a:t>Here’s an example piping the output of </a:t>
+              <a:t>Examples to right pipe the output of </a:t>
             </a:r>
             <a:r>
               <a:rPr lang="en-US" b="1" dirty="0"/>
@@ -5033,10 +5216,7 @@
               <a:rPr lang="en-US" b="1" dirty="0" err="1"/>
               <a:t>wc</a:t>
             </a:r>
-            <a:r>
-              <a:rPr lang="en-US" dirty="0"/>
-              <a:t>:</a:t>
-            </a:r>
+            <a:endParaRPr lang="en-US" dirty="0"/>
           </a:p>
         </p:txBody>
       </p:sp>
@@ -5590,8 +5770,38 @@
         </p:blipFill>
         <p:spPr>
           <a:xfrm>
-            <a:off x="6402070" y="4140200"/>
+            <a:off x="6846413" y="5177632"/>
             <a:ext cx="2451100" cy="635000"/>
+          </a:xfrm>
+          <a:prstGeom prst="rect">
+            <a:avLst/>
+          </a:prstGeom>
+        </p:spPr>
+      </p:pic>
+      <p:pic>
+        <p:nvPicPr>
+          <p:cNvPr id="4" name="Picture 3">
+            <a:extLst>
+              <a:ext uri="{FF2B5EF4-FFF2-40B4-BE49-F238E27FC236}">
+                <a16:creationId xmlns:a16="http://schemas.microsoft.com/office/drawing/2014/main" id="{79C1E3AA-A2E9-1E4B-BD5B-0F8AAA909B48}"/>
+              </a:ext>
+            </a:extLst>
+          </p:cNvPr>
+          <p:cNvPicPr>
+            <a:picLocks noChangeAspect="1"/>
+          </p:cNvPicPr>
+          <p:nvPr/>
+        </p:nvPicPr>
+        <p:blipFill>
+          <a:blip r:embed="rId4"/>
+          <a:stretch>
+            <a:fillRect/>
+          </a:stretch>
+        </p:blipFill>
+        <p:spPr>
+          <a:xfrm>
+            <a:off x="6846413" y="2870593"/>
+            <a:ext cx="1727200" cy="635000"/>
           </a:xfrm>
           <a:prstGeom prst="rect">
             <a:avLst/>
@@ -5675,7 +5885,7 @@
         <p:spPr>
           <a:xfrm>
             <a:off x="838199" y="1825625"/>
-            <a:ext cx="4124094" cy="4351338"/>
+            <a:ext cx="4450238" cy="4351338"/>
           </a:xfrm>
         </p:spPr>
         <p:txBody>
@@ -5684,7 +5894,7 @@
           <a:p>
             <a:r>
               <a:rPr lang="en-US" dirty="0"/>
-              <a:t>Pipes connect process input/output</a:t>
+              <a:t>Pipes connect the input/output of processes</a:t>
             </a:r>
           </a:p>
           <a:p>
@@ -6183,7 +6393,7 @@
           <p:cNvPr id="2" name="Title 1">
             <a:extLst>
               <a:ext uri="{FF2B5EF4-FFF2-40B4-BE49-F238E27FC236}">
-                <a16:creationId xmlns:a16="http://schemas.microsoft.com/office/drawing/2014/main" id="{1F2B52D8-6B24-D445-B4BE-A8E906F59C81}"/>
+                <a16:creationId xmlns:a16="http://schemas.microsoft.com/office/drawing/2014/main" id="{C48B509E-3B32-DC4B-863F-B15D98B6466C}"/>
               </a:ext>
             </a:extLst>
           </p:cNvPr>
@@ -6201,17 +6411,17 @@
           <a:p>
             <a:r>
               <a:rPr lang="en-US" dirty="0"/>
-              <a:t>Redirecting standard input</a:t>
-            </a:r>
-          </a:p>
-        </p:txBody>
-      </p:sp>
-      <p:sp>
-        <p:nvSpPr>
-          <p:cNvPr id="3" name="Content Placeholder 2">
-            <a:extLst>
-              <a:ext uri="{FF2B5EF4-FFF2-40B4-BE49-F238E27FC236}">
-                <a16:creationId xmlns:a16="http://schemas.microsoft.com/office/drawing/2014/main" id="{896AA5F3-AAAF-1D48-BC06-4FBF9F6CCD79}"/>
+              <a:t>Redirecting Python output</a:t>
+            </a:r>
+          </a:p>
+        </p:txBody>
+      </p:sp>
+      <p:sp>
+        <p:nvSpPr>
+          <p:cNvPr id="7" name="Content Placeholder 6">
+            <a:extLst>
+              <a:ext uri="{FF2B5EF4-FFF2-40B4-BE49-F238E27FC236}">
+                <a16:creationId xmlns:a16="http://schemas.microsoft.com/office/drawing/2014/main" id="{899479D5-ACAD-D04B-A2F4-DA73612BA411}"/>
               </a:ext>
             </a:extLst>
           </p:cNvPr>
@@ -6222,75 +6432,32 @@
             <p:ph idx="1"/>
           </p:nvPr>
         </p:nvSpPr>
-        <p:spPr>
-          <a:xfrm>
-            <a:off x="838200" y="1825625"/>
-            <a:ext cx="5863683" cy="4351338"/>
-          </a:xfrm>
-        </p:spPr>
+        <p:spPr/>
         <p:txBody>
           <a:bodyPr/>
           <a:lstStyle/>
           <a:p>
             <a:r>
               <a:rPr lang="en-US" dirty="0"/>
-              <a:t>Less common but still useful</a:t>
-            </a:r>
-          </a:p>
-          <a:p>
+              <a:t>The </a:t>
+            </a:r>
+            <a:r>
+              <a:rPr lang="en-US" b="1" dirty="0"/>
+              <a:t>print()</a:t>
+            </a:r>
             <a:r>
               <a:rPr lang="en-US" dirty="0"/>
-              <a:t>Many commands take both </a:t>
-            </a:r>
-            <a:r>
-              <a:rPr lang="en-US" dirty="0" err="1"/>
-              <a:t>commandline</a:t>
-            </a:r>
-            <a:r>
-              <a:rPr lang="en-US" dirty="0"/>
-              <a:t> arguments and redirection: </a:t>
-            </a:r>
-            <a:r>
-              <a:rPr lang="en-US" b="1" dirty="0"/>
-              <a:t>sort</a:t>
-            </a:r>
-            <a:r>
-              <a:rPr lang="en-US" dirty="0"/>
-              <a:t>, </a:t>
-            </a:r>
-            <a:r>
-              <a:rPr lang="en-US" b="1" dirty="0"/>
-              <a:t>cat</a:t>
-            </a:r>
-            <a:r>
-              <a:rPr lang="en-US" dirty="0"/>
-              <a:t>, </a:t>
-            </a:r>
-            <a:r>
-              <a:rPr lang="en-US" b="1" dirty="0" err="1"/>
-              <a:t>wc</a:t>
-            </a:r>
-            <a:r>
-              <a:rPr lang="en-US" dirty="0"/>
-              <a:t> </a:t>
-            </a:r>
-            <a:r>
-              <a:rPr lang="en-US" dirty="0" err="1"/>
-              <a:t>etc</a:t>
-            </a:r>
-            <a:r>
-              <a:rPr lang="en-US" dirty="0"/>
-              <a:t>…</a:t>
+              <a:t> function in Python generate standard output, which we can redirect or pipe to another process</a:t>
             </a:r>
           </a:p>
         </p:txBody>
       </p:sp>
       <p:pic>
         <p:nvPicPr>
-          <p:cNvPr id="5" name="Picture 4" descr="Text&#10;&#10;Description automatically generated">
-            <a:extLst>
-              <a:ext uri="{FF2B5EF4-FFF2-40B4-BE49-F238E27FC236}">
-                <a16:creationId xmlns:a16="http://schemas.microsoft.com/office/drawing/2014/main" id="{2F21F29C-EE4F-D149-A1DB-BF8088B6D8ED}"/>
+          <p:cNvPr id="8" name="Content Placeholder 4" descr="Text, letter&#10;&#10;Description automatically generated">
+            <a:extLst>
+              <a:ext uri="{FF2B5EF4-FFF2-40B4-BE49-F238E27FC236}">
+                <a16:creationId xmlns:a16="http://schemas.microsoft.com/office/drawing/2014/main" id="{A609F3FA-3ED0-0046-928B-08847715D7A1}"/>
               </a:ext>
             </a:extLst>
           </p:cNvPr>
@@ -6307,99 +6474,50 @@
         </p:blipFill>
         <p:spPr>
           <a:xfrm>
-            <a:off x="7953637" y="937268"/>
-            <a:ext cx="3487514" cy="5379047"/>
+            <a:off x="1720259" y="2806699"/>
+            <a:ext cx="3157587" cy="3961337"/>
           </a:xfrm>
           <a:prstGeom prst="rect">
             <a:avLst/>
           </a:prstGeom>
         </p:spPr>
       </p:pic>
-      <p:cxnSp>
-        <p:nvCxnSpPr>
-          <p:cNvPr id="6" name="Straight Arrow Connector 5">
-            <a:extLst>
-              <a:ext uri="{FF2B5EF4-FFF2-40B4-BE49-F238E27FC236}">
-                <a16:creationId xmlns:a16="http://schemas.microsoft.com/office/drawing/2014/main" id="{B7A50B9A-70C9-694B-9D24-0E9F052F30B2}"/>
-              </a:ext>
-            </a:extLst>
-          </p:cNvPr>
-          <p:cNvCxnSpPr>
-            <a:cxnSpLocks/>
-          </p:cNvCxnSpPr>
+      <p:pic>
+        <p:nvPicPr>
+          <p:cNvPr id="10" name="Picture 9" descr="Text&#10;&#10;Description automatically generated">
+            <a:extLst>
+              <a:ext uri="{FF2B5EF4-FFF2-40B4-BE49-F238E27FC236}">
+                <a16:creationId xmlns:a16="http://schemas.microsoft.com/office/drawing/2014/main" id="{583ED8EB-70AF-0E48-84C1-AB750321007B}"/>
+              </a:ext>
+            </a:extLst>
+          </p:cNvPr>
+          <p:cNvPicPr>
+            <a:picLocks noChangeAspect="1"/>
+          </p:cNvPicPr>
           <p:nvPr/>
-        </p:nvCxnSpPr>
-        <p:spPr>
-          <a:xfrm flipV="1">
-            <a:off x="6590371" y="2207941"/>
-            <a:ext cx="1363266" cy="2061671"/>
-          </a:xfrm>
-          <a:prstGeom prst="straightConnector1">
-            <a:avLst/>
-          </a:prstGeom>
-          <a:ln w="12700">
-            <a:solidFill>
-              <a:srgbClr val="E4754F"/>
-            </a:solidFill>
-            <a:tailEnd type="triangle"/>
-          </a:ln>
-        </p:spPr>
-        <p:style>
-          <a:lnRef idx="1">
-            <a:schemeClr val="accent1"/>
-          </a:lnRef>
-          <a:fillRef idx="0">
-            <a:schemeClr val="accent1"/>
-          </a:fillRef>
-          <a:effectRef idx="0">
-            <a:schemeClr val="accent1"/>
-          </a:effectRef>
-          <a:fontRef idx="minor">
-            <a:schemeClr val="tx1"/>
-          </a:fontRef>
-        </p:style>
-      </p:cxnSp>
-      <p:sp>
-        <p:nvSpPr>
-          <p:cNvPr id="7" name="TextBox 6">
-            <a:extLst>
-              <a:ext uri="{FF2B5EF4-FFF2-40B4-BE49-F238E27FC236}">
-                <a16:creationId xmlns:a16="http://schemas.microsoft.com/office/drawing/2014/main" id="{E498F361-5D16-3442-9203-DCFFD6500A0B}"/>
-              </a:ext>
-            </a:extLst>
-          </p:cNvPr>
-          <p:cNvSpPr txBox="1"/>
-          <p:nvPr/>
-        </p:nvSpPr>
-        <p:spPr>
-          <a:xfrm>
-            <a:off x="5900433" y="4269612"/>
-            <a:ext cx="1164624" cy="646331"/>
+        </p:nvPicPr>
+        <p:blipFill>
+          <a:blip r:embed="rId3"/>
+          <a:stretch>
+            <a:fillRect/>
+          </a:stretch>
+        </p:blipFill>
+        <p:spPr>
+          <a:xfrm>
+            <a:off x="6433664" y="2806700"/>
+            <a:ext cx="3817810" cy="2396896"/>
           </a:xfrm>
           <a:prstGeom prst="rect">
             <a:avLst/>
           </a:prstGeom>
-          <a:noFill/>
-        </p:spPr>
-        <p:txBody>
-          <a:bodyPr wrap="square" rtlCol="0">
-            <a:spAutoFit/>
-          </a:bodyPr>
-          <a:lstStyle/>
-          <a:p>
-            <a:r>
-              <a:rPr lang="en-US" dirty="0"/>
-              <a:t>Control-D (EOF)</a:t>
-            </a:r>
-          </a:p>
-        </p:txBody>
-      </p:sp>
+        </p:spPr>
+      </p:pic>
       <p:sp>
         <p:nvSpPr>
           <p:cNvPr id="11" name="Rectangle 10">
             <a:extLst>
               <a:ext uri="{FF2B5EF4-FFF2-40B4-BE49-F238E27FC236}">
-                <a16:creationId xmlns:a16="http://schemas.microsoft.com/office/drawing/2014/main" id="{FE90A06F-34C7-C241-A343-2449406FAC12}"/>
+                <a16:creationId xmlns:a16="http://schemas.microsoft.com/office/drawing/2014/main" id="{2910E044-04DC-2042-B8D9-F48C92D4C2E4}"/>
               </a:ext>
             </a:extLst>
           </p:cNvPr>
@@ -6408,8 +6526,8 @@
         </p:nvSpPr>
         <p:spPr>
           <a:xfrm>
-            <a:off x="8785736" y="914966"/>
-            <a:ext cx="251468" cy="446049"/>
+            <a:off x="8437979" y="2778418"/>
+            <a:ext cx="234681" cy="379561"/>
           </a:xfrm>
           <a:prstGeom prst="rect">
             <a:avLst/>
@@ -6451,7 +6569,7 @@
           <p:cNvPr id="12" name="Rectangle 11">
             <a:extLst>
               <a:ext uri="{FF2B5EF4-FFF2-40B4-BE49-F238E27FC236}">
-                <a16:creationId xmlns:a16="http://schemas.microsoft.com/office/drawing/2014/main" id="{90BD5282-1C09-CE46-A290-12FC2CD5DC53}"/>
+                <a16:creationId xmlns:a16="http://schemas.microsoft.com/office/drawing/2014/main" id="{3373D50E-DDA3-9746-A6EE-46EA0356A0C2}"/>
               </a:ext>
             </a:extLst>
           </p:cNvPr>
@@ -6460,8 +6578,8 @@
         </p:nvSpPr>
         <p:spPr>
           <a:xfrm>
-            <a:off x="8953923" y="3403766"/>
-            <a:ext cx="251468" cy="446049"/>
+            <a:off x="8440539" y="3372440"/>
+            <a:ext cx="234681" cy="379561"/>
           </a:xfrm>
           <a:prstGeom prst="rect">
             <a:avLst/>
@@ -6503,7 +6621,7 @@
           <p:cNvPr id="13" name="Rectangle 12">
             <a:extLst>
               <a:ext uri="{FF2B5EF4-FFF2-40B4-BE49-F238E27FC236}">
-                <a16:creationId xmlns:a16="http://schemas.microsoft.com/office/drawing/2014/main" id="{BF00A295-D1B9-8847-8E2F-8056D1F070AD}"/>
+                <a16:creationId xmlns:a16="http://schemas.microsoft.com/office/drawing/2014/main" id="{787CF981-02FD-6447-A688-867E7927C4BF}"/>
               </a:ext>
             </a:extLst>
           </p:cNvPr>
@@ -6512,8 +6630,8 @@
         </p:nvSpPr>
         <p:spPr>
           <a:xfrm>
-            <a:off x="8796242" y="4615079"/>
-            <a:ext cx="251468" cy="446049"/>
+            <a:off x="8437978" y="3968867"/>
+            <a:ext cx="234681" cy="379561"/>
           </a:xfrm>
           <a:prstGeom prst="rect">
             <a:avLst/>
@@ -6550,10 +6668,62 @@
           </a:p>
         </p:txBody>
       </p:sp>
+      <p:sp>
+        <p:nvSpPr>
+          <p:cNvPr id="14" name="Rectangle 13">
+            <a:extLst>
+              <a:ext uri="{FF2B5EF4-FFF2-40B4-BE49-F238E27FC236}">
+                <a16:creationId xmlns:a16="http://schemas.microsoft.com/office/drawing/2014/main" id="{0ECF18BD-3D90-8341-86F4-9E62C422550D}"/>
+              </a:ext>
+            </a:extLst>
+          </p:cNvPr>
+          <p:cNvSpPr/>
+          <p:nvPr/>
+        </p:nvSpPr>
+        <p:spPr>
+          <a:xfrm>
+            <a:off x="3669587" y="5205912"/>
+            <a:ext cx="234681" cy="379561"/>
+          </a:xfrm>
+          <a:prstGeom prst="rect">
+            <a:avLst/>
+          </a:prstGeom>
+          <a:noFill/>
+          <a:ln>
+            <a:solidFill>
+              <a:srgbClr val="E4754F"/>
+            </a:solidFill>
+          </a:ln>
+        </p:spPr>
+        <p:style>
+          <a:lnRef idx="2">
+            <a:schemeClr val="accent1">
+              <a:shade val="50000"/>
+            </a:schemeClr>
+          </a:lnRef>
+          <a:fillRef idx="1">
+            <a:schemeClr val="accent1"/>
+          </a:fillRef>
+          <a:effectRef idx="0">
+            <a:schemeClr val="accent1"/>
+          </a:effectRef>
+          <a:fontRef idx="minor">
+            <a:schemeClr val="lt1"/>
+          </a:fontRef>
+        </p:style>
+        <p:txBody>
+          <a:bodyPr rtlCol="0" anchor="ctr"/>
+          <a:lstStyle/>
+          <a:p>
+            <a:pPr algn="ctr"/>
+            <a:endParaRPr lang="en-US"/>
+          </a:p>
+        </p:txBody>
+      </p:sp>
     </p:spTree>
     <p:extLst>
       <p:ext uri="{BB962C8B-B14F-4D97-AF65-F5344CB8AC3E}">
-        <p14:creationId xmlns:p14="http://schemas.microsoft.com/office/powerpoint/2010/main" val="2677890396"/>
+        <p14:creationId xmlns:p14="http://schemas.microsoft.com/office/powerpoint/2010/main" val="2594054711"/>
       </p:ext>
     </p:extLst>
   </p:cSld>
@@ -6585,7 +6755,7 @@
           <p:cNvPr id="2" name="Title 1">
             <a:extLst>
               <a:ext uri="{FF2B5EF4-FFF2-40B4-BE49-F238E27FC236}">
-                <a16:creationId xmlns:a16="http://schemas.microsoft.com/office/drawing/2014/main" id="{CA4E806D-9B7B-E949-AEEE-A27FCBF34A18}"/>
+                <a16:creationId xmlns:a16="http://schemas.microsoft.com/office/drawing/2014/main" id="{1F2B52D8-6B24-D445-B4BE-A8E906F59C81}"/>
               </a:ext>
             </a:extLst>
           </p:cNvPr>
@@ -6603,7 +6773,7 @@
           <a:p>
             <a:r>
               <a:rPr lang="en-US" dirty="0"/>
-              <a:t>Throwing away program output</a:t>
+              <a:t>Redirecting standard input</a:t>
             </a:r>
           </a:p>
         </p:txBody>
@@ -6613,7 +6783,7 @@
           <p:cNvPr id="3" name="Content Placeholder 2">
             <a:extLst>
               <a:ext uri="{FF2B5EF4-FFF2-40B4-BE49-F238E27FC236}">
-                <a16:creationId xmlns:a16="http://schemas.microsoft.com/office/drawing/2014/main" id="{BFF0042E-4DFB-D746-A1EE-ACDD03109C75}"/>
+                <a16:creationId xmlns:a16="http://schemas.microsoft.com/office/drawing/2014/main" id="{896AA5F3-AAAF-1D48-BC06-4FBF9F6CCD79}"/>
               </a:ext>
             </a:extLst>
           </p:cNvPr>
@@ -6624,28 +6794,65 @@
             <p:ph idx="1"/>
           </p:nvPr>
         </p:nvSpPr>
-        <p:spPr/>
+        <p:spPr>
+          <a:xfrm>
+            <a:off x="838200" y="1825625"/>
+            <a:ext cx="5863683" cy="4351338"/>
+          </a:xfrm>
+        </p:spPr>
         <p:txBody>
           <a:bodyPr/>
           <a:lstStyle/>
           <a:p>
             <a:r>
               <a:rPr lang="en-US" dirty="0"/>
-              <a:t>file </a:t>
+              <a:t>Less common but still useful</a:t>
+            </a:r>
+          </a:p>
+          <a:p>
+            <a:r>
+              <a:rPr lang="en-US" dirty="0"/>
+              <a:t>Many commands take both </a:t>
+            </a:r>
+            <a:r>
+              <a:rPr lang="en-US" dirty="0" err="1"/>
+              <a:t>commandline</a:t>
+            </a:r>
+            <a:r>
+              <a:rPr lang="en-US" dirty="0"/>
+              <a:t> arguments and redirection: </a:t>
             </a:r>
             <a:r>
               <a:rPr lang="en-US" b="1" dirty="0"/>
-              <a:t>/dev/null </a:t>
+              <a:t>sort</a:t>
             </a:r>
             <a:r>
               <a:rPr lang="en-US" dirty="0"/>
-              <a:t>is a special “device” that accepts input and does nothing with it</a:t>
-            </a:r>
-          </a:p>
-          <a:p>
+              <a:t>, </a:t>
+            </a:r>
+            <a:r>
+              <a:rPr lang="en-US" b="1" dirty="0"/>
+              <a:t>cat</a:t>
+            </a:r>
             <a:r>
               <a:rPr lang="en-US" dirty="0"/>
-              <a:t>It’s a great way to hide all of that debugging output you have in your program</a:t>
+              <a:t>, </a:t>
+            </a:r>
+            <a:r>
+              <a:rPr lang="en-US" b="1" dirty="0" err="1"/>
+              <a:t>wc</a:t>
+            </a:r>
+            <a:r>
+              <a:rPr lang="en-US" dirty="0"/>
+              <a:t> </a:t>
+            </a:r>
+            <a:r>
+              <a:rPr lang="en-US" dirty="0" err="1"/>
+              <a:t>etc</a:t>
+            </a:r>
+            <a:r>
+              <a:rPr lang="en-US" dirty="0"/>
+              <a:t>…</a:t>
             </a:r>
           </a:p>
         </p:txBody>
@@ -6655,7 +6862,7 @@
           <p:cNvPr id="5" name="Picture 4" descr="Text&#10;&#10;Description automatically generated">
             <a:extLst>
               <a:ext uri="{FF2B5EF4-FFF2-40B4-BE49-F238E27FC236}">
-                <a16:creationId xmlns:a16="http://schemas.microsoft.com/office/drawing/2014/main" id="{46A51CC7-86D0-E74C-B8D5-9AC9D6F764F7}"/>
+                <a16:creationId xmlns:a16="http://schemas.microsoft.com/office/drawing/2014/main" id="{2F21F29C-EE4F-D149-A1DB-BF8088B6D8ED}"/>
               </a:ext>
             </a:extLst>
           </p:cNvPr>
@@ -6672,18 +6879,253 @@
         </p:blipFill>
         <p:spPr>
           <a:xfrm>
-            <a:off x="2336352" y="3926728"/>
-            <a:ext cx="6963765" cy="1246710"/>
+            <a:off x="7953637" y="937268"/>
+            <a:ext cx="3487514" cy="5379047"/>
           </a:xfrm>
           <a:prstGeom prst="rect">
             <a:avLst/>
           </a:prstGeom>
         </p:spPr>
       </p:pic>
+      <p:cxnSp>
+        <p:nvCxnSpPr>
+          <p:cNvPr id="6" name="Straight Arrow Connector 5">
+            <a:extLst>
+              <a:ext uri="{FF2B5EF4-FFF2-40B4-BE49-F238E27FC236}">
+                <a16:creationId xmlns:a16="http://schemas.microsoft.com/office/drawing/2014/main" id="{B7A50B9A-70C9-694B-9D24-0E9F052F30B2}"/>
+              </a:ext>
+            </a:extLst>
+          </p:cNvPr>
+          <p:cNvCxnSpPr>
+            <a:cxnSpLocks/>
+          </p:cNvCxnSpPr>
+          <p:nvPr/>
+        </p:nvCxnSpPr>
+        <p:spPr>
+          <a:xfrm flipV="1">
+            <a:off x="6590371" y="2207941"/>
+            <a:ext cx="1363266" cy="2061671"/>
+          </a:xfrm>
+          <a:prstGeom prst="straightConnector1">
+            <a:avLst/>
+          </a:prstGeom>
+          <a:ln w="12700">
+            <a:solidFill>
+              <a:srgbClr val="E4754F"/>
+            </a:solidFill>
+            <a:tailEnd type="triangle"/>
+          </a:ln>
+        </p:spPr>
+        <p:style>
+          <a:lnRef idx="1">
+            <a:schemeClr val="accent1"/>
+          </a:lnRef>
+          <a:fillRef idx="0">
+            <a:schemeClr val="accent1"/>
+          </a:fillRef>
+          <a:effectRef idx="0">
+            <a:schemeClr val="accent1"/>
+          </a:effectRef>
+          <a:fontRef idx="minor">
+            <a:schemeClr val="tx1"/>
+          </a:fontRef>
+        </p:style>
+      </p:cxnSp>
+      <p:sp>
+        <p:nvSpPr>
+          <p:cNvPr id="7" name="TextBox 6">
+            <a:extLst>
+              <a:ext uri="{FF2B5EF4-FFF2-40B4-BE49-F238E27FC236}">
+                <a16:creationId xmlns:a16="http://schemas.microsoft.com/office/drawing/2014/main" id="{E498F361-5D16-3442-9203-DCFFD6500A0B}"/>
+              </a:ext>
+            </a:extLst>
+          </p:cNvPr>
+          <p:cNvSpPr txBox="1"/>
+          <p:nvPr/>
+        </p:nvSpPr>
+        <p:spPr>
+          <a:xfrm>
+            <a:off x="5900432" y="4269612"/>
+            <a:ext cx="1363265" cy="1200329"/>
+          </a:xfrm>
+          <a:prstGeom prst="rect">
+            <a:avLst/>
+          </a:prstGeom>
+          <a:noFill/>
+        </p:spPr>
+        <p:txBody>
+          <a:bodyPr wrap="square" rtlCol="0">
+            <a:spAutoFit/>
+          </a:bodyPr>
+          <a:lstStyle/>
+          <a:p>
+            <a:r>
+              <a:rPr lang="en-US" dirty="0"/>
+              <a:t>I type 3 2 1 then hit control-D (EOF)</a:t>
+            </a:r>
+          </a:p>
+        </p:txBody>
+      </p:sp>
+      <p:sp>
+        <p:nvSpPr>
+          <p:cNvPr id="11" name="Rectangle 10">
+            <a:extLst>
+              <a:ext uri="{FF2B5EF4-FFF2-40B4-BE49-F238E27FC236}">
+                <a16:creationId xmlns:a16="http://schemas.microsoft.com/office/drawing/2014/main" id="{FE90A06F-34C7-C241-A343-2449406FAC12}"/>
+              </a:ext>
+            </a:extLst>
+          </p:cNvPr>
+          <p:cNvSpPr/>
+          <p:nvPr/>
+        </p:nvSpPr>
+        <p:spPr>
+          <a:xfrm>
+            <a:off x="8785736" y="914966"/>
+            <a:ext cx="251468" cy="446049"/>
+          </a:xfrm>
+          <a:prstGeom prst="rect">
+            <a:avLst/>
+          </a:prstGeom>
+          <a:noFill/>
+          <a:ln>
+            <a:solidFill>
+              <a:srgbClr val="E4754F"/>
+            </a:solidFill>
+          </a:ln>
+        </p:spPr>
+        <p:style>
+          <a:lnRef idx="2">
+            <a:schemeClr val="accent1">
+              <a:shade val="50000"/>
+            </a:schemeClr>
+          </a:lnRef>
+          <a:fillRef idx="1">
+            <a:schemeClr val="accent1"/>
+          </a:fillRef>
+          <a:effectRef idx="0">
+            <a:schemeClr val="accent1"/>
+          </a:effectRef>
+          <a:fontRef idx="minor">
+            <a:schemeClr val="lt1"/>
+          </a:fontRef>
+        </p:style>
+        <p:txBody>
+          <a:bodyPr rtlCol="0" anchor="ctr"/>
+          <a:lstStyle/>
+          <a:p>
+            <a:pPr algn="ctr"/>
+            <a:endParaRPr lang="en-US"/>
+          </a:p>
+        </p:txBody>
+      </p:sp>
+      <p:sp>
+        <p:nvSpPr>
+          <p:cNvPr id="12" name="Rectangle 11">
+            <a:extLst>
+              <a:ext uri="{FF2B5EF4-FFF2-40B4-BE49-F238E27FC236}">
+                <a16:creationId xmlns:a16="http://schemas.microsoft.com/office/drawing/2014/main" id="{90BD5282-1C09-CE46-A290-12FC2CD5DC53}"/>
+              </a:ext>
+            </a:extLst>
+          </p:cNvPr>
+          <p:cNvSpPr/>
+          <p:nvPr/>
+        </p:nvSpPr>
+        <p:spPr>
+          <a:xfrm>
+            <a:off x="8953923" y="3403766"/>
+            <a:ext cx="251468" cy="446049"/>
+          </a:xfrm>
+          <a:prstGeom prst="rect">
+            <a:avLst/>
+          </a:prstGeom>
+          <a:noFill/>
+          <a:ln>
+            <a:solidFill>
+              <a:srgbClr val="E4754F"/>
+            </a:solidFill>
+          </a:ln>
+        </p:spPr>
+        <p:style>
+          <a:lnRef idx="2">
+            <a:schemeClr val="accent1">
+              <a:shade val="50000"/>
+            </a:schemeClr>
+          </a:lnRef>
+          <a:fillRef idx="1">
+            <a:schemeClr val="accent1"/>
+          </a:fillRef>
+          <a:effectRef idx="0">
+            <a:schemeClr val="accent1"/>
+          </a:effectRef>
+          <a:fontRef idx="minor">
+            <a:schemeClr val="lt1"/>
+          </a:fontRef>
+        </p:style>
+        <p:txBody>
+          <a:bodyPr rtlCol="0" anchor="ctr"/>
+          <a:lstStyle/>
+          <a:p>
+            <a:pPr algn="ctr"/>
+            <a:endParaRPr lang="en-US"/>
+          </a:p>
+        </p:txBody>
+      </p:sp>
+      <p:sp>
+        <p:nvSpPr>
+          <p:cNvPr id="13" name="Rectangle 12">
+            <a:extLst>
+              <a:ext uri="{FF2B5EF4-FFF2-40B4-BE49-F238E27FC236}">
+                <a16:creationId xmlns:a16="http://schemas.microsoft.com/office/drawing/2014/main" id="{BF00A295-D1B9-8847-8E2F-8056D1F070AD}"/>
+              </a:ext>
+            </a:extLst>
+          </p:cNvPr>
+          <p:cNvSpPr/>
+          <p:nvPr/>
+        </p:nvSpPr>
+        <p:spPr>
+          <a:xfrm>
+            <a:off x="8796242" y="4615079"/>
+            <a:ext cx="251468" cy="446049"/>
+          </a:xfrm>
+          <a:prstGeom prst="rect">
+            <a:avLst/>
+          </a:prstGeom>
+          <a:noFill/>
+          <a:ln>
+            <a:solidFill>
+              <a:srgbClr val="E4754F"/>
+            </a:solidFill>
+          </a:ln>
+        </p:spPr>
+        <p:style>
+          <a:lnRef idx="2">
+            <a:schemeClr val="accent1">
+              <a:shade val="50000"/>
+            </a:schemeClr>
+          </a:lnRef>
+          <a:fillRef idx="1">
+            <a:schemeClr val="accent1"/>
+          </a:fillRef>
+          <a:effectRef idx="0">
+            <a:schemeClr val="accent1"/>
+          </a:effectRef>
+          <a:fontRef idx="minor">
+            <a:schemeClr val="lt1"/>
+          </a:fontRef>
+        </p:style>
+        <p:txBody>
+          <a:bodyPr rtlCol="0" anchor="ctr"/>
+          <a:lstStyle/>
+          <a:p>
+            <a:pPr algn="ctr"/>
+            <a:endParaRPr lang="en-US"/>
+          </a:p>
+        </p:txBody>
+      </p:sp>
     </p:spTree>
     <p:extLst>
       <p:ext uri="{BB962C8B-B14F-4D97-AF65-F5344CB8AC3E}">
-        <p14:creationId xmlns:p14="http://schemas.microsoft.com/office/powerpoint/2010/main" val="1501264057"/>
+        <p14:creationId xmlns:p14="http://schemas.microsoft.com/office/powerpoint/2010/main" val="2677890396"/>
       </p:ext>
     </p:extLst>
   </p:cSld>
